--- a/Lecture_intro.pptx
+++ b/Lecture_intro.pptx
@@ -17,6 +17,23 @@
     <p:sldId id="265" r:id="rId11"/>
     <p:sldId id="266" r:id="rId12"/>
     <p:sldId id="267" r:id="rId13"/>
+    <p:sldId id="268" r:id="rId14"/>
+    <p:sldId id="269" r:id="rId15"/>
+    <p:sldId id="270" r:id="rId16"/>
+    <p:sldId id="271" r:id="rId17"/>
+    <p:sldId id="272" r:id="rId18"/>
+    <p:sldId id="273" r:id="rId19"/>
+    <p:sldId id="274" r:id="rId20"/>
+    <p:sldId id="275" r:id="rId21"/>
+    <p:sldId id="276" r:id="rId22"/>
+    <p:sldId id="277" r:id="rId23"/>
+    <p:sldId id="278" r:id="rId24"/>
+    <p:sldId id="279" r:id="rId25"/>
+    <p:sldId id="280" r:id="rId26"/>
+    <p:sldId id="281" r:id="rId27"/>
+    <p:sldId id="282" r:id="rId28"/>
+    <p:sldId id="283" r:id="rId29"/>
+    <p:sldId id="284" r:id="rId30"/>
   </p:sldIdLst>
   <p:sldSz cx="12192000" cy="6858000"/>
   <p:notesSz cx="6858000" cy="9144000"/>
@@ -115,6 +132,11 @@
       </a:defRPr>
     </a:lvl9pPr>
   </p:defaultTextStyle>
+  <p:extLst>
+    <p:ext uri="{EFAFB233-063F-42B5-8137-9DF3F51BA10A}">
+      <p15:sldGuideLst xmlns:p15="http://schemas.microsoft.com/office/powerpoint/2012/main"/>
+    </p:ext>
+  </p:extLst>
 </p:presentation>
 </file>
 
@@ -249,7 +271,7 @@
           <a:p>
             <a:fld id="{CAAF9B4D-53DE-4BD9-8C92-30C70D59891A}" type="datetimeFigureOut">
               <a:rPr lang="en-CA" smtClean="0"/>
-              <a:t>2019-08-16</a:t>
+              <a:t>2019-08-19</a:t>
             </a:fld>
             <a:endParaRPr lang="en-CA"/>
           </a:p>
@@ -419,7 +441,7 @@
           <a:p>
             <a:fld id="{CAAF9B4D-53DE-4BD9-8C92-30C70D59891A}" type="datetimeFigureOut">
               <a:rPr lang="en-CA" smtClean="0"/>
-              <a:t>2019-08-16</a:t>
+              <a:t>2019-08-19</a:t>
             </a:fld>
             <a:endParaRPr lang="en-CA"/>
           </a:p>
@@ -599,7 +621,7 @@
           <a:p>
             <a:fld id="{CAAF9B4D-53DE-4BD9-8C92-30C70D59891A}" type="datetimeFigureOut">
               <a:rPr lang="en-CA" smtClean="0"/>
-              <a:t>2019-08-16</a:t>
+              <a:t>2019-08-19</a:t>
             </a:fld>
             <a:endParaRPr lang="en-CA"/>
           </a:p>
@@ -769,7 +791,7 @@
           <a:p>
             <a:fld id="{CAAF9B4D-53DE-4BD9-8C92-30C70D59891A}" type="datetimeFigureOut">
               <a:rPr lang="en-CA" smtClean="0"/>
-              <a:t>2019-08-16</a:t>
+              <a:t>2019-08-19</a:t>
             </a:fld>
             <a:endParaRPr lang="en-CA"/>
           </a:p>
@@ -1015,7 +1037,7 @@
           <a:p>
             <a:fld id="{CAAF9B4D-53DE-4BD9-8C92-30C70D59891A}" type="datetimeFigureOut">
               <a:rPr lang="en-CA" smtClean="0"/>
-              <a:t>2019-08-16</a:t>
+              <a:t>2019-08-19</a:t>
             </a:fld>
             <a:endParaRPr lang="en-CA"/>
           </a:p>
@@ -1247,7 +1269,7 @@
           <a:p>
             <a:fld id="{CAAF9B4D-53DE-4BD9-8C92-30C70D59891A}" type="datetimeFigureOut">
               <a:rPr lang="en-CA" smtClean="0"/>
-              <a:t>2019-08-16</a:t>
+              <a:t>2019-08-19</a:t>
             </a:fld>
             <a:endParaRPr lang="en-CA"/>
           </a:p>
@@ -1614,7 +1636,7 @@
           <a:p>
             <a:fld id="{CAAF9B4D-53DE-4BD9-8C92-30C70D59891A}" type="datetimeFigureOut">
               <a:rPr lang="en-CA" smtClean="0"/>
-              <a:t>2019-08-16</a:t>
+              <a:t>2019-08-19</a:t>
             </a:fld>
             <a:endParaRPr lang="en-CA"/>
           </a:p>
@@ -1732,7 +1754,7 @@
           <a:p>
             <a:fld id="{CAAF9B4D-53DE-4BD9-8C92-30C70D59891A}" type="datetimeFigureOut">
               <a:rPr lang="en-CA" smtClean="0"/>
-              <a:t>2019-08-16</a:t>
+              <a:t>2019-08-19</a:t>
             </a:fld>
             <a:endParaRPr lang="en-CA"/>
           </a:p>
@@ -1827,7 +1849,7 @@
           <a:p>
             <a:fld id="{CAAF9B4D-53DE-4BD9-8C92-30C70D59891A}" type="datetimeFigureOut">
               <a:rPr lang="en-CA" smtClean="0"/>
-              <a:t>2019-08-16</a:t>
+              <a:t>2019-08-19</a:t>
             </a:fld>
             <a:endParaRPr lang="en-CA"/>
           </a:p>
@@ -2104,7 +2126,7 @@
           <a:p>
             <a:fld id="{CAAF9B4D-53DE-4BD9-8C92-30C70D59891A}" type="datetimeFigureOut">
               <a:rPr lang="en-CA" smtClean="0"/>
-              <a:t>2019-08-16</a:t>
+              <a:t>2019-08-19</a:t>
             </a:fld>
             <a:endParaRPr lang="en-CA"/>
           </a:p>
@@ -2357,7 +2379,7 @@
           <a:p>
             <a:fld id="{CAAF9B4D-53DE-4BD9-8C92-30C70D59891A}" type="datetimeFigureOut">
               <a:rPr lang="en-CA" smtClean="0"/>
-              <a:t>2019-08-16</a:t>
+              <a:t>2019-08-19</a:t>
             </a:fld>
             <a:endParaRPr lang="en-CA"/>
           </a:p>
@@ -2570,7 +2592,7 @@
           <a:p>
             <a:fld id="{CAAF9B4D-53DE-4BD9-8C92-30C70D59891A}" type="datetimeFigureOut">
               <a:rPr lang="en-CA" smtClean="0"/>
-              <a:t>2019-08-16</a:t>
+              <a:t>2019-08-19</a:t>
             </a:fld>
             <a:endParaRPr lang="en-CA"/>
           </a:p>
@@ -3027,6 +3049,13 @@
   <p:clrMapOvr>
     <a:masterClrMapping/>
   </p:clrMapOvr>
+  <p:timing>
+    <p:tnLst>
+      <p:par>
+        <p:cTn id="1" dur="indefinite" restart="never" nodeType="tmRoot"/>
+      </p:par>
+    </p:tnLst>
+  </p:timing>
 </p:sld>
 </file>
 
@@ -3105,6 +3134,13 @@
   <p:clrMapOvr>
     <a:masterClrMapping/>
   </p:clrMapOvr>
+  <p:timing>
+    <p:tnLst>
+      <p:par>
+        <p:cTn id="1" dur="indefinite" restart="never" nodeType="tmRoot"/>
+      </p:par>
+    </p:tnLst>
+  </p:timing>
 </p:sld>
 </file>
 
@@ -3181,6 +3217,13 @@
   <p:clrMapOvr>
     <a:masterClrMapping/>
   </p:clrMapOvr>
+  <p:timing>
+    <p:tnLst>
+      <p:par>
+        <p:cTn id="1" dur="indefinite" restart="never" nodeType="tmRoot"/>
+      </p:par>
+    </p:tnLst>
+  </p:timing>
 </p:sld>
 </file>
 
@@ -3296,6 +3339,733 @@
   <p:clrMapOvr>
     <a:masterClrMapping/>
   </p:clrMapOvr>
+  <p:timing>
+    <p:tnLst>
+      <p:par>
+        <p:cTn id="1" dur="indefinite" restart="never" nodeType="tmRoot"/>
+      </p:par>
+    </p:tnLst>
+  </p:timing>
+</p:sld>
+</file>
+
+<file path=ppt/slides/slide13.xml><?xml version="1.0" encoding="utf-8"?>
+<p:sld xmlns:a="http://schemas.openxmlformats.org/drawingml/2006/main" xmlns:r="http://schemas.openxmlformats.org/officeDocument/2006/relationships" xmlns:p="http://schemas.openxmlformats.org/presentationml/2006/main">
+  <p:cSld>
+    <p:spTree>
+      <p:nvGrpSpPr>
+        <p:cNvPr id="1" name=""/>
+        <p:cNvGrpSpPr/>
+        <p:nvPr/>
+      </p:nvGrpSpPr>
+      <p:grpSpPr>
+        <a:xfrm>
+          <a:off x="0" y="0"/>
+          <a:ext cx="0" cy="0"/>
+          <a:chOff x="0" y="0"/>
+          <a:chExt cx="0" cy="0"/>
+        </a:xfrm>
+      </p:grpSpPr>
+      <p:sp>
+        <p:nvSpPr>
+          <p:cNvPr id="2" name="Title 1"/>
+          <p:cNvSpPr>
+            <a:spLocks noGrp="1"/>
+          </p:cNvSpPr>
+          <p:nvPr>
+            <p:ph type="title"/>
+          </p:nvPr>
+        </p:nvSpPr>
+        <p:spPr/>
+        <p:txBody>
+          <a:bodyPr/>
+          <a:lstStyle/>
+          <a:p>
+            <a:r>
+              <a:rPr lang="en-CA" dirty="0" smtClean="0"/>
+              <a:t>Data mining process pg28</a:t>
+            </a:r>
+            <a:endParaRPr lang="en-CA" dirty="0"/>
+          </a:p>
+        </p:txBody>
+      </p:sp>
+      <p:sp>
+        <p:nvSpPr>
+          <p:cNvPr id="3" name="Content Placeholder 2"/>
+          <p:cNvSpPr>
+            <a:spLocks noGrp="1"/>
+          </p:cNvSpPr>
+          <p:nvPr>
+            <p:ph idx="1"/>
+          </p:nvPr>
+        </p:nvSpPr>
+        <p:spPr/>
+        <p:txBody>
+          <a:bodyPr/>
+          <a:lstStyle/>
+          <a:p>
+            <a:r>
+              <a:rPr lang="en-CA" dirty="0" smtClean="0"/>
+              <a:t>1) business understanding </a:t>
+            </a:r>
+          </a:p>
+          <a:p>
+            <a:r>
+              <a:rPr lang="en-CA" dirty="0" smtClean="0"/>
+              <a:t>2) data understanding</a:t>
+            </a:r>
+          </a:p>
+          <a:p>
+            <a:r>
+              <a:rPr lang="en-CA" dirty="0" smtClean="0"/>
+              <a:t>3)</a:t>
+            </a:r>
+            <a:r>
+              <a:rPr lang="fr-CA" dirty="0"/>
+              <a:t> </a:t>
+            </a:r>
+            <a:r>
+              <a:rPr lang="fr-CA" dirty="0" smtClean="0"/>
+              <a:t>data </a:t>
+            </a:r>
+            <a:r>
+              <a:rPr lang="fr-CA" dirty="0" err="1" smtClean="0"/>
+              <a:t>preparation</a:t>
+            </a:r>
+            <a:endParaRPr lang="fr-CA" dirty="0" smtClean="0"/>
+          </a:p>
+          <a:p>
+            <a:r>
+              <a:rPr lang="fr-CA" dirty="0" smtClean="0"/>
+              <a:t>4) data </a:t>
+            </a:r>
+            <a:r>
+              <a:rPr lang="fr-CA" dirty="0" err="1" smtClean="0"/>
+              <a:t>modeling</a:t>
+            </a:r>
+            <a:endParaRPr lang="fr-CA" dirty="0" smtClean="0"/>
+          </a:p>
+          <a:p>
+            <a:r>
+              <a:rPr lang="fr-CA" dirty="0" smtClean="0"/>
+              <a:t>5) data </a:t>
+            </a:r>
+            <a:r>
+              <a:rPr lang="fr-CA" dirty="0" err="1" smtClean="0"/>
+              <a:t>evaluation</a:t>
+            </a:r>
+            <a:endParaRPr lang="fr-CA" dirty="0" smtClean="0"/>
+          </a:p>
+          <a:p>
+            <a:r>
+              <a:rPr lang="fr-CA" dirty="0" smtClean="0"/>
+              <a:t>6) </a:t>
+            </a:r>
+            <a:r>
+              <a:rPr lang="fr-CA" dirty="0" err="1" smtClean="0"/>
+              <a:t>implementation</a:t>
+            </a:r>
+            <a:r>
+              <a:rPr lang="fr-CA" dirty="0" smtClean="0"/>
+              <a:t>/</a:t>
+            </a:r>
+            <a:r>
+              <a:rPr lang="fr-CA" dirty="0" err="1" smtClean="0"/>
+              <a:t>deployment</a:t>
+            </a:r>
+            <a:endParaRPr lang="en-CA" dirty="0"/>
+          </a:p>
+        </p:txBody>
+      </p:sp>
+    </p:spTree>
+    <p:extLst>
+      <p:ext uri="{BB962C8B-B14F-4D97-AF65-F5344CB8AC3E}">
+        <p14:creationId xmlns:p14="http://schemas.microsoft.com/office/powerpoint/2010/main" val="2219059207"/>
+      </p:ext>
+    </p:extLst>
+  </p:cSld>
+  <p:clrMapOvr>
+    <a:masterClrMapping/>
+  </p:clrMapOvr>
+  <p:timing>
+    <p:tnLst>
+      <p:par>
+        <p:cTn id="1" dur="indefinite" restart="never" nodeType="tmRoot"/>
+      </p:par>
+    </p:tnLst>
+  </p:timing>
+</p:sld>
+</file>
+
+<file path=ppt/slides/slide14.xml><?xml version="1.0" encoding="utf-8"?>
+<p:sld xmlns:a="http://schemas.openxmlformats.org/drawingml/2006/main" xmlns:r="http://schemas.openxmlformats.org/officeDocument/2006/relationships" xmlns:p="http://schemas.openxmlformats.org/presentationml/2006/main">
+  <p:cSld>
+    <p:spTree>
+      <p:nvGrpSpPr>
+        <p:cNvPr id="1" name=""/>
+        <p:cNvGrpSpPr/>
+        <p:nvPr/>
+      </p:nvGrpSpPr>
+      <p:grpSpPr>
+        <a:xfrm>
+          <a:off x="0" y="0"/>
+          <a:ext cx="0" cy="0"/>
+          <a:chOff x="0" y="0"/>
+          <a:chExt cx="0" cy="0"/>
+        </a:xfrm>
+      </p:grpSpPr>
+      <p:sp>
+        <p:nvSpPr>
+          <p:cNvPr id="2" name="Title 1"/>
+          <p:cNvSpPr>
+            <a:spLocks noGrp="1"/>
+          </p:cNvSpPr>
+          <p:nvPr>
+            <p:ph type="title"/>
+          </p:nvPr>
+        </p:nvSpPr>
+        <p:spPr/>
+        <p:txBody>
+          <a:bodyPr/>
+          <a:lstStyle/>
+          <a:p>
+            <a:r>
+              <a:rPr lang="en-CA" dirty="0" smtClean="0"/>
+              <a:t>Generalization as search </a:t>
+            </a:r>
+            <a:r>
+              <a:rPr lang="en-CA" dirty="0" err="1" smtClean="0"/>
+              <a:t>pg</a:t>
+            </a:r>
+            <a:r>
+              <a:rPr lang="en-CA" dirty="0" smtClean="0"/>
+              <a:t> 30</a:t>
+            </a:r>
+            <a:endParaRPr lang="en-CA" dirty="0"/>
+          </a:p>
+        </p:txBody>
+      </p:sp>
+      <p:sp>
+        <p:nvSpPr>
+          <p:cNvPr id="3" name="Content Placeholder 2"/>
+          <p:cNvSpPr>
+            <a:spLocks noGrp="1"/>
+          </p:cNvSpPr>
+          <p:nvPr>
+            <p:ph idx="1"/>
+          </p:nvPr>
+        </p:nvSpPr>
+        <p:spPr/>
+        <p:txBody>
+          <a:bodyPr/>
+          <a:lstStyle/>
+          <a:p>
+            <a:r>
+              <a:rPr lang="en-CA" dirty="0" smtClean="0"/>
+              <a:t>Enumerate descriptions and strike out the ones that do not fit the data</a:t>
+            </a:r>
+          </a:p>
+          <a:p>
+            <a:endParaRPr lang="en-CA" dirty="0"/>
+          </a:p>
+        </p:txBody>
+      </p:sp>
+    </p:spTree>
+    <p:extLst>
+      <p:ext uri="{BB962C8B-B14F-4D97-AF65-F5344CB8AC3E}">
+        <p14:creationId xmlns:p14="http://schemas.microsoft.com/office/powerpoint/2010/main" val="111165128"/>
+      </p:ext>
+    </p:extLst>
+  </p:cSld>
+  <p:clrMapOvr>
+    <a:masterClrMapping/>
+  </p:clrMapOvr>
+  <p:timing>
+    <p:tnLst>
+      <p:par>
+        <p:cTn id="1" dur="indefinite" restart="never" nodeType="tmRoot"/>
+      </p:par>
+    </p:tnLst>
+  </p:timing>
+</p:sld>
+</file>
+
+<file path=ppt/slides/slide15.xml><?xml version="1.0" encoding="utf-8"?>
+<p:sld xmlns:a="http://schemas.openxmlformats.org/drawingml/2006/main" xmlns:r="http://schemas.openxmlformats.org/officeDocument/2006/relationships" xmlns:p="http://schemas.openxmlformats.org/presentationml/2006/main">
+  <p:cSld>
+    <p:spTree>
+      <p:nvGrpSpPr>
+        <p:cNvPr id="1" name=""/>
+        <p:cNvGrpSpPr/>
+        <p:nvPr/>
+      </p:nvGrpSpPr>
+      <p:grpSpPr>
+        <a:xfrm>
+          <a:off x="0" y="0"/>
+          <a:ext cx="0" cy="0"/>
+          <a:chOff x="0" y="0"/>
+          <a:chExt cx="0" cy="0"/>
+        </a:xfrm>
+      </p:grpSpPr>
+      <p:sp>
+        <p:nvSpPr>
+          <p:cNvPr id="2" name="Title 1"/>
+          <p:cNvSpPr>
+            <a:spLocks noGrp="1"/>
+          </p:cNvSpPr>
+          <p:nvPr>
+            <p:ph type="title"/>
+          </p:nvPr>
+        </p:nvSpPr>
+        <p:spPr/>
+        <p:txBody>
+          <a:bodyPr/>
+          <a:lstStyle/>
+          <a:p>
+            <a:r>
+              <a:rPr lang="en-CA" dirty="0" smtClean="0"/>
+              <a:t>Bias </a:t>
+            </a:r>
+            <a:r>
+              <a:rPr lang="en-CA" dirty="0" err="1" smtClean="0"/>
+              <a:t>pg</a:t>
+            </a:r>
+            <a:r>
+              <a:rPr lang="en-CA" dirty="0" smtClean="0"/>
+              <a:t> 32</a:t>
+            </a:r>
+            <a:endParaRPr lang="en-CA" dirty="0"/>
+          </a:p>
+        </p:txBody>
+      </p:sp>
+      <p:sp>
+        <p:nvSpPr>
+          <p:cNvPr id="3" name="Content Placeholder 2"/>
+          <p:cNvSpPr>
+            <a:spLocks noGrp="1"/>
+          </p:cNvSpPr>
+          <p:nvPr>
+            <p:ph idx="1"/>
+          </p:nvPr>
+        </p:nvSpPr>
+        <p:spPr/>
+        <p:txBody>
+          <a:bodyPr/>
+          <a:lstStyle/>
+          <a:p>
+            <a:r>
+              <a:rPr lang="en-CA" dirty="0" smtClean="0"/>
+              <a:t>Most important decisions in a machine learning system are:</a:t>
+            </a:r>
+          </a:p>
+          <a:p>
+            <a:r>
+              <a:rPr lang="en-CA" dirty="0" smtClean="0"/>
+              <a:t>Concept description language (language bias)</a:t>
+            </a:r>
+          </a:p>
+          <a:p>
+            <a:r>
+              <a:rPr lang="en-CA" dirty="0" smtClean="0"/>
+              <a:t>Order in which space is searched (search bias)</a:t>
+            </a:r>
+          </a:p>
+          <a:p>
+            <a:r>
+              <a:rPr lang="en-CA" dirty="0" smtClean="0"/>
+              <a:t>The way that training data overfitting is avoided (overfitting avoidance bias)</a:t>
+            </a:r>
+            <a:endParaRPr lang="en-CA" dirty="0"/>
+          </a:p>
+        </p:txBody>
+      </p:sp>
+    </p:spTree>
+    <p:extLst>
+      <p:ext uri="{BB962C8B-B14F-4D97-AF65-F5344CB8AC3E}">
+        <p14:creationId xmlns:p14="http://schemas.microsoft.com/office/powerpoint/2010/main" val="2306456140"/>
+      </p:ext>
+    </p:extLst>
+  </p:cSld>
+  <p:clrMapOvr>
+    <a:masterClrMapping/>
+  </p:clrMapOvr>
+  <p:timing>
+    <p:tnLst>
+      <p:par>
+        <p:cTn id="1" dur="indefinite" restart="never" nodeType="tmRoot"/>
+      </p:par>
+    </p:tnLst>
+  </p:timing>
+</p:sld>
+</file>
+
+<file path=ppt/slides/slide16.xml><?xml version="1.0" encoding="utf-8"?>
+<p:sld xmlns:a="http://schemas.openxmlformats.org/drawingml/2006/main" xmlns:r="http://schemas.openxmlformats.org/officeDocument/2006/relationships" xmlns:p="http://schemas.openxmlformats.org/presentationml/2006/main">
+  <p:cSld>
+    <p:spTree>
+      <p:nvGrpSpPr>
+        <p:cNvPr id="1" name=""/>
+        <p:cNvGrpSpPr/>
+        <p:nvPr/>
+      </p:nvGrpSpPr>
+      <p:grpSpPr>
+        <a:xfrm>
+          <a:off x="0" y="0"/>
+          <a:ext cx="0" cy="0"/>
+          <a:chOff x="0" y="0"/>
+          <a:chExt cx="0" cy="0"/>
+        </a:xfrm>
+      </p:grpSpPr>
+      <p:sp>
+        <p:nvSpPr>
+          <p:cNvPr id="2" name="Title 1"/>
+          <p:cNvSpPr>
+            <a:spLocks noGrp="1"/>
+          </p:cNvSpPr>
+          <p:nvPr>
+            <p:ph type="title"/>
+          </p:nvPr>
+        </p:nvSpPr>
+        <p:spPr/>
+        <p:txBody>
+          <a:bodyPr/>
+          <a:lstStyle/>
+          <a:p>
+            <a:r>
+              <a:rPr lang="en-CA" dirty="0" smtClean="0"/>
+              <a:t>Input: concepts and attributes, pg43</a:t>
+            </a:r>
+            <a:endParaRPr lang="en-CA" dirty="0"/>
+          </a:p>
+        </p:txBody>
+      </p:sp>
+      <p:sp>
+        <p:nvSpPr>
+          <p:cNvPr id="3" name="Content Placeholder 2"/>
+          <p:cNvSpPr>
+            <a:spLocks noGrp="1"/>
+          </p:cNvSpPr>
+          <p:nvPr>
+            <p:ph idx="1"/>
+          </p:nvPr>
+        </p:nvSpPr>
+        <p:spPr/>
+        <p:txBody>
+          <a:bodyPr/>
+          <a:lstStyle/>
+          <a:p>
+            <a:endParaRPr lang="en-CA"/>
+          </a:p>
+        </p:txBody>
+      </p:sp>
+    </p:spTree>
+    <p:extLst>
+      <p:ext uri="{BB962C8B-B14F-4D97-AF65-F5344CB8AC3E}">
+        <p14:creationId xmlns:p14="http://schemas.microsoft.com/office/powerpoint/2010/main" val="2621029932"/>
+      </p:ext>
+    </p:extLst>
+  </p:cSld>
+  <p:clrMapOvr>
+    <a:masterClrMapping/>
+  </p:clrMapOvr>
+  <p:timing>
+    <p:tnLst>
+      <p:par>
+        <p:cTn id="1" dur="indefinite" restart="never" nodeType="tmRoot"/>
+      </p:par>
+    </p:tnLst>
+  </p:timing>
+</p:sld>
+</file>
+
+<file path=ppt/slides/slide17.xml><?xml version="1.0" encoding="utf-8"?>
+<p:sld xmlns:a="http://schemas.openxmlformats.org/drawingml/2006/main" xmlns:r="http://schemas.openxmlformats.org/officeDocument/2006/relationships" xmlns:p="http://schemas.openxmlformats.org/presentationml/2006/main">
+  <p:cSld>
+    <p:spTree>
+      <p:nvGrpSpPr>
+        <p:cNvPr id="1" name=""/>
+        <p:cNvGrpSpPr/>
+        <p:nvPr/>
+      </p:nvGrpSpPr>
+      <p:grpSpPr>
+        <a:xfrm>
+          <a:off x="0" y="0"/>
+          <a:ext cx="0" cy="0"/>
+          <a:chOff x="0" y="0"/>
+          <a:chExt cx="0" cy="0"/>
+        </a:xfrm>
+      </p:grpSpPr>
+      <p:sp>
+        <p:nvSpPr>
+          <p:cNvPr id="2" name="Title 1"/>
+          <p:cNvSpPr>
+            <a:spLocks noGrp="1"/>
+          </p:cNvSpPr>
+          <p:nvPr>
+            <p:ph type="title"/>
+          </p:nvPr>
+        </p:nvSpPr>
+        <p:spPr/>
+        <p:txBody>
+          <a:bodyPr/>
+          <a:lstStyle/>
+          <a:p>
+            <a:r>
+              <a:rPr lang="en-CA" dirty="0" err="1" smtClean="0"/>
+              <a:t>Whats</a:t>
+            </a:r>
+            <a:r>
+              <a:rPr lang="en-CA" dirty="0" smtClean="0"/>
+              <a:t> a concept? pg44</a:t>
+            </a:r>
+            <a:endParaRPr lang="en-CA" dirty="0"/>
+          </a:p>
+        </p:txBody>
+      </p:sp>
+      <p:sp>
+        <p:nvSpPr>
+          <p:cNvPr id="3" name="Content Placeholder 2"/>
+          <p:cNvSpPr>
+            <a:spLocks noGrp="1"/>
+          </p:cNvSpPr>
+          <p:nvPr>
+            <p:ph idx="1"/>
+          </p:nvPr>
+        </p:nvSpPr>
+        <p:spPr/>
+        <p:txBody>
+          <a:bodyPr/>
+          <a:lstStyle/>
+          <a:p>
+            <a:endParaRPr lang="en-CA"/>
+          </a:p>
+        </p:txBody>
+      </p:sp>
+    </p:spTree>
+    <p:extLst>
+      <p:ext uri="{BB962C8B-B14F-4D97-AF65-F5344CB8AC3E}">
+        <p14:creationId xmlns:p14="http://schemas.microsoft.com/office/powerpoint/2010/main" val="1926195901"/>
+      </p:ext>
+    </p:extLst>
+  </p:cSld>
+  <p:clrMapOvr>
+    <a:masterClrMapping/>
+  </p:clrMapOvr>
+  <p:timing>
+    <p:tnLst>
+      <p:par>
+        <p:cTn id="1" dur="indefinite" restart="never" nodeType="tmRoot"/>
+      </p:par>
+    </p:tnLst>
+  </p:timing>
+</p:sld>
+</file>
+
+<file path=ppt/slides/slide18.xml><?xml version="1.0" encoding="utf-8"?>
+<p:sld xmlns:a="http://schemas.openxmlformats.org/drawingml/2006/main" xmlns:r="http://schemas.openxmlformats.org/officeDocument/2006/relationships" xmlns:p="http://schemas.openxmlformats.org/presentationml/2006/main">
+  <p:cSld>
+    <p:spTree>
+      <p:nvGrpSpPr>
+        <p:cNvPr id="1" name=""/>
+        <p:cNvGrpSpPr/>
+        <p:nvPr/>
+      </p:nvGrpSpPr>
+      <p:grpSpPr>
+        <a:xfrm>
+          <a:off x="0" y="0"/>
+          <a:ext cx="0" cy="0"/>
+          <a:chOff x="0" y="0"/>
+          <a:chExt cx="0" cy="0"/>
+        </a:xfrm>
+      </p:grpSpPr>
+      <p:sp>
+        <p:nvSpPr>
+          <p:cNvPr id="2" name="Title 1"/>
+          <p:cNvSpPr>
+            <a:spLocks noGrp="1"/>
+          </p:cNvSpPr>
+          <p:nvPr>
+            <p:ph type="title"/>
+          </p:nvPr>
+        </p:nvSpPr>
+        <p:spPr/>
+        <p:txBody>
+          <a:bodyPr/>
+          <a:lstStyle/>
+          <a:p>
+            <a:r>
+              <a:rPr lang="en-CA" dirty="0" err="1" smtClean="0"/>
+              <a:t>Whats</a:t>
+            </a:r>
+            <a:r>
+              <a:rPr lang="en-CA" dirty="0" smtClean="0"/>
+              <a:t> in an example? pg46</a:t>
+            </a:r>
+            <a:endParaRPr lang="en-CA" dirty="0"/>
+          </a:p>
+        </p:txBody>
+      </p:sp>
+      <p:sp>
+        <p:nvSpPr>
+          <p:cNvPr id="3" name="Content Placeholder 2"/>
+          <p:cNvSpPr>
+            <a:spLocks noGrp="1"/>
+          </p:cNvSpPr>
+          <p:nvPr>
+            <p:ph idx="1"/>
+          </p:nvPr>
+        </p:nvSpPr>
+        <p:spPr/>
+        <p:txBody>
+          <a:bodyPr/>
+          <a:lstStyle/>
+          <a:p>
+            <a:r>
+              <a:rPr lang="en-CA" dirty="0" smtClean="0"/>
+              <a:t>Instances, not examples (more specific term)</a:t>
+            </a:r>
+          </a:p>
+          <a:p>
+            <a:r>
+              <a:rPr lang="en-CA" dirty="0" smtClean="0"/>
+              <a:t>Instances characterized by the values of a set of predetermined attributes</a:t>
+            </a:r>
+          </a:p>
+          <a:p>
+            <a:r>
+              <a:rPr lang="en-CA" dirty="0" smtClean="0"/>
+              <a:t>Family tree example</a:t>
+            </a:r>
+          </a:p>
+          <a:p>
+            <a:r>
+              <a:rPr lang="en-CA" dirty="0" smtClean="0"/>
+              <a:t>Multi-instance problems (molecule configuration)</a:t>
+            </a:r>
+            <a:endParaRPr lang="en-CA" dirty="0"/>
+          </a:p>
+        </p:txBody>
+      </p:sp>
+    </p:spTree>
+    <p:extLst>
+      <p:ext uri="{BB962C8B-B14F-4D97-AF65-F5344CB8AC3E}">
+        <p14:creationId xmlns:p14="http://schemas.microsoft.com/office/powerpoint/2010/main" val="1567912123"/>
+      </p:ext>
+    </p:extLst>
+  </p:cSld>
+  <p:clrMapOvr>
+    <a:masterClrMapping/>
+  </p:clrMapOvr>
+  <p:timing>
+    <p:tnLst>
+      <p:par>
+        <p:cTn id="1" dur="indefinite" restart="never" nodeType="tmRoot"/>
+      </p:par>
+    </p:tnLst>
+  </p:timing>
+</p:sld>
+</file>
+
+<file path=ppt/slides/slide19.xml><?xml version="1.0" encoding="utf-8"?>
+<p:sld xmlns:a="http://schemas.openxmlformats.org/drawingml/2006/main" xmlns:r="http://schemas.openxmlformats.org/officeDocument/2006/relationships" xmlns:p="http://schemas.openxmlformats.org/presentationml/2006/main">
+  <p:cSld>
+    <p:spTree>
+      <p:nvGrpSpPr>
+        <p:cNvPr id="1" name=""/>
+        <p:cNvGrpSpPr/>
+        <p:nvPr/>
+      </p:nvGrpSpPr>
+      <p:grpSpPr>
+        <a:xfrm>
+          <a:off x="0" y="0"/>
+          <a:ext cx="0" cy="0"/>
+          <a:chOff x="0" y="0"/>
+          <a:chExt cx="0" cy="0"/>
+        </a:xfrm>
+      </p:grpSpPr>
+      <p:sp>
+        <p:nvSpPr>
+          <p:cNvPr id="2" name="Title 1"/>
+          <p:cNvSpPr>
+            <a:spLocks noGrp="1"/>
+          </p:cNvSpPr>
+          <p:nvPr>
+            <p:ph type="title"/>
+          </p:nvPr>
+        </p:nvSpPr>
+        <p:spPr/>
+        <p:txBody>
+          <a:bodyPr/>
+          <a:lstStyle/>
+          <a:p>
+            <a:r>
+              <a:rPr lang="fr-CA" dirty="0" err="1" smtClean="0"/>
+              <a:t>Whats</a:t>
+            </a:r>
+            <a:r>
+              <a:rPr lang="fr-CA" dirty="0" smtClean="0"/>
+              <a:t> in an </a:t>
+            </a:r>
+            <a:r>
+              <a:rPr lang="fr-CA" dirty="0" err="1" smtClean="0"/>
+              <a:t>attribute</a:t>
+            </a:r>
+            <a:r>
+              <a:rPr lang="fr-CA" dirty="0" smtClean="0"/>
+              <a:t>? </a:t>
+            </a:r>
+            <a:r>
+              <a:rPr lang="fr-CA" dirty="0" err="1" smtClean="0"/>
+              <a:t>Pg</a:t>
+            </a:r>
+            <a:r>
+              <a:rPr lang="fr-CA" dirty="0" smtClean="0"/>
+              <a:t> 53</a:t>
+            </a:r>
+            <a:endParaRPr lang="en-CA" dirty="0"/>
+          </a:p>
+        </p:txBody>
+      </p:sp>
+      <p:sp>
+        <p:nvSpPr>
+          <p:cNvPr id="3" name="Content Placeholder 2"/>
+          <p:cNvSpPr>
+            <a:spLocks noGrp="1"/>
+          </p:cNvSpPr>
+          <p:nvPr>
+            <p:ph idx="1"/>
+          </p:nvPr>
+        </p:nvSpPr>
+        <p:spPr/>
+        <p:txBody>
+          <a:bodyPr/>
+          <a:lstStyle/>
+          <a:p>
+            <a:r>
+              <a:rPr lang="en-CA" dirty="0" smtClean="0"/>
+              <a:t>Nominal, ordinal, interval, ratio</a:t>
+            </a:r>
+            <a:endParaRPr lang="en-CA" dirty="0"/>
+          </a:p>
+        </p:txBody>
+      </p:sp>
+    </p:spTree>
+    <p:extLst>
+      <p:ext uri="{BB962C8B-B14F-4D97-AF65-F5344CB8AC3E}">
+        <p14:creationId xmlns:p14="http://schemas.microsoft.com/office/powerpoint/2010/main" val="860783773"/>
+      </p:ext>
+    </p:extLst>
+  </p:cSld>
+  <p:clrMapOvr>
+    <a:masterClrMapping/>
+  </p:clrMapOvr>
+  <p:timing>
+    <p:tnLst>
+      <p:par>
+        <p:cTn id="1" dur="indefinite" restart="never" nodeType="tmRoot"/>
+      </p:par>
+    </p:tnLst>
+  </p:timing>
 </p:sld>
 </file>
 
@@ -3418,6 +4188,1061 @@
   <p:clrMapOvr>
     <a:masterClrMapping/>
   </p:clrMapOvr>
+  <p:timing>
+    <p:tnLst>
+      <p:par>
+        <p:cTn id="1" dur="indefinite" restart="never" nodeType="tmRoot"/>
+      </p:par>
+    </p:tnLst>
+  </p:timing>
+</p:sld>
+</file>
+
+<file path=ppt/slides/slide20.xml><?xml version="1.0" encoding="utf-8"?>
+<p:sld xmlns:a="http://schemas.openxmlformats.org/drawingml/2006/main" xmlns:r="http://schemas.openxmlformats.org/officeDocument/2006/relationships" xmlns:p="http://schemas.openxmlformats.org/presentationml/2006/main">
+  <p:cSld>
+    <p:spTree>
+      <p:nvGrpSpPr>
+        <p:cNvPr id="1" name=""/>
+        <p:cNvGrpSpPr/>
+        <p:nvPr/>
+      </p:nvGrpSpPr>
+      <p:grpSpPr>
+        <a:xfrm>
+          <a:off x="0" y="0"/>
+          <a:ext cx="0" cy="0"/>
+          <a:chOff x="0" y="0"/>
+          <a:chExt cx="0" cy="0"/>
+        </a:xfrm>
+      </p:grpSpPr>
+      <p:sp>
+        <p:nvSpPr>
+          <p:cNvPr id="2" name="Title 1"/>
+          <p:cNvSpPr>
+            <a:spLocks noGrp="1"/>
+          </p:cNvSpPr>
+          <p:nvPr>
+            <p:ph type="title"/>
+          </p:nvPr>
+        </p:nvSpPr>
+        <p:spPr/>
+        <p:txBody>
+          <a:bodyPr/>
+          <a:lstStyle/>
+          <a:p>
+            <a:r>
+              <a:rPr lang="en-CA" dirty="0" smtClean="0"/>
+              <a:t>Preparing the input </a:t>
+            </a:r>
+            <a:r>
+              <a:rPr lang="en-CA" dirty="0" err="1" smtClean="0"/>
+              <a:t>pg</a:t>
+            </a:r>
+            <a:r>
+              <a:rPr lang="en-CA" dirty="0" smtClean="0"/>
+              <a:t> 55</a:t>
+            </a:r>
+            <a:endParaRPr lang="en-CA" dirty="0"/>
+          </a:p>
+        </p:txBody>
+      </p:sp>
+      <p:sp>
+        <p:nvSpPr>
+          <p:cNvPr id="3" name="Content Placeholder 2"/>
+          <p:cNvSpPr>
+            <a:spLocks noGrp="1"/>
+          </p:cNvSpPr>
+          <p:nvPr>
+            <p:ph idx="1"/>
+          </p:nvPr>
+        </p:nvSpPr>
+        <p:spPr/>
+        <p:txBody>
+          <a:bodyPr/>
+          <a:lstStyle/>
+          <a:p>
+            <a:r>
+              <a:rPr lang="en-CA" dirty="0" smtClean="0"/>
+              <a:t>Getting the data together</a:t>
+            </a:r>
+          </a:p>
+          <a:p>
+            <a:r>
+              <a:rPr lang="en-CA" dirty="0" err="1" smtClean="0"/>
+              <a:t>Flinks</a:t>
+            </a:r>
+            <a:r>
+              <a:rPr lang="en-CA" dirty="0" smtClean="0"/>
+              <a:t> example </a:t>
+            </a:r>
+          </a:p>
+          <a:p>
+            <a:r>
+              <a:rPr lang="en-CA" dirty="0" smtClean="0"/>
+              <a:t>Sparse data</a:t>
+            </a:r>
+          </a:p>
+          <a:p>
+            <a:r>
+              <a:rPr lang="en-CA" dirty="0" smtClean="0"/>
+              <a:t>Unbalanced data (</a:t>
+            </a:r>
+            <a:r>
+              <a:rPr lang="en-CA" dirty="0" err="1" smtClean="0"/>
+              <a:t>flinks</a:t>
+            </a:r>
+            <a:r>
+              <a:rPr lang="en-CA" dirty="0" smtClean="0"/>
+              <a:t>) (raw accuracy not always best metric)</a:t>
+            </a:r>
+            <a:endParaRPr lang="en-CA" dirty="0"/>
+          </a:p>
+        </p:txBody>
+      </p:sp>
+    </p:spTree>
+    <p:extLst>
+      <p:ext uri="{BB962C8B-B14F-4D97-AF65-F5344CB8AC3E}">
+        <p14:creationId xmlns:p14="http://schemas.microsoft.com/office/powerpoint/2010/main" val="2731568421"/>
+      </p:ext>
+    </p:extLst>
+  </p:cSld>
+  <p:clrMapOvr>
+    <a:masterClrMapping/>
+  </p:clrMapOvr>
+  <p:timing>
+    <p:tnLst>
+      <p:par>
+        <p:cTn id="1" dur="indefinite" restart="never" nodeType="tmRoot"/>
+      </p:par>
+    </p:tnLst>
+  </p:timing>
+</p:sld>
+</file>
+
+<file path=ppt/slides/slide21.xml><?xml version="1.0" encoding="utf-8"?>
+<p:sld xmlns:a="http://schemas.openxmlformats.org/drawingml/2006/main" xmlns:r="http://schemas.openxmlformats.org/officeDocument/2006/relationships" xmlns:p="http://schemas.openxmlformats.org/presentationml/2006/main">
+  <p:cSld>
+    <p:spTree>
+      <p:nvGrpSpPr>
+        <p:cNvPr id="1" name=""/>
+        <p:cNvGrpSpPr/>
+        <p:nvPr/>
+      </p:nvGrpSpPr>
+      <p:grpSpPr>
+        <a:xfrm>
+          <a:off x="0" y="0"/>
+          <a:ext cx="0" cy="0"/>
+          <a:chOff x="0" y="0"/>
+          <a:chExt cx="0" cy="0"/>
+        </a:xfrm>
+      </p:grpSpPr>
+      <p:sp>
+        <p:nvSpPr>
+          <p:cNvPr id="2" name="Title 1"/>
+          <p:cNvSpPr>
+            <a:spLocks noGrp="1"/>
+          </p:cNvSpPr>
+          <p:nvPr>
+            <p:ph type="title"/>
+          </p:nvPr>
+        </p:nvSpPr>
+        <p:spPr/>
+        <p:txBody>
+          <a:bodyPr/>
+          <a:lstStyle/>
+          <a:p>
+            <a:r>
+              <a:rPr lang="en-CA" dirty="0" smtClean="0"/>
+              <a:t>Output – knowledge representation pg67</a:t>
+            </a:r>
+            <a:endParaRPr lang="en-CA" dirty="0"/>
+          </a:p>
+        </p:txBody>
+      </p:sp>
+      <p:sp>
+        <p:nvSpPr>
+          <p:cNvPr id="3" name="Content Placeholder 2"/>
+          <p:cNvSpPr>
+            <a:spLocks noGrp="1"/>
+          </p:cNvSpPr>
+          <p:nvPr>
+            <p:ph idx="1"/>
+          </p:nvPr>
+        </p:nvSpPr>
+        <p:spPr/>
+        <p:txBody>
+          <a:bodyPr/>
+          <a:lstStyle/>
+          <a:p>
+            <a:r>
+              <a:rPr lang="en-CA" dirty="0" smtClean="0"/>
+              <a:t>Decision tables</a:t>
+            </a:r>
+          </a:p>
+          <a:p>
+            <a:r>
+              <a:rPr lang="en-CA" dirty="0" smtClean="0"/>
+              <a:t>Linear models</a:t>
+            </a:r>
+          </a:p>
+          <a:p>
+            <a:r>
+              <a:rPr lang="en-CA" dirty="0" smtClean="0"/>
+              <a:t>Decision trees</a:t>
+            </a:r>
+          </a:p>
+          <a:p>
+            <a:r>
+              <a:rPr lang="en-CA" dirty="0" smtClean="0"/>
+              <a:t>Rule sets</a:t>
+            </a:r>
+          </a:p>
+          <a:p>
+            <a:r>
+              <a:rPr lang="en-CA" dirty="0" smtClean="0"/>
+              <a:t>Inductive logic programming</a:t>
+            </a:r>
+          </a:p>
+          <a:p>
+            <a:r>
+              <a:rPr lang="en-CA" dirty="0" smtClean="0"/>
+              <a:t>Instance based learning</a:t>
+            </a:r>
+          </a:p>
+          <a:p>
+            <a:r>
+              <a:rPr lang="en-CA" dirty="0" smtClean="0"/>
+              <a:t>Rectangular generalizations</a:t>
+            </a:r>
+          </a:p>
+          <a:p>
+            <a:r>
+              <a:rPr lang="en-CA" dirty="0" smtClean="0"/>
+              <a:t>Flat clusters and </a:t>
+            </a:r>
+            <a:r>
+              <a:rPr lang="en-CA" dirty="0" err="1" smtClean="0"/>
+              <a:t>dendrograms</a:t>
+            </a:r>
+            <a:endParaRPr lang="en-CA" dirty="0"/>
+          </a:p>
+        </p:txBody>
+      </p:sp>
+    </p:spTree>
+    <p:extLst>
+      <p:ext uri="{BB962C8B-B14F-4D97-AF65-F5344CB8AC3E}">
+        <p14:creationId xmlns:p14="http://schemas.microsoft.com/office/powerpoint/2010/main" val="3358489021"/>
+      </p:ext>
+    </p:extLst>
+  </p:cSld>
+  <p:clrMapOvr>
+    <a:masterClrMapping/>
+  </p:clrMapOvr>
+  <p:timing>
+    <p:tnLst>
+      <p:par>
+        <p:cTn id="1" dur="indefinite" restart="never" nodeType="tmRoot"/>
+      </p:par>
+    </p:tnLst>
+  </p:timing>
+</p:sld>
+</file>
+
+<file path=ppt/slides/slide22.xml><?xml version="1.0" encoding="utf-8"?>
+<p:sld xmlns:a="http://schemas.openxmlformats.org/drawingml/2006/main" xmlns:r="http://schemas.openxmlformats.org/officeDocument/2006/relationships" xmlns:p="http://schemas.openxmlformats.org/presentationml/2006/main">
+  <p:cSld>
+    <p:spTree>
+      <p:nvGrpSpPr>
+        <p:cNvPr id="1" name=""/>
+        <p:cNvGrpSpPr/>
+        <p:nvPr/>
+      </p:nvGrpSpPr>
+      <p:grpSpPr>
+        <a:xfrm>
+          <a:off x="0" y="0"/>
+          <a:ext cx="0" cy="0"/>
+          <a:chOff x="0" y="0"/>
+          <a:chExt cx="0" cy="0"/>
+        </a:xfrm>
+      </p:grpSpPr>
+      <p:sp>
+        <p:nvSpPr>
+          <p:cNvPr id="2" name="Title 1"/>
+          <p:cNvSpPr>
+            <a:spLocks noGrp="1"/>
+          </p:cNvSpPr>
+          <p:nvPr>
+            <p:ph type="title"/>
+          </p:nvPr>
+        </p:nvSpPr>
+        <p:spPr/>
+        <p:txBody>
+          <a:bodyPr/>
+          <a:lstStyle/>
+          <a:p>
+            <a:r>
+              <a:rPr lang="en-CA" dirty="0" smtClean="0"/>
+              <a:t>Linear model vs decision tree </a:t>
+            </a:r>
+            <a:r>
+              <a:rPr lang="en-CA" dirty="0" err="1" smtClean="0"/>
+              <a:t>pg</a:t>
+            </a:r>
+            <a:r>
+              <a:rPr lang="en-CA" dirty="0" smtClean="0"/>
+              <a:t> 72</a:t>
+            </a:r>
+            <a:endParaRPr lang="en-CA" dirty="0"/>
+          </a:p>
+        </p:txBody>
+      </p:sp>
+      <p:sp>
+        <p:nvSpPr>
+          <p:cNvPr id="3" name="Content Placeholder 2"/>
+          <p:cNvSpPr>
+            <a:spLocks noGrp="1"/>
+          </p:cNvSpPr>
+          <p:nvPr>
+            <p:ph idx="1"/>
+          </p:nvPr>
+        </p:nvSpPr>
+        <p:spPr/>
+        <p:txBody>
+          <a:bodyPr/>
+          <a:lstStyle/>
+          <a:p>
+            <a:r>
+              <a:rPr lang="en-CA" dirty="0" smtClean="0"/>
+              <a:t>Regression tree is more accurate because a simple linear model poorly represents the data in this problem</a:t>
+            </a:r>
+            <a:endParaRPr lang="en-CA" dirty="0"/>
+          </a:p>
+        </p:txBody>
+      </p:sp>
+    </p:spTree>
+    <p:extLst>
+      <p:ext uri="{BB962C8B-B14F-4D97-AF65-F5344CB8AC3E}">
+        <p14:creationId xmlns:p14="http://schemas.microsoft.com/office/powerpoint/2010/main" val="484036334"/>
+      </p:ext>
+    </p:extLst>
+  </p:cSld>
+  <p:clrMapOvr>
+    <a:masterClrMapping/>
+  </p:clrMapOvr>
+  <p:timing>
+    <p:tnLst>
+      <p:par>
+        <p:cTn id="1" dur="indefinite" restart="never" nodeType="tmRoot"/>
+      </p:par>
+    </p:tnLst>
+  </p:timing>
+</p:sld>
+</file>
+
+<file path=ppt/slides/slide23.xml><?xml version="1.0" encoding="utf-8"?>
+<p:sld xmlns:a="http://schemas.openxmlformats.org/drawingml/2006/main" xmlns:r="http://schemas.openxmlformats.org/officeDocument/2006/relationships" xmlns:p="http://schemas.openxmlformats.org/presentationml/2006/main">
+  <p:cSld>
+    <p:spTree>
+      <p:nvGrpSpPr>
+        <p:cNvPr id="1" name=""/>
+        <p:cNvGrpSpPr/>
+        <p:nvPr/>
+      </p:nvGrpSpPr>
+      <p:grpSpPr>
+        <a:xfrm>
+          <a:off x="0" y="0"/>
+          <a:ext cx="0" cy="0"/>
+          <a:chOff x="0" y="0"/>
+          <a:chExt cx="0" cy="0"/>
+        </a:xfrm>
+      </p:grpSpPr>
+      <p:sp>
+        <p:nvSpPr>
+          <p:cNvPr id="2" name="Title 1"/>
+          <p:cNvSpPr>
+            <a:spLocks noGrp="1"/>
+          </p:cNvSpPr>
+          <p:nvPr>
+            <p:ph type="title"/>
+          </p:nvPr>
+        </p:nvSpPr>
+        <p:spPr/>
+        <p:txBody>
+          <a:bodyPr/>
+          <a:lstStyle/>
+          <a:p>
+            <a:r>
+              <a:rPr lang="en-CA" dirty="0" smtClean="0"/>
+              <a:t>Rules </a:t>
+            </a:r>
+            <a:r>
+              <a:rPr lang="en-CA" dirty="0" err="1" smtClean="0"/>
+              <a:t>pg</a:t>
+            </a:r>
+            <a:r>
+              <a:rPr lang="en-CA" dirty="0"/>
+              <a:t> </a:t>
+            </a:r>
+            <a:r>
+              <a:rPr lang="en-CA" dirty="0" smtClean="0"/>
+              <a:t>72</a:t>
+            </a:r>
+            <a:endParaRPr lang="en-CA" dirty="0"/>
+          </a:p>
+        </p:txBody>
+      </p:sp>
+      <p:sp>
+        <p:nvSpPr>
+          <p:cNvPr id="3" name="Content Placeholder 2"/>
+          <p:cNvSpPr>
+            <a:spLocks noGrp="1"/>
+          </p:cNvSpPr>
+          <p:nvPr>
+            <p:ph idx="1"/>
+          </p:nvPr>
+        </p:nvSpPr>
+        <p:spPr/>
+        <p:txBody>
+          <a:bodyPr>
+            <a:normAutofit fontScale="92500" lnSpcReduction="20000"/>
+          </a:bodyPr>
+          <a:lstStyle/>
+          <a:p>
+            <a:r>
+              <a:rPr lang="en-CA" dirty="0" smtClean="0"/>
+              <a:t>Antecedent is a series of tests</a:t>
+            </a:r>
+          </a:p>
+          <a:p>
+            <a:r>
+              <a:rPr lang="en-CA" dirty="0" smtClean="0"/>
+              <a:t>Consequent gives class of instance covered by rule</a:t>
+            </a:r>
+          </a:p>
+          <a:p>
+            <a:r>
+              <a:rPr lang="en-CA" dirty="0" smtClean="0"/>
+              <a:t>If (a &amp; b) then c</a:t>
+            </a:r>
+          </a:p>
+          <a:p>
+            <a:r>
+              <a:rPr lang="en-CA" dirty="0" smtClean="0"/>
+              <a:t>Easy to get rules from decision tree</a:t>
+            </a:r>
+          </a:p>
+          <a:p>
+            <a:r>
+              <a:rPr lang="en-CA" dirty="0" smtClean="0"/>
+              <a:t>Because decision trees cannot easily express disjunction implied among different rules in a set, transforming a general set of rules into a tree is not so straightforward</a:t>
+            </a:r>
+          </a:p>
+          <a:p>
+            <a:r>
+              <a:rPr lang="en-CA" dirty="0" smtClean="0"/>
+              <a:t>Replicated subtree problem</a:t>
+            </a:r>
+          </a:p>
+          <a:p>
+            <a:r>
+              <a:rPr lang="en-CA" dirty="0" smtClean="0"/>
+              <a:t>Redundancy of tree removes problem where if rules are taken out of order they may be incorrect</a:t>
+            </a:r>
+          </a:p>
+          <a:p>
+            <a:r>
+              <a:rPr lang="en-CA" dirty="0" smtClean="0"/>
+              <a:t>Some examples may be classified multiple times, or not at all with rules (this cannot happen with trees) pg78</a:t>
+            </a:r>
+            <a:endParaRPr lang="en-CA" dirty="0"/>
+          </a:p>
+        </p:txBody>
+      </p:sp>
+    </p:spTree>
+    <p:extLst>
+      <p:ext uri="{BB962C8B-B14F-4D97-AF65-F5344CB8AC3E}">
+        <p14:creationId xmlns:p14="http://schemas.microsoft.com/office/powerpoint/2010/main" val="1353909509"/>
+      </p:ext>
+    </p:extLst>
+  </p:cSld>
+  <p:clrMapOvr>
+    <a:masterClrMapping/>
+  </p:clrMapOvr>
+  <p:timing>
+    <p:tnLst>
+      <p:par>
+        <p:cTn id="1" dur="indefinite" restart="never" nodeType="tmRoot"/>
+      </p:par>
+    </p:tnLst>
+  </p:timing>
+</p:sld>
+</file>
+
+<file path=ppt/slides/slide24.xml><?xml version="1.0" encoding="utf-8"?>
+<p:sld xmlns:a="http://schemas.openxmlformats.org/drawingml/2006/main" xmlns:r="http://schemas.openxmlformats.org/officeDocument/2006/relationships" xmlns:p="http://schemas.openxmlformats.org/presentationml/2006/main">
+  <p:cSld>
+    <p:spTree>
+      <p:nvGrpSpPr>
+        <p:cNvPr id="1" name=""/>
+        <p:cNvGrpSpPr/>
+        <p:nvPr/>
+      </p:nvGrpSpPr>
+      <p:grpSpPr>
+        <a:xfrm>
+          <a:off x="0" y="0"/>
+          <a:ext cx="0" cy="0"/>
+          <a:chOff x="0" y="0"/>
+          <a:chExt cx="0" cy="0"/>
+        </a:xfrm>
+      </p:grpSpPr>
+      <p:sp>
+        <p:nvSpPr>
+          <p:cNvPr id="2" name="Title 1"/>
+          <p:cNvSpPr>
+            <a:spLocks noGrp="1"/>
+          </p:cNvSpPr>
+          <p:nvPr>
+            <p:ph type="title"/>
+          </p:nvPr>
+        </p:nvSpPr>
+        <p:spPr/>
+        <p:txBody>
+          <a:bodyPr/>
+          <a:lstStyle/>
+          <a:p>
+            <a:r>
+              <a:rPr lang="en-CA" dirty="0" smtClean="0"/>
+              <a:t>Closed world assumption and rules </a:t>
+            </a:r>
+            <a:r>
+              <a:rPr lang="en-CA" dirty="0" err="1" smtClean="0"/>
+              <a:t>pg</a:t>
+            </a:r>
+            <a:r>
+              <a:rPr lang="en-CA" dirty="0" smtClean="0"/>
+              <a:t> 78</a:t>
+            </a:r>
+            <a:endParaRPr lang="en-CA" dirty="0"/>
+          </a:p>
+        </p:txBody>
+      </p:sp>
+      <p:sp>
+        <p:nvSpPr>
+          <p:cNvPr id="3" name="Content Placeholder 2"/>
+          <p:cNvSpPr>
+            <a:spLocks noGrp="1"/>
+          </p:cNvSpPr>
+          <p:nvPr>
+            <p:ph idx="1"/>
+          </p:nvPr>
+        </p:nvSpPr>
+        <p:spPr/>
+        <p:txBody>
+          <a:bodyPr/>
+          <a:lstStyle/>
+          <a:p>
+            <a:r>
+              <a:rPr lang="en-CA" dirty="0" smtClean="0"/>
+              <a:t>The case in which rules lead to a class that is Boolean, and only rules leading to one outcome (yes) are expressed</a:t>
+            </a:r>
+          </a:p>
+          <a:p>
+            <a:r>
+              <a:rPr lang="en-CA" dirty="0" smtClean="0"/>
+              <a:t>These rules can be written in disjunctive normal form</a:t>
+            </a:r>
+            <a:endParaRPr lang="en-CA" dirty="0"/>
+          </a:p>
+        </p:txBody>
+      </p:sp>
+    </p:spTree>
+    <p:extLst>
+      <p:ext uri="{BB962C8B-B14F-4D97-AF65-F5344CB8AC3E}">
+        <p14:creationId xmlns:p14="http://schemas.microsoft.com/office/powerpoint/2010/main" val="3505305600"/>
+      </p:ext>
+    </p:extLst>
+  </p:cSld>
+  <p:clrMapOvr>
+    <a:masterClrMapping/>
+  </p:clrMapOvr>
+  <p:timing>
+    <p:tnLst>
+      <p:par>
+        <p:cTn id="1" dur="indefinite" restart="never" nodeType="tmRoot"/>
+      </p:par>
+    </p:tnLst>
+  </p:timing>
+</p:sld>
+</file>
+
+<file path=ppt/slides/slide25.xml><?xml version="1.0" encoding="utf-8"?>
+<p:sld xmlns:a="http://schemas.openxmlformats.org/drawingml/2006/main" xmlns:r="http://schemas.openxmlformats.org/officeDocument/2006/relationships" xmlns:p="http://schemas.openxmlformats.org/presentationml/2006/main">
+  <p:cSld>
+    <p:spTree>
+      <p:nvGrpSpPr>
+        <p:cNvPr id="1" name=""/>
+        <p:cNvGrpSpPr/>
+        <p:nvPr/>
+      </p:nvGrpSpPr>
+      <p:grpSpPr>
+        <a:xfrm>
+          <a:off x="0" y="0"/>
+          <a:ext cx="0" cy="0"/>
+          <a:chOff x="0" y="0"/>
+          <a:chExt cx="0" cy="0"/>
+        </a:xfrm>
+      </p:grpSpPr>
+      <p:sp>
+        <p:nvSpPr>
+          <p:cNvPr id="2" name="Title 1"/>
+          <p:cNvSpPr>
+            <a:spLocks noGrp="1"/>
+          </p:cNvSpPr>
+          <p:nvPr>
+            <p:ph type="title"/>
+          </p:nvPr>
+        </p:nvSpPr>
+        <p:spPr/>
+        <p:txBody>
+          <a:bodyPr/>
+          <a:lstStyle/>
+          <a:p>
+            <a:r>
+              <a:rPr lang="en-CA" dirty="0" smtClean="0"/>
+              <a:t>Association rules </a:t>
+            </a:r>
+            <a:r>
+              <a:rPr lang="en-CA" dirty="0" err="1" smtClean="0"/>
+              <a:t>pg</a:t>
+            </a:r>
+            <a:r>
+              <a:rPr lang="en-CA" dirty="0" smtClean="0"/>
+              <a:t> 78</a:t>
+            </a:r>
+            <a:endParaRPr lang="en-CA" dirty="0"/>
+          </a:p>
+        </p:txBody>
+      </p:sp>
+      <p:sp>
+        <p:nvSpPr>
+          <p:cNvPr id="3" name="Content Placeholder 2"/>
+          <p:cNvSpPr>
+            <a:spLocks noGrp="1"/>
+          </p:cNvSpPr>
+          <p:nvPr>
+            <p:ph idx="1"/>
+          </p:nvPr>
+        </p:nvSpPr>
+        <p:spPr/>
+        <p:txBody>
+          <a:bodyPr/>
+          <a:lstStyle/>
+          <a:p>
+            <a:r>
+              <a:rPr lang="en-CA" dirty="0" smtClean="0"/>
+              <a:t>Coverage and support</a:t>
+            </a:r>
+            <a:endParaRPr lang="en-CA" dirty="0"/>
+          </a:p>
+        </p:txBody>
+      </p:sp>
+    </p:spTree>
+    <p:extLst>
+      <p:ext uri="{BB962C8B-B14F-4D97-AF65-F5344CB8AC3E}">
+        <p14:creationId xmlns:p14="http://schemas.microsoft.com/office/powerpoint/2010/main" val="3101809759"/>
+      </p:ext>
+    </p:extLst>
+  </p:cSld>
+  <p:clrMapOvr>
+    <a:masterClrMapping/>
+  </p:clrMapOvr>
+  <p:timing>
+    <p:tnLst>
+      <p:par>
+        <p:cTn id="1" dur="indefinite" restart="never" nodeType="tmRoot"/>
+      </p:par>
+    </p:tnLst>
+  </p:timing>
+</p:sld>
+</file>
+
+<file path=ppt/slides/slide26.xml><?xml version="1.0" encoding="utf-8"?>
+<p:sld xmlns:a="http://schemas.openxmlformats.org/drawingml/2006/main" xmlns:r="http://schemas.openxmlformats.org/officeDocument/2006/relationships" xmlns:p="http://schemas.openxmlformats.org/presentationml/2006/main">
+  <p:cSld>
+    <p:spTree>
+      <p:nvGrpSpPr>
+        <p:cNvPr id="1" name=""/>
+        <p:cNvGrpSpPr/>
+        <p:nvPr/>
+      </p:nvGrpSpPr>
+      <p:grpSpPr>
+        <a:xfrm>
+          <a:off x="0" y="0"/>
+          <a:ext cx="0" cy="0"/>
+          <a:chOff x="0" y="0"/>
+          <a:chExt cx="0" cy="0"/>
+        </a:xfrm>
+      </p:grpSpPr>
+      <p:sp>
+        <p:nvSpPr>
+          <p:cNvPr id="2" name="Title 1"/>
+          <p:cNvSpPr>
+            <a:spLocks noGrp="1"/>
+          </p:cNvSpPr>
+          <p:nvPr>
+            <p:ph type="title"/>
+          </p:nvPr>
+        </p:nvSpPr>
+        <p:spPr/>
+        <p:txBody>
+          <a:bodyPr/>
+          <a:lstStyle/>
+          <a:p>
+            <a:r>
+              <a:rPr lang="en-CA" dirty="0" smtClean="0"/>
+              <a:t>Rules with exceptions </a:t>
+            </a:r>
+            <a:r>
+              <a:rPr lang="en-CA" dirty="0" err="1" smtClean="0"/>
+              <a:t>pg</a:t>
+            </a:r>
+            <a:r>
+              <a:rPr lang="en-CA" dirty="0" smtClean="0"/>
+              <a:t> 79</a:t>
+            </a:r>
+            <a:endParaRPr lang="en-CA" dirty="0"/>
+          </a:p>
+        </p:txBody>
+      </p:sp>
+      <p:sp>
+        <p:nvSpPr>
+          <p:cNvPr id="3" name="Content Placeholder 2"/>
+          <p:cNvSpPr>
+            <a:spLocks noGrp="1"/>
+          </p:cNvSpPr>
+          <p:nvPr>
+            <p:ph idx="1"/>
+          </p:nvPr>
+        </p:nvSpPr>
+        <p:spPr/>
+        <p:txBody>
+          <a:bodyPr/>
+          <a:lstStyle/>
+          <a:p>
+            <a:r>
+              <a:rPr lang="en-CA" dirty="0" smtClean="0"/>
+              <a:t>If x and y then x except if w then v</a:t>
+            </a:r>
+          </a:p>
+          <a:p>
+            <a:r>
+              <a:rPr lang="en-CA" dirty="0" smtClean="0"/>
+              <a:t>Allows to avoid use of decision lists</a:t>
+            </a:r>
+            <a:endParaRPr lang="en-CA" dirty="0"/>
+          </a:p>
+        </p:txBody>
+      </p:sp>
+    </p:spTree>
+    <p:extLst>
+      <p:ext uri="{BB962C8B-B14F-4D97-AF65-F5344CB8AC3E}">
+        <p14:creationId xmlns:p14="http://schemas.microsoft.com/office/powerpoint/2010/main" val="3215670475"/>
+      </p:ext>
+    </p:extLst>
+  </p:cSld>
+  <p:clrMapOvr>
+    <a:masterClrMapping/>
+  </p:clrMapOvr>
+  <p:timing>
+    <p:tnLst>
+      <p:par>
+        <p:cTn id="1" dur="indefinite" restart="never" nodeType="tmRoot"/>
+      </p:par>
+    </p:tnLst>
+  </p:timing>
+</p:sld>
+</file>
+
+<file path=ppt/slides/slide27.xml><?xml version="1.0" encoding="utf-8"?>
+<p:sld xmlns:a="http://schemas.openxmlformats.org/drawingml/2006/main" xmlns:r="http://schemas.openxmlformats.org/officeDocument/2006/relationships" xmlns:p="http://schemas.openxmlformats.org/presentationml/2006/main">
+  <p:cSld>
+    <p:spTree>
+      <p:nvGrpSpPr>
+        <p:cNvPr id="1" name=""/>
+        <p:cNvGrpSpPr/>
+        <p:nvPr/>
+      </p:nvGrpSpPr>
+      <p:grpSpPr>
+        <a:xfrm>
+          <a:off x="0" y="0"/>
+          <a:ext cx="0" cy="0"/>
+          <a:chOff x="0" y="0"/>
+          <a:chExt cx="0" cy="0"/>
+        </a:xfrm>
+      </p:grpSpPr>
+      <p:sp>
+        <p:nvSpPr>
+          <p:cNvPr id="2" name="Title 1"/>
+          <p:cNvSpPr>
+            <a:spLocks noGrp="1"/>
+          </p:cNvSpPr>
+          <p:nvPr>
+            <p:ph type="title"/>
+          </p:nvPr>
+        </p:nvSpPr>
+        <p:spPr/>
+        <p:txBody>
+          <a:bodyPr/>
+          <a:lstStyle/>
+          <a:p>
+            <a:r>
+              <a:rPr lang="en-CA" dirty="0" smtClean="0"/>
+              <a:t>More expressive rules pg81</a:t>
+            </a:r>
+            <a:endParaRPr lang="en-CA" dirty="0"/>
+          </a:p>
+        </p:txBody>
+      </p:sp>
+      <p:sp>
+        <p:nvSpPr>
+          <p:cNvPr id="3" name="Content Placeholder 2"/>
+          <p:cNvSpPr>
+            <a:spLocks noGrp="1"/>
+          </p:cNvSpPr>
+          <p:nvPr>
+            <p:ph idx="1"/>
+          </p:nvPr>
+        </p:nvSpPr>
+        <p:spPr/>
+        <p:txBody>
+          <a:bodyPr/>
+          <a:lstStyle/>
+          <a:p>
+            <a:r>
+              <a:rPr lang="en-CA" dirty="0" smtClean="0"/>
+              <a:t>Compare attributes with each other “if width &gt; height”</a:t>
+            </a:r>
+          </a:p>
+          <a:p>
+            <a:r>
+              <a:rPr lang="en-CA" dirty="0" smtClean="0"/>
+              <a:t>Add another attribute to instance through preprocessing (why?)</a:t>
+            </a:r>
+          </a:p>
+          <a:p>
+            <a:r>
+              <a:rPr lang="en-CA" dirty="0" smtClean="0"/>
+              <a:t>Recursive expressions pg84</a:t>
+            </a:r>
+            <a:endParaRPr lang="en-CA" dirty="0"/>
+          </a:p>
+        </p:txBody>
+      </p:sp>
+    </p:spTree>
+    <p:extLst>
+      <p:ext uri="{BB962C8B-B14F-4D97-AF65-F5344CB8AC3E}">
+        <p14:creationId xmlns:p14="http://schemas.microsoft.com/office/powerpoint/2010/main" val="2665989254"/>
+      </p:ext>
+    </p:extLst>
+  </p:cSld>
+  <p:clrMapOvr>
+    <a:masterClrMapping/>
+  </p:clrMapOvr>
+  <p:timing>
+    <p:tnLst>
+      <p:par>
+        <p:cTn id="1" dur="indefinite" restart="never" nodeType="tmRoot"/>
+      </p:par>
+    </p:tnLst>
+  </p:timing>
+</p:sld>
+</file>
+
+<file path=ppt/slides/slide28.xml><?xml version="1.0" encoding="utf-8"?>
+<p:sld xmlns:a="http://schemas.openxmlformats.org/drawingml/2006/main" xmlns:r="http://schemas.openxmlformats.org/officeDocument/2006/relationships" xmlns:p="http://schemas.openxmlformats.org/presentationml/2006/main">
+  <p:cSld>
+    <p:spTree>
+      <p:nvGrpSpPr>
+        <p:cNvPr id="1" name=""/>
+        <p:cNvGrpSpPr/>
+        <p:nvPr/>
+      </p:nvGrpSpPr>
+      <p:grpSpPr>
+        <a:xfrm>
+          <a:off x="0" y="0"/>
+          <a:ext cx="0" cy="0"/>
+          <a:chOff x="0" y="0"/>
+          <a:chExt cx="0" cy="0"/>
+        </a:xfrm>
+      </p:grpSpPr>
+      <p:sp>
+        <p:nvSpPr>
+          <p:cNvPr id="2" name="Title 1"/>
+          <p:cNvSpPr>
+            <a:spLocks noGrp="1"/>
+          </p:cNvSpPr>
+          <p:nvPr>
+            <p:ph type="title"/>
+          </p:nvPr>
+        </p:nvSpPr>
+        <p:spPr/>
+        <p:txBody>
+          <a:bodyPr/>
+          <a:lstStyle/>
+          <a:p>
+            <a:r>
+              <a:rPr lang="en-CA" dirty="0" smtClean="0"/>
+              <a:t>Instance based representation pg84</a:t>
+            </a:r>
+            <a:endParaRPr lang="en-CA" dirty="0"/>
+          </a:p>
+        </p:txBody>
+      </p:sp>
+      <p:sp>
+        <p:nvSpPr>
+          <p:cNvPr id="3" name="Content Placeholder 2"/>
+          <p:cNvSpPr>
+            <a:spLocks noGrp="1"/>
+          </p:cNvSpPr>
+          <p:nvPr>
+            <p:ph idx="1"/>
+          </p:nvPr>
+        </p:nvSpPr>
+        <p:spPr/>
+        <p:txBody>
+          <a:bodyPr/>
+          <a:lstStyle/>
+          <a:p>
+            <a:r>
+              <a:rPr lang="en-CA" dirty="0" smtClean="0"/>
+              <a:t>Instead of trying to create rules, work directly from the examples themselves</a:t>
+            </a:r>
+          </a:p>
+          <a:p>
+            <a:r>
+              <a:rPr lang="en-CA" dirty="0" smtClean="0"/>
+              <a:t>Nearest neighbour classification</a:t>
+            </a:r>
+          </a:p>
+          <a:p>
+            <a:r>
+              <a:rPr lang="en-CA" dirty="0" smtClean="0"/>
+              <a:t>Given a single instance of each of two classes, nearest-neighbor rule effectively splits the instance space along the perpendicular bisector of the line joining the instances</a:t>
+            </a:r>
+          </a:p>
+          <a:p>
+            <a:r>
+              <a:rPr lang="en-CA" dirty="0" smtClean="0"/>
+              <a:t>Rectangular generalizations in instance space are just like rules with a special form of condition, one that tests a numeric variable against an upper and lower bound and selects the region in between</a:t>
+            </a:r>
+            <a:endParaRPr lang="en-CA" dirty="0"/>
+          </a:p>
+        </p:txBody>
+      </p:sp>
+    </p:spTree>
+    <p:extLst>
+      <p:ext uri="{BB962C8B-B14F-4D97-AF65-F5344CB8AC3E}">
+        <p14:creationId xmlns:p14="http://schemas.microsoft.com/office/powerpoint/2010/main" val="2795422327"/>
+      </p:ext>
+    </p:extLst>
+  </p:cSld>
+  <p:clrMapOvr>
+    <a:masterClrMapping/>
+  </p:clrMapOvr>
+  <p:timing>
+    <p:tnLst>
+      <p:par>
+        <p:cTn id="1" dur="indefinite" restart="never" nodeType="tmRoot"/>
+      </p:par>
+    </p:tnLst>
+  </p:timing>
+</p:sld>
+</file>
+
+<file path=ppt/slides/slide29.xml><?xml version="1.0" encoding="utf-8"?>
+<p:sld xmlns:a="http://schemas.openxmlformats.org/drawingml/2006/main" xmlns:r="http://schemas.openxmlformats.org/officeDocument/2006/relationships" xmlns:p="http://schemas.openxmlformats.org/presentationml/2006/main">
+  <p:cSld>
+    <p:spTree>
+      <p:nvGrpSpPr>
+        <p:cNvPr id="1" name=""/>
+        <p:cNvGrpSpPr/>
+        <p:nvPr/>
+      </p:nvGrpSpPr>
+      <p:grpSpPr>
+        <a:xfrm>
+          <a:off x="0" y="0"/>
+          <a:ext cx="0" cy="0"/>
+          <a:chOff x="0" y="0"/>
+          <a:chExt cx="0" cy="0"/>
+        </a:xfrm>
+      </p:grpSpPr>
+      <p:sp>
+        <p:nvSpPr>
+          <p:cNvPr id="2" name="Title 1"/>
+          <p:cNvSpPr>
+            <a:spLocks noGrp="1"/>
+          </p:cNvSpPr>
+          <p:nvPr>
+            <p:ph type="title"/>
+          </p:nvPr>
+        </p:nvSpPr>
+        <p:spPr/>
+        <p:txBody>
+          <a:bodyPr/>
+          <a:lstStyle/>
+          <a:p>
+            <a:r>
+              <a:rPr lang="en-CA" dirty="0" smtClean="0"/>
+              <a:t>Clusters </a:t>
+            </a:r>
+            <a:r>
+              <a:rPr lang="en-CA" dirty="0" err="1" smtClean="0"/>
+              <a:t>pg</a:t>
+            </a:r>
+            <a:r>
+              <a:rPr lang="en-CA" dirty="0" smtClean="0"/>
+              <a:t> 87</a:t>
+            </a:r>
+            <a:endParaRPr lang="en-CA" dirty="0"/>
+          </a:p>
+        </p:txBody>
+      </p:sp>
+      <p:sp>
+        <p:nvSpPr>
+          <p:cNvPr id="3" name="Content Placeholder 2"/>
+          <p:cNvSpPr>
+            <a:spLocks noGrp="1"/>
+          </p:cNvSpPr>
+          <p:nvPr>
+            <p:ph idx="1"/>
+          </p:nvPr>
+        </p:nvSpPr>
+        <p:spPr/>
+        <p:txBody>
+          <a:bodyPr/>
+          <a:lstStyle/>
+          <a:p>
+            <a:endParaRPr lang="en-CA"/>
+          </a:p>
+        </p:txBody>
+      </p:sp>
+    </p:spTree>
+    <p:extLst>
+      <p:ext uri="{BB962C8B-B14F-4D97-AF65-F5344CB8AC3E}">
+        <p14:creationId xmlns:p14="http://schemas.microsoft.com/office/powerpoint/2010/main" val="2350560584"/>
+      </p:ext>
+    </p:extLst>
+  </p:cSld>
+  <p:clrMapOvr>
+    <a:masterClrMapping/>
+  </p:clrMapOvr>
+  <p:timing>
+    <p:tnLst>
+      <p:par>
+        <p:cTn id="1" dur="indefinite" restart="never" nodeType="tmRoot"/>
+      </p:par>
+    </p:tnLst>
+  </p:timing>
 </p:sld>
 </file>
 
@@ -3508,6 +5333,13 @@
   <p:clrMapOvr>
     <a:masterClrMapping/>
   </p:clrMapOvr>
+  <p:timing>
+    <p:tnLst>
+      <p:par>
+        <p:cTn id="1" dur="indefinite" restart="never" nodeType="tmRoot"/>
+      </p:par>
+    </p:tnLst>
+  </p:timing>
 </p:sld>
 </file>
 
@@ -3610,6 +5442,13 @@
   <p:clrMapOvr>
     <a:masterClrMapping/>
   </p:clrMapOvr>
+  <p:timing>
+    <p:tnLst>
+      <p:par>
+        <p:cTn id="1" dur="indefinite" restart="never" nodeType="tmRoot"/>
+      </p:par>
+    </p:tnLst>
+  </p:timing>
 </p:sld>
 </file>
 
@@ -3697,6 +5536,13 @@
   <p:clrMapOvr>
     <a:masterClrMapping/>
   </p:clrMapOvr>
+  <p:timing>
+    <p:tnLst>
+      <p:par>
+        <p:cTn id="1" dur="indefinite" restart="never" nodeType="tmRoot"/>
+      </p:par>
+    </p:tnLst>
+  </p:timing>
 </p:sld>
 </file>
 
@@ -3769,6 +5615,13 @@
   <p:clrMapOvr>
     <a:masterClrMapping/>
   </p:clrMapOvr>
+  <p:timing>
+    <p:tnLst>
+      <p:par>
+        <p:cTn id="1" dur="indefinite" restart="never" nodeType="tmRoot"/>
+      </p:par>
+    </p:tnLst>
+  </p:timing>
 </p:sld>
 </file>
 
@@ -3845,6 +5698,13 @@
   <p:clrMapOvr>
     <a:masterClrMapping/>
   </p:clrMapOvr>
+  <p:timing>
+    <p:tnLst>
+      <p:par>
+        <p:cTn id="1" dur="indefinite" restart="never" nodeType="tmRoot"/>
+      </p:par>
+    </p:tnLst>
+  </p:timing>
 </p:sld>
 </file>
 
@@ -3921,6 +5781,13 @@
   <p:clrMapOvr>
     <a:masterClrMapping/>
   </p:clrMapOvr>
+  <p:timing>
+    <p:tnLst>
+      <p:par>
+        <p:cTn id="1" dur="indefinite" restart="never" nodeType="tmRoot"/>
+      </p:par>
+    </p:tnLst>
+  </p:timing>
 </p:sld>
 </file>
 
@@ -4002,6 +5869,13 @@
   <p:clrMapOvr>
     <a:masterClrMapping/>
   </p:clrMapOvr>
+  <p:timing>
+    <p:tnLst>
+      <p:par>
+        <p:cTn id="1" dur="indefinite" restart="never" nodeType="tmRoot"/>
+      </p:par>
+    </p:tnLst>
+  </p:timing>
 </p:sld>
 </file>
 

--- a/Lecture_intro.pptx
+++ b/Lecture_intro.pptx
@@ -7,33 +7,34 @@
   <p:sldIdLst>
     <p:sldId id="256" r:id="rId2"/>
     <p:sldId id="257" r:id="rId3"/>
-    <p:sldId id="258" r:id="rId4"/>
-    <p:sldId id="259" r:id="rId5"/>
-    <p:sldId id="260" r:id="rId6"/>
-    <p:sldId id="261" r:id="rId7"/>
-    <p:sldId id="262" r:id="rId8"/>
-    <p:sldId id="263" r:id="rId9"/>
-    <p:sldId id="264" r:id="rId10"/>
-    <p:sldId id="265" r:id="rId11"/>
-    <p:sldId id="266" r:id="rId12"/>
-    <p:sldId id="267" r:id="rId13"/>
-    <p:sldId id="268" r:id="rId14"/>
-    <p:sldId id="269" r:id="rId15"/>
-    <p:sldId id="270" r:id="rId16"/>
-    <p:sldId id="271" r:id="rId17"/>
-    <p:sldId id="272" r:id="rId18"/>
-    <p:sldId id="273" r:id="rId19"/>
-    <p:sldId id="274" r:id="rId20"/>
-    <p:sldId id="275" r:id="rId21"/>
-    <p:sldId id="276" r:id="rId22"/>
-    <p:sldId id="277" r:id="rId23"/>
-    <p:sldId id="278" r:id="rId24"/>
-    <p:sldId id="279" r:id="rId25"/>
-    <p:sldId id="280" r:id="rId26"/>
-    <p:sldId id="281" r:id="rId27"/>
-    <p:sldId id="282" r:id="rId28"/>
-    <p:sldId id="283" r:id="rId29"/>
-    <p:sldId id="284" r:id="rId30"/>
+    <p:sldId id="285" r:id="rId4"/>
+    <p:sldId id="258" r:id="rId5"/>
+    <p:sldId id="259" r:id="rId6"/>
+    <p:sldId id="260" r:id="rId7"/>
+    <p:sldId id="261" r:id="rId8"/>
+    <p:sldId id="262" r:id="rId9"/>
+    <p:sldId id="263" r:id="rId10"/>
+    <p:sldId id="264" r:id="rId11"/>
+    <p:sldId id="265" r:id="rId12"/>
+    <p:sldId id="266" r:id="rId13"/>
+    <p:sldId id="267" r:id="rId14"/>
+    <p:sldId id="268" r:id="rId15"/>
+    <p:sldId id="269" r:id="rId16"/>
+    <p:sldId id="270" r:id="rId17"/>
+    <p:sldId id="271" r:id="rId18"/>
+    <p:sldId id="272" r:id="rId19"/>
+    <p:sldId id="273" r:id="rId20"/>
+    <p:sldId id="274" r:id="rId21"/>
+    <p:sldId id="275" r:id="rId22"/>
+    <p:sldId id="276" r:id="rId23"/>
+    <p:sldId id="277" r:id="rId24"/>
+    <p:sldId id="278" r:id="rId25"/>
+    <p:sldId id="279" r:id="rId26"/>
+    <p:sldId id="280" r:id="rId27"/>
+    <p:sldId id="281" r:id="rId28"/>
+    <p:sldId id="282" r:id="rId29"/>
+    <p:sldId id="283" r:id="rId30"/>
+    <p:sldId id="284" r:id="rId31"/>
   </p:sldIdLst>
   <p:sldSz cx="12192000" cy="6858000"/>
   <p:notesSz cx="6858000" cy="9144000"/>
@@ -271,7 +272,7 @@
           <a:p>
             <a:fld id="{CAAF9B4D-53DE-4BD9-8C92-30C70D59891A}" type="datetimeFigureOut">
               <a:rPr lang="en-CA" smtClean="0"/>
-              <a:t>2019-08-19</a:t>
+              <a:t>2019-08-23</a:t>
             </a:fld>
             <a:endParaRPr lang="en-CA"/>
           </a:p>
@@ -441,7 +442,7 @@
           <a:p>
             <a:fld id="{CAAF9B4D-53DE-4BD9-8C92-30C70D59891A}" type="datetimeFigureOut">
               <a:rPr lang="en-CA" smtClean="0"/>
-              <a:t>2019-08-19</a:t>
+              <a:t>2019-08-23</a:t>
             </a:fld>
             <a:endParaRPr lang="en-CA"/>
           </a:p>
@@ -621,7 +622,7 @@
           <a:p>
             <a:fld id="{CAAF9B4D-53DE-4BD9-8C92-30C70D59891A}" type="datetimeFigureOut">
               <a:rPr lang="en-CA" smtClean="0"/>
-              <a:t>2019-08-19</a:t>
+              <a:t>2019-08-23</a:t>
             </a:fld>
             <a:endParaRPr lang="en-CA"/>
           </a:p>
@@ -791,7 +792,7 @@
           <a:p>
             <a:fld id="{CAAF9B4D-53DE-4BD9-8C92-30C70D59891A}" type="datetimeFigureOut">
               <a:rPr lang="en-CA" smtClean="0"/>
-              <a:t>2019-08-19</a:t>
+              <a:t>2019-08-23</a:t>
             </a:fld>
             <a:endParaRPr lang="en-CA"/>
           </a:p>
@@ -1037,7 +1038,7 @@
           <a:p>
             <a:fld id="{CAAF9B4D-53DE-4BD9-8C92-30C70D59891A}" type="datetimeFigureOut">
               <a:rPr lang="en-CA" smtClean="0"/>
-              <a:t>2019-08-19</a:t>
+              <a:t>2019-08-23</a:t>
             </a:fld>
             <a:endParaRPr lang="en-CA"/>
           </a:p>
@@ -1269,7 +1270,7 @@
           <a:p>
             <a:fld id="{CAAF9B4D-53DE-4BD9-8C92-30C70D59891A}" type="datetimeFigureOut">
               <a:rPr lang="en-CA" smtClean="0"/>
-              <a:t>2019-08-19</a:t>
+              <a:t>2019-08-23</a:t>
             </a:fld>
             <a:endParaRPr lang="en-CA"/>
           </a:p>
@@ -1636,7 +1637,7 @@
           <a:p>
             <a:fld id="{CAAF9B4D-53DE-4BD9-8C92-30C70D59891A}" type="datetimeFigureOut">
               <a:rPr lang="en-CA" smtClean="0"/>
-              <a:t>2019-08-19</a:t>
+              <a:t>2019-08-23</a:t>
             </a:fld>
             <a:endParaRPr lang="en-CA"/>
           </a:p>
@@ -1754,7 +1755,7 @@
           <a:p>
             <a:fld id="{CAAF9B4D-53DE-4BD9-8C92-30C70D59891A}" type="datetimeFigureOut">
               <a:rPr lang="en-CA" smtClean="0"/>
-              <a:t>2019-08-19</a:t>
+              <a:t>2019-08-23</a:t>
             </a:fld>
             <a:endParaRPr lang="en-CA"/>
           </a:p>
@@ -1849,7 +1850,7 @@
           <a:p>
             <a:fld id="{CAAF9B4D-53DE-4BD9-8C92-30C70D59891A}" type="datetimeFigureOut">
               <a:rPr lang="en-CA" smtClean="0"/>
-              <a:t>2019-08-19</a:t>
+              <a:t>2019-08-23</a:t>
             </a:fld>
             <a:endParaRPr lang="en-CA"/>
           </a:p>
@@ -2126,7 +2127,7 @@
           <a:p>
             <a:fld id="{CAAF9B4D-53DE-4BD9-8C92-30C70D59891A}" type="datetimeFigureOut">
               <a:rPr lang="en-CA" smtClean="0"/>
-              <a:t>2019-08-19</a:t>
+              <a:t>2019-08-23</a:t>
             </a:fld>
             <a:endParaRPr lang="en-CA"/>
           </a:p>
@@ -2379,7 +2380,7 @@
           <a:p>
             <a:fld id="{CAAF9B4D-53DE-4BD9-8C92-30C70D59891A}" type="datetimeFigureOut">
               <a:rPr lang="en-CA" smtClean="0"/>
-              <a:t>2019-08-19</a:t>
+              <a:t>2019-08-23</a:t>
             </a:fld>
             <a:endParaRPr lang="en-CA"/>
           </a:p>
@@ -2592,7 +2593,7 @@
           <a:p>
             <a:fld id="{CAAF9B4D-53DE-4BD9-8C92-30C70D59891A}" type="datetimeFigureOut">
               <a:rPr lang="en-CA" smtClean="0"/>
-              <a:t>2019-08-19</a:t>
+              <a:t>2019-08-23</a:t>
             </a:fld>
             <a:endParaRPr lang="en-CA"/>
           </a:p>
@@ -3093,7 +3094,7 @@
           <a:p>
             <a:r>
               <a:rPr lang="en-CA" dirty="0" smtClean="0"/>
-              <a:t>Industrial examples</a:t>
+              <a:t>Realistic example</a:t>
             </a:r>
             <a:endParaRPr lang="en-CA" dirty="0"/>
           </a:p>
@@ -3116,18 +3117,21 @@
           <a:p>
             <a:r>
               <a:rPr lang="en-CA" dirty="0" smtClean="0"/>
-              <a:t>Amazon – users who bought that, also bought this</a:t>
-            </a:r>
-          </a:p>
-          <a:p>
-            <a:endParaRPr lang="en-CA" dirty="0"/>
+              <a:t>Labor negotiations</a:t>
+            </a:r>
+          </a:p>
+          <a:p>
+            <a:r>
+              <a:rPr lang="en-CA" dirty="0" smtClean="0"/>
+              <a:t>Missing data</a:t>
+            </a:r>
           </a:p>
         </p:txBody>
       </p:sp>
     </p:spTree>
     <p:extLst>
       <p:ext uri="{BB962C8B-B14F-4D97-AF65-F5344CB8AC3E}">
-        <p14:creationId xmlns:p14="http://schemas.microsoft.com/office/powerpoint/2010/main" val="3499968194"/>
+        <p14:creationId xmlns:p14="http://schemas.microsoft.com/office/powerpoint/2010/main" val="3129419652"/>
       </p:ext>
     </p:extLst>
   </p:cSld>
@@ -3178,7 +3182,7 @@
           <a:p>
             <a:r>
               <a:rPr lang="en-CA" dirty="0" smtClean="0"/>
-              <a:t>Image example	</a:t>
+              <a:t>Industrial examples</a:t>
             </a:r>
             <a:endParaRPr lang="en-CA" dirty="0"/>
           </a:p>
@@ -3201,8 +3205,10 @@
           <a:p>
             <a:r>
               <a:rPr lang="en-CA" dirty="0" smtClean="0"/>
-              <a:t>Oil slick vs multiple sclerosis plaques </a:t>
-            </a:r>
+              <a:t>Amazon – users who bought that, also bought this</a:t>
+            </a:r>
+          </a:p>
+          <a:p>
             <a:endParaRPr lang="en-CA" dirty="0"/>
           </a:p>
         </p:txBody>
@@ -3210,7 +3216,7 @@
     </p:spTree>
     <p:extLst>
       <p:ext uri="{BB962C8B-B14F-4D97-AF65-F5344CB8AC3E}">
-        <p14:creationId xmlns:p14="http://schemas.microsoft.com/office/powerpoint/2010/main" val="3044894299"/>
+        <p14:creationId xmlns:p14="http://schemas.microsoft.com/office/powerpoint/2010/main" val="3499968194"/>
       </p:ext>
     </p:extLst>
   </p:cSld>
@@ -3261,7 +3267,7 @@
           <a:p>
             <a:r>
               <a:rPr lang="en-CA" dirty="0" smtClean="0"/>
-              <a:t>Electricity load prediction</a:t>
+              <a:t>Image example	</a:t>
             </a:r>
             <a:endParaRPr lang="en-CA" dirty="0"/>
           </a:p>
@@ -3284,46 +3290,7 @@
           <a:p>
             <a:r>
               <a:rPr lang="en-CA" dirty="0" smtClean="0"/>
-              <a:t>Diurnal, weekly, and yearly patterns</a:t>
-            </a:r>
-          </a:p>
-          <a:p>
-            <a:r>
-              <a:rPr lang="en-CA" dirty="0" smtClean="0"/>
-              <a:t>Heart beat </a:t>
-            </a:r>
-            <a:r>
-              <a:rPr lang="en-CA" dirty="0" err="1" smtClean="0"/>
-              <a:t>ecg</a:t>
-            </a:r>
-            <a:r>
-              <a:rPr lang="en-CA" dirty="0" smtClean="0"/>
-              <a:t> idea</a:t>
-            </a:r>
-          </a:p>
-          <a:p>
-            <a:r>
-              <a:rPr lang="en-CA" dirty="0" smtClean="0"/>
-              <a:t>Measuring vibrations at certain points on the machinery and	conducting </a:t>
-            </a:r>
-            <a:r>
-              <a:rPr lang="en-CA" dirty="0" err="1" smtClean="0"/>
-              <a:t>fourier</a:t>
-            </a:r>
-            <a:r>
-              <a:rPr lang="en-CA" dirty="0" smtClean="0"/>
-              <a:t> analysis</a:t>
-            </a:r>
-          </a:p>
-          <a:p>
-            <a:pPr lvl="1"/>
-            <a:r>
-              <a:rPr lang="en-CA" dirty="0" smtClean="0"/>
-              <a:t>System put into use because </a:t>
-            </a:r>
-            <a:r>
-              <a:rPr lang="en-CA" smtClean="0"/>
-              <a:t>expert approved</a:t>
+              <a:t>Oil slick vs multiple sclerosis plaques </a:t>
             </a:r>
             <a:endParaRPr lang="en-CA" dirty="0"/>
           </a:p>
@@ -3332,7 +3299,7 @@
     </p:spTree>
     <p:extLst>
       <p:ext uri="{BB962C8B-B14F-4D97-AF65-F5344CB8AC3E}">
-        <p14:creationId xmlns:p14="http://schemas.microsoft.com/office/powerpoint/2010/main" val="325847887"/>
+        <p14:creationId xmlns:p14="http://schemas.microsoft.com/office/powerpoint/2010/main" val="3044894299"/>
       </p:ext>
     </p:extLst>
   </p:cSld>
@@ -3383,7 +3350,7 @@
           <a:p>
             <a:r>
               <a:rPr lang="en-CA" dirty="0" smtClean="0"/>
-              <a:t>Data mining process pg28</a:t>
+              <a:t>Electricity load prediction</a:t>
             </a:r>
             <a:endParaRPr lang="en-CA" dirty="0"/>
           </a:p>
@@ -3406,72 +3373,46 @@
           <a:p>
             <a:r>
               <a:rPr lang="en-CA" dirty="0" smtClean="0"/>
-              <a:t>1) business understanding </a:t>
-            </a:r>
-          </a:p>
-          <a:p>
-            <a:r>
-              <a:rPr lang="en-CA" dirty="0" smtClean="0"/>
-              <a:t>2) data understanding</a:t>
-            </a:r>
-          </a:p>
-          <a:p>
-            <a:r>
-              <a:rPr lang="en-CA" dirty="0" smtClean="0"/>
-              <a:t>3)</a:t>
-            </a:r>
-            <a:r>
-              <a:rPr lang="fr-CA" dirty="0"/>
-              <a:t> </a:t>
-            </a:r>
-            <a:r>
-              <a:rPr lang="fr-CA" dirty="0" smtClean="0"/>
-              <a:t>data </a:t>
-            </a:r>
-            <a:r>
-              <a:rPr lang="fr-CA" dirty="0" err="1" smtClean="0"/>
-              <a:t>preparation</a:t>
-            </a:r>
-            <a:endParaRPr lang="fr-CA" dirty="0" smtClean="0"/>
-          </a:p>
-          <a:p>
-            <a:r>
-              <a:rPr lang="fr-CA" dirty="0" smtClean="0"/>
-              <a:t>4) data </a:t>
-            </a:r>
-            <a:r>
-              <a:rPr lang="fr-CA" dirty="0" err="1" smtClean="0"/>
-              <a:t>modeling</a:t>
-            </a:r>
-            <a:endParaRPr lang="fr-CA" dirty="0" smtClean="0"/>
-          </a:p>
-          <a:p>
-            <a:r>
-              <a:rPr lang="fr-CA" dirty="0" smtClean="0"/>
-              <a:t>5) data </a:t>
-            </a:r>
-            <a:r>
-              <a:rPr lang="fr-CA" dirty="0" err="1" smtClean="0"/>
-              <a:t>evaluation</a:t>
-            </a:r>
-            <a:endParaRPr lang="fr-CA" dirty="0" smtClean="0"/>
-          </a:p>
-          <a:p>
-            <a:r>
-              <a:rPr lang="fr-CA" dirty="0" smtClean="0"/>
-              <a:t>6) </a:t>
-            </a:r>
-            <a:r>
-              <a:rPr lang="fr-CA" dirty="0" err="1" smtClean="0"/>
-              <a:t>implementation</a:t>
-            </a:r>
-            <a:r>
-              <a:rPr lang="fr-CA" dirty="0" smtClean="0"/>
-              <a:t>/</a:t>
-            </a:r>
-            <a:r>
-              <a:rPr lang="fr-CA" dirty="0" err="1" smtClean="0"/>
-              <a:t>deployment</a:t>
+              <a:t>Diurnal, weekly, and yearly patterns</a:t>
+            </a:r>
+          </a:p>
+          <a:p>
+            <a:r>
+              <a:rPr lang="en-CA" dirty="0" smtClean="0"/>
+              <a:t>Heart beat </a:t>
+            </a:r>
+            <a:r>
+              <a:rPr lang="en-CA" dirty="0" err="1" smtClean="0"/>
+              <a:t>ecg</a:t>
+            </a:r>
+            <a:r>
+              <a:rPr lang="en-CA" dirty="0" smtClean="0"/>
+              <a:t> idea</a:t>
+            </a:r>
+          </a:p>
+          <a:p>
+            <a:r>
+              <a:rPr lang="en-CA" dirty="0" smtClean="0"/>
+              <a:t>Measuring vibrations at certain points on the machinery and	conducting </a:t>
+            </a:r>
+            <a:r>
+              <a:rPr lang="en-CA" dirty="0" err="1" smtClean="0"/>
+              <a:t>fourier</a:t>
+            </a:r>
+            <a:r>
+              <a:rPr lang="en-CA" dirty="0" smtClean="0"/>
+              <a:t> analysis</a:t>
+            </a:r>
+          </a:p>
+          <a:p>
+            <a:pPr lvl="1"/>
+            <a:r>
+              <a:rPr lang="en-CA" dirty="0" smtClean="0"/>
+              <a:t>System put into use because </a:t>
+            </a:r>
+            <a:r>
+              <a:rPr lang="en-CA" smtClean="0"/>
+              <a:t>expert approved</a:t>
             </a:r>
             <a:endParaRPr lang="en-CA" dirty="0"/>
           </a:p>
@@ -3480,7 +3421,7 @@
     </p:spTree>
     <p:extLst>
       <p:ext uri="{BB962C8B-B14F-4D97-AF65-F5344CB8AC3E}">
-        <p14:creationId xmlns:p14="http://schemas.microsoft.com/office/powerpoint/2010/main" val="2219059207"/>
+        <p14:creationId xmlns:p14="http://schemas.microsoft.com/office/powerpoint/2010/main" val="325847887"/>
       </p:ext>
     </p:extLst>
   </p:cSld>
@@ -3531,15 +3472,7 @@
           <a:p>
             <a:r>
               <a:rPr lang="en-CA" dirty="0" smtClean="0"/>
-              <a:t>Generalization as search </a:t>
-            </a:r>
-            <a:r>
-              <a:rPr lang="en-CA" dirty="0" err="1" smtClean="0"/>
-              <a:t>pg</a:t>
-            </a:r>
-            <a:r>
-              <a:rPr lang="en-CA" dirty="0" smtClean="0"/>
-              <a:t> 30</a:t>
+              <a:t>Data mining process pg28</a:t>
             </a:r>
             <a:endParaRPr lang="en-CA" dirty="0"/>
           </a:p>
@@ -3562,10 +3495,73 @@
           <a:p>
             <a:r>
               <a:rPr lang="en-CA" dirty="0" smtClean="0"/>
-              <a:t>Enumerate descriptions and strike out the ones that do not fit the data</a:t>
-            </a:r>
-          </a:p>
-          <a:p>
+              <a:t>1) business understanding </a:t>
+            </a:r>
+          </a:p>
+          <a:p>
+            <a:r>
+              <a:rPr lang="en-CA" dirty="0" smtClean="0"/>
+              <a:t>2) data understanding</a:t>
+            </a:r>
+          </a:p>
+          <a:p>
+            <a:r>
+              <a:rPr lang="en-CA" dirty="0" smtClean="0"/>
+              <a:t>3)</a:t>
+            </a:r>
+            <a:r>
+              <a:rPr lang="fr-CA" dirty="0"/>
+              <a:t> </a:t>
+            </a:r>
+            <a:r>
+              <a:rPr lang="fr-CA" dirty="0" smtClean="0"/>
+              <a:t>data </a:t>
+            </a:r>
+            <a:r>
+              <a:rPr lang="fr-CA" dirty="0" err="1" smtClean="0"/>
+              <a:t>preparation</a:t>
+            </a:r>
+            <a:endParaRPr lang="fr-CA" dirty="0" smtClean="0"/>
+          </a:p>
+          <a:p>
+            <a:r>
+              <a:rPr lang="fr-CA" dirty="0" smtClean="0"/>
+              <a:t>4) data </a:t>
+            </a:r>
+            <a:r>
+              <a:rPr lang="fr-CA" dirty="0" err="1" smtClean="0"/>
+              <a:t>modeling</a:t>
+            </a:r>
+            <a:endParaRPr lang="fr-CA" dirty="0" smtClean="0"/>
+          </a:p>
+          <a:p>
+            <a:r>
+              <a:rPr lang="fr-CA" dirty="0" smtClean="0"/>
+              <a:t>5) data </a:t>
+            </a:r>
+            <a:r>
+              <a:rPr lang="fr-CA" dirty="0" err="1" smtClean="0"/>
+              <a:t>evaluation</a:t>
+            </a:r>
+            <a:endParaRPr lang="fr-CA" dirty="0" smtClean="0"/>
+          </a:p>
+          <a:p>
+            <a:r>
+              <a:rPr lang="fr-CA" dirty="0" smtClean="0"/>
+              <a:t>6) </a:t>
+            </a:r>
+            <a:r>
+              <a:rPr lang="fr-CA" dirty="0" err="1" smtClean="0"/>
+              <a:t>implementation</a:t>
+            </a:r>
+            <a:r>
+              <a:rPr lang="fr-CA" dirty="0" smtClean="0"/>
+              <a:t>/</a:t>
+            </a:r>
+            <a:r>
+              <a:rPr lang="fr-CA" dirty="0" err="1" smtClean="0"/>
+              <a:t>deployment</a:t>
+            </a:r>
             <a:endParaRPr lang="en-CA" dirty="0"/>
           </a:p>
         </p:txBody>
@@ -3573,7 +3569,7 @@
     </p:spTree>
     <p:extLst>
       <p:ext uri="{BB962C8B-B14F-4D97-AF65-F5344CB8AC3E}">
-        <p14:creationId xmlns:p14="http://schemas.microsoft.com/office/powerpoint/2010/main" val="111165128"/>
+        <p14:creationId xmlns:p14="http://schemas.microsoft.com/office/powerpoint/2010/main" val="2219059207"/>
       </p:ext>
     </p:extLst>
   </p:cSld>
@@ -3624,7 +3620,7 @@
           <a:p>
             <a:r>
               <a:rPr lang="en-CA" dirty="0" smtClean="0"/>
-              <a:t>Bias </a:t>
+              <a:t>Generalization as search </a:t>
             </a:r>
             <a:r>
               <a:rPr lang="en-CA" dirty="0" err="1" smtClean="0"/>
@@ -3632,7 +3628,7 @@
             </a:r>
             <a:r>
               <a:rPr lang="en-CA" dirty="0" smtClean="0"/>
-              <a:t> 32</a:t>
+              <a:t> 30</a:t>
             </a:r>
             <a:endParaRPr lang="en-CA" dirty="0"/>
           </a:p>
@@ -3655,26 +3651,10 @@
           <a:p>
             <a:r>
               <a:rPr lang="en-CA" dirty="0" smtClean="0"/>
-              <a:t>Most important decisions in a machine learning system are:</a:t>
-            </a:r>
-          </a:p>
-          <a:p>
-            <a:r>
-              <a:rPr lang="en-CA" dirty="0" smtClean="0"/>
-              <a:t>Concept description language (language bias)</a:t>
-            </a:r>
-          </a:p>
-          <a:p>
-            <a:r>
-              <a:rPr lang="en-CA" dirty="0" smtClean="0"/>
-              <a:t>Order in which space is searched (search bias)</a:t>
-            </a:r>
-          </a:p>
-          <a:p>
-            <a:r>
-              <a:rPr lang="en-CA" dirty="0" smtClean="0"/>
-              <a:t>The way that training data overfitting is avoided (overfitting avoidance bias)</a:t>
-            </a:r>
+              <a:t>Enumerate descriptions and strike out the ones that do not fit the data</a:t>
+            </a:r>
+          </a:p>
+          <a:p>
             <a:endParaRPr lang="en-CA" dirty="0"/>
           </a:p>
         </p:txBody>
@@ -3682,7 +3662,7 @@
     </p:spTree>
     <p:extLst>
       <p:ext uri="{BB962C8B-B14F-4D97-AF65-F5344CB8AC3E}">
-        <p14:creationId xmlns:p14="http://schemas.microsoft.com/office/powerpoint/2010/main" val="2306456140"/>
+        <p14:creationId xmlns:p14="http://schemas.microsoft.com/office/powerpoint/2010/main" val="111165128"/>
       </p:ext>
     </p:extLst>
   </p:cSld>
@@ -3733,7 +3713,15 @@
           <a:p>
             <a:r>
               <a:rPr lang="en-CA" dirty="0" smtClean="0"/>
-              <a:t>Input: concepts and attributes, pg43</a:t>
+              <a:t>Bias </a:t>
+            </a:r>
+            <a:r>
+              <a:rPr lang="en-CA" dirty="0" err="1" smtClean="0"/>
+              <a:t>pg</a:t>
+            </a:r>
+            <a:r>
+              <a:rPr lang="en-CA" dirty="0" smtClean="0"/>
+              <a:t> 32</a:t>
             </a:r>
             <a:endParaRPr lang="en-CA" dirty="0"/>
           </a:p>
@@ -3754,14 +3742,36 @@
           <a:bodyPr/>
           <a:lstStyle/>
           <a:p>
-            <a:endParaRPr lang="en-CA"/>
+            <a:r>
+              <a:rPr lang="en-CA" dirty="0" smtClean="0"/>
+              <a:t>Most important decisions in a machine learning system are:</a:t>
+            </a:r>
+          </a:p>
+          <a:p>
+            <a:r>
+              <a:rPr lang="en-CA" dirty="0" smtClean="0"/>
+              <a:t>Concept description language (language bias)</a:t>
+            </a:r>
+          </a:p>
+          <a:p>
+            <a:r>
+              <a:rPr lang="en-CA" dirty="0" smtClean="0"/>
+              <a:t>Order in which space is searched (search bias)</a:t>
+            </a:r>
+          </a:p>
+          <a:p>
+            <a:r>
+              <a:rPr lang="en-CA" dirty="0" smtClean="0"/>
+              <a:t>The way that training data overfitting is avoided (overfitting avoidance bias)</a:t>
+            </a:r>
+            <a:endParaRPr lang="en-CA" dirty="0"/>
           </a:p>
         </p:txBody>
       </p:sp>
     </p:spTree>
     <p:extLst>
       <p:ext uri="{BB962C8B-B14F-4D97-AF65-F5344CB8AC3E}">
-        <p14:creationId xmlns:p14="http://schemas.microsoft.com/office/powerpoint/2010/main" val="2621029932"/>
+        <p14:creationId xmlns:p14="http://schemas.microsoft.com/office/powerpoint/2010/main" val="2306456140"/>
       </p:ext>
     </p:extLst>
   </p:cSld>
@@ -3811,12 +3821,8 @@
           <a:lstStyle/>
           <a:p>
             <a:r>
-              <a:rPr lang="en-CA" dirty="0" err="1" smtClean="0"/>
-              <a:t>Whats</a:t>
-            </a:r>
-            <a:r>
-              <a:rPr lang="en-CA" dirty="0" smtClean="0"/>
-              <a:t> a concept? pg44</a:t>
+              <a:rPr lang="en-CA" dirty="0" smtClean="0"/>
+              <a:t>Input: concepts and attributes, pg43</a:t>
             </a:r>
             <a:endParaRPr lang="en-CA" dirty="0"/>
           </a:p>
@@ -3844,7 +3850,7 @@
     </p:spTree>
     <p:extLst>
       <p:ext uri="{BB962C8B-B14F-4D97-AF65-F5344CB8AC3E}">
-        <p14:creationId xmlns:p14="http://schemas.microsoft.com/office/powerpoint/2010/main" val="1926195901"/>
+        <p14:creationId xmlns:p14="http://schemas.microsoft.com/office/powerpoint/2010/main" val="2621029932"/>
       </p:ext>
     </p:extLst>
   </p:cSld>
@@ -3899,7 +3905,7 @@
             </a:r>
             <a:r>
               <a:rPr lang="en-CA" dirty="0" smtClean="0"/>
-              <a:t> in an example? pg46</a:t>
+              <a:t> a concept? pg44</a:t>
             </a:r>
             <a:endParaRPr lang="en-CA" dirty="0"/>
           </a:p>
@@ -3920,36 +3926,14 @@
           <a:bodyPr/>
           <a:lstStyle/>
           <a:p>
-            <a:r>
-              <a:rPr lang="en-CA" dirty="0" smtClean="0"/>
-              <a:t>Instances, not examples (more specific term)</a:t>
-            </a:r>
-          </a:p>
-          <a:p>
-            <a:r>
-              <a:rPr lang="en-CA" dirty="0" smtClean="0"/>
-              <a:t>Instances characterized by the values of a set of predetermined attributes</a:t>
-            </a:r>
-          </a:p>
-          <a:p>
-            <a:r>
-              <a:rPr lang="en-CA" dirty="0" smtClean="0"/>
-              <a:t>Family tree example</a:t>
-            </a:r>
-          </a:p>
-          <a:p>
-            <a:r>
-              <a:rPr lang="en-CA" dirty="0" smtClean="0"/>
-              <a:t>Multi-instance problems (molecule configuration)</a:t>
-            </a:r>
-            <a:endParaRPr lang="en-CA" dirty="0"/>
+            <a:endParaRPr lang="en-CA"/>
           </a:p>
         </p:txBody>
       </p:sp>
     </p:spTree>
     <p:extLst>
       <p:ext uri="{BB962C8B-B14F-4D97-AF65-F5344CB8AC3E}">
-        <p14:creationId xmlns:p14="http://schemas.microsoft.com/office/powerpoint/2010/main" val="1567912123"/>
+        <p14:creationId xmlns:p14="http://schemas.microsoft.com/office/powerpoint/2010/main" val="1926195901"/>
       </p:ext>
     </p:extLst>
   </p:cSld>
@@ -3999,28 +3983,12 @@
           <a:lstStyle/>
           <a:p>
             <a:r>
-              <a:rPr lang="fr-CA" dirty="0" err="1" smtClean="0"/>
+              <a:rPr lang="en-CA" dirty="0" err="1" smtClean="0"/>
               <a:t>Whats</a:t>
             </a:r>
             <a:r>
-              <a:rPr lang="fr-CA" dirty="0" smtClean="0"/>
-              <a:t> in an </a:t>
-            </a:r>
-            <a:r>
-              <a:rPr lang="fr-CA" dirty="0" err="1" smtClean="0"/>
-              <a:t>attribute</a:t>
-            </a:r>
-            <a:r>
-              <a:rPr lang="fr-CA" dirty="0" smtClean="0"/>
-              <a:t>? </a:t>
-            </a:r>
-            <a:r>
-              <a:rPr lang="fr-CA" dirty="0" err="1" smtClean="0"/>
-              <a:t>Pg</a:t>
-            </a:r>
-            <a:r>
-              <a:rPr lang="fr-CA" dirty="0" smtClean="0"/>
-              <a:t> 53</a:t>
+              <a:rPr lang="en-CA" dirty="0" smtClean="0"/>
+              <a:t> in an example? pg46</a:t>
             </a:r>
             <a:endParaRPr lang="en-CA" dirty="0"/>
           </a:p>
@@ -4043,7 +4011,25 @@
           <a:p>
             <a:r>
               <a:rPr lang="en-CA" dirty="0" smtClean="0"/>
-              <a:t>Nominal, ordinal, interval, ratio</a:t>
+              <a:t>Instances, not examples (more specific term)</a:t>
+            </a:r>
+          </a:p>
+          <a:p>
+            <a:r>
+              <a:rPr lang="en-CA" dirty="0" smtClean="0"/>
+              <a:t>Instances characterized by the values of a set of predetermined attributes</a:t>
+            </a:r>
+          </a:p>
+          <a:p>
+            <a:r>
+              <a:rPr lang="en-CA" dirty="0" smtClean="0"/>
+              <a:t>Family tree example</a:t>
+            </a:r>
+          </a:p>
+          <a:p>
+            <a:r>
+              <a:rPr lang="en-CA" dirty="0" smtClean="0"/>
+              <a:t>Multi-instance problems (molecule configuration)</a:t>
             </a:r>
             <a:endParaRPr lang="en-CA" dirty="0"/>
           </a:p>
@@ -4052,7 +4038,7 @@
     </p:spTree>
     <p:extLst>
       <p:ext uri="{BB962C8B-B14F-4D97-AF65-F5344CB8AC3E}">
-        <p14:creationId xmlns:p14="http://schemas.microsoft.com/office/powerpoint/2010/main" val="860783773"/>
+        <p14:creationId xmlns:p14="http://schemas.microsoft.com/office/powerpoint/2010/main" val="1567912123"/>
       </p:ext>
     </p:extLst>
   </p:cSld>
@@ -4231,16 +4217,28 @@
           <a:lstStyle/>
           <a:p>
             <a:r>
-              <a:rPr lang="en-CA" dirty="0" smtClean="0"/>
-              <a:t>Preparing the input </a:t>
-            </a:r>
-            <a:r>
-              <a:rPr lang="en-CA" dirty="0" err="1" smtClean="0"/>
-              <a:t>pg</a:t>
-            </a:r>
-            <a:r>
-              <a:rPr lang="en-CA" dirty="0" smtClean="0"/>
-              <a:t> 55</a:t>
+              <a:rPr lang="fr-CA" dirty="0" err="1" smtClean="0"/>
+              <a:t>Whats</a:t>
+            </a:r>
+            <a:r>
+              <a:rPr lang="fr-CA" dirty="0" smtClean="0"/>
+              <a:t> in an </a:t>
+            </a:r>
+            <a:r>
+              <a:rPr lang="fr-CA" dirty="0" err="1" smtClean="0"/>
+              <a:t>attribute</a:t>
+            </a:r>
+            <a:r>
+              <a:rPr lang="fr-CA" dirty="0" smtClean="0"/>
+              <a:t>? </a:t>
+            </a:r>
+            <a:r>
+              <a:rPr lang="fr-CA" dirty="0" err="1" smtClean="0"/>
+              <a:t>Pg</a:t>
+            </a:r>
+            <a:r>
+              <a:rPr lang="fr-CA" dirty="0" smtClean="0"/>
+              <a:t> 53</a:t>
             </a:r>
             <a:endParaRPr lang="en-CA" dirty="0"/>
           </a:p>
@@ -4263,37 +4261,7 @@
           <a:p>
             <a:r>
               <a:rPr lang="en-CA" dirty="0" smtClean="0"/>
-              <a:t>Getting the data together</a:t>
-            </a:r>
-          </a:p>
-          <a:p>
-            <a:r>
-              <a:rPr lang="en-CA" dirty="0" err="1" smtClean="0"/>
-              <a:t>Flinks</a:t>
-            </a:r>
-            <a:r>
-              <a:rPr lang="en-CA" dirty="0" smtClean="0"/>
-              <a:t> example </a:t>
-            </a:r>
-          </a:p>
-          <a:p>
-            <a:r>
-              <a:rPr lang="en-CA" dirty="0" smtClean="0"/>
-              <a:t>Sparse data</a:t>
-            </a:r>
-          </a:p>
-          <a:p>
-            <a:r>
-              <a:rPr lang="en-CA" dirty="0" smtClean="0"/>
-              <a:t>Unbalanced data (</a:t>
-            </a:r>
-            <a:r>
-              <a:rPr lang="en-CA" dirty="0" err="1" smtClean="0"/>
-              <a:t>flinks</a:t>
-            </a:r>
-            <a:r>
-              <a:rPr lang="en-CA" dirty="0" smtClean="0"/>
-              <a:t>) (raw accuracy not always best metric)</a:t>
+              <a:t>Nominal, ordinal, interval, ratio</a:t>
             </a:r>
             <a:endParaRPr lang="en-CA" dirty="0"/>
           </a:p>
@@ -4302,7 +4270,7 @@
     </p:spTree>
     <p:extLst>
       <p:ext uri="{BB962C8B-B14F-4D97-AF65-F5344CB8AC3E}">
-        <p14:creationId xmlns:p14="http://schemas.microsoft.com/office/powerpoint/2010/main" val="2731568421"/>
+        <p14:creationId xmlns:p14="http://schemas.microsoft.com/office/powerpoint/2010/main" val="860783773"/>
       </p:ext>
     </p:extLst>
   </p:cSld>
@@ -4353,7 +4321,15 @@
           <a:p>
             <a:r>
               <a:rPr lang="en-CA" dirty="0" smtClean="0"/>
-              <a:t>Output – knowledge representation pg67</a:t>
+              <a:t>Preparing the input </a:t>
+            </a:r>
+            <a:r>
+              <a:rPr lang="en-CA" dirty="0" err="1" smtClean="0"/>
+              <a:t>pg</a:t>
+            </a:r>
+            <a:r>
+              <a:rPr lang="en-CA" dirty="0" smtClean="0"/>
+              <a:t> 55</a:t>
             </a:r>
             <a:endParaRPr lang="en-CA" dirty="0"/>
           </a:p>
@@ -4376,53 +4352,37 @@
           <a:p>
             <a:r>
               <a:rPr lang="en-CA" dirty="0" smtClean="0"/>
-              <a:t>Decision tables</a:t>
-            </a:r>
-          </a:p>
-          <a:p>
-            <a:r>
-              <a:rPr lang="en-CA" dirty="0" smtClean="0"/>
-              <a:t>Linear models</a:t>
-            </a:r>
-          </a:p>
-          <a:p>
-            <a:r>
-              <a:rPr lang="en-CA" dirty="0" smtClean="0"/>
-              <a:t>Decision trees</a:t>
-            </a:r>
-          </a:p>
-          <a:p>
-            <a:r>
-              <a:rPr lang="en-CA" dirty="0" smtClean="0"/>
-              <a:t>Rule sets</a:t>
-            </a:r>
-          </a:p>
-          <a:p>
-            <a:r>
-              <a:rPr lang="en-CA" dirty="0" smtClean="0"/>
-              <a:t>Inductive logic programming</a:t>
-            </a:r>
-          </a:p>
-          <a:p>
-            <a:r>
-              <a:rPr lang="en-CA" dirty="0" smtClean="0"/>
-              <a:t>Instance based learning</a:t>
-            </a:r>
-          </a:p>
-          <a:p>
-            <a:r>
-              <a:rPr lang="en-CA" dirty="0" smtClean="0"/>
-              <a:t>Rectangular generalizations</a:t>
-            </a:r>
-          </a:p>
-          <a:p>
-            <a:r>
-              <a:rPr lang="en-CA" dirty="0" smtClean="0"/>
-              <a:t>Flat clusters and </a:t>
-            </a:r>
+              <a:t>Getting the data together</a:t>
+            </a:r>
+          </a:p>
+          <a:p>
             <a:r>
               <a:rPr lang="en-CA" dirty="0" err="1" smtClean="0"/>
-              <a:t>dendrograms</a:t>
+              <a:t>Flinks</a:t>
+            </a:r>
+            <a:r>
+              <a:rPr lang="en-CA" dirty="0" smtClean="0"/>
+              <a:t> example </a:t>
+            </a:r>
+          </a:p>
+          <a:p>
+            <a:r>
+              <a:rPr lang="en-CA" dirty="0" smtClean="0"/>
+              <a:t>Sparse data</a:t>
+            </a:r>
+          </a:p>
+          <a:p>
+            <a:r>
+              <a:rPr lang="en-CA" dirty="0" smtClean="0"/>
+              <a:t>Unbalanced data (</a:t>
+            </a:r>
+            <a:r>
+              <a:rPr lang="en-CA" dirty="0" err="1" smtClean="0"/>
+              <a:t>flinks</a:t>
+            </a:r>
+            <a:r>
+              <a:rPr lang="en-CA" dirty="0" smtClean="0"/>
+              <a:t>) (raw accuracy not always best metric)</a:t>
             </a:r>
             <a:endParaRPr lang="en-CA" dirty="0"/>
           </a:p>
@@ -4431,7 +4391,7 @@
     </p:spTree>
     <p:extLst>
       <p:ext uri="{BB962C8B-B14F-4D97-AF65-F5344CB8AC3E}">
-        <p14:creationId xmlns:p14="http://schemas.microsoft.com/office/powerpoint/2010/main" val="3358489021"/>
+        <p14:creationId xmlns:p14="http://schemas.microsoft.com/office/powerpoint/2010/main" val="2731568421"/>
       </p:ext>
     </p:extLst>
   </p:cSld>
@@ -4482,38 +4442,76 @@
           <a:p>
             <a:r>
               <a:rPr lang="en-CA" dirty="0" smtClean="0"/>
-              <a:t>Linear model vs decision tree </a:t>
+              <a:t>Output – knowledge representation pg67</a:t>
+            </a:r>
+            <a:endParaRPr lang="en-CA" dirty="0"/>
+          </a:p>
+        </p:txBody>
+      </p:sp>
+      <p:sp>
+        <p:nvSpPr>
+          <p:cNvPr id="3" name="Content Placeholder 2"/>
+          <p:cNvSpPr>
+            <a:spLocks noGrp="1"/>
+          </p:cNvSpPr>
+          <p:nvPr>
+            <p:ph idx="1"/>
+          </p:nvPr>
+        </p:nvSpPr>
+        <p:spPr/>
+        <p:txBody>
+          <a:bodyPr/>
+          <a:lstStyle/>
+          <a:p>
+            <a:r>
+              <a:rPr lang="en-CA" dirty="0" smtClean="0"/>
+              <a:t>Decision tables</a:t>
+            </a:r>
+          </a:p>
+          <a:p>
+            <a:r>
+              <a:rPr lang="en-CA" dirty="0" smtClean="0"/>
+              <a:t>Linear models</a:t>
+            </a:r>
+          </a:p>
+          <a:p>
+            <a:r>
+              <a:rPr lang="en-CA" dirty="0" smtClean="0"/>
+              <a:t>Decision trees</a:t>
+            </a:r>
+          </a:p>
+          <a:p>
+            <a:r>
+              <a:rPr lang="en-CA" dirty="0" smtClean="0"/>
+              <a:t>Rule sets</a:t>
+            </a:r>
+          </a:p>
+          <a:p>
+            <a:r>
+              <a:rPr lang="en-CA" dirty="0" smtClean="0"/>
+              <a:t>Inductive logic programming</a:t>
+            </a:r>
+          </a:p>
+          <a:p>
+            <a:r>
+              <a:rPr lang="en-CA" dirty="0" smtClean="0"/>
+              <a:t>Instance based learning</a:t>
+            </a:r>
+          </a:p>
+          <a:p>
+            <a:r>
+              <a:rPr lang="en-CA" dirty="0" smtClean="0"/>
+              <a:t>Rectangular generalizations</a:t>
+            </a:r>
+          </a:p>
+          <a:p>
+            <a:r>
+              <a:rPr lang="en-CA" dirty="0" smtClean="0"/>
+              <a:t>Flat clusters and </a:t>
             </a:r>
             <a:r>
               <a:rPr lang="en-CA" dirty="0" err="1" smtClean="0"/>
-              <a:t>pg</a:t>
-            </a:r>
-            <a:r>
-              <a:rPr lang="en-CA" dirty="0" smtClean="0"/>
-              <a:t> 72</a:t>
-            </a:r>
-            <a:endParaRPr lang="en-CA" dirty="0"/>
-          </a:p>
-        </p:txBody>
-      </p:sp>
-      <p:sp>
-        <p:nvSpPr>
-          <p:cNvPr id="3" name="Content Placeholder 2"/>
-          <p:cNvSpPr>
-            <a:spLocks noGrp="1"/>
-          </p:cNvSpPr>
-          <p:nvPr>
-            <p:ph idx="1"/>
-          </p:nvPr>
-        </p:nvSpPr>
-        <p:spPr/>
-        <p:txBody>
-          <a:bodyPr/>
-          <a:lstStyle/>
-          <a:p>
-            <a:r>
-              <a:rPr lang="en-CA" dirty="0" smtClean="0"/>
-              <a:t>Regression tree is more accurate because a simple linear model poorly represents the data in this problem</a:t>
+              <a:t>dendrograms</a:t>
             </a:r>
             <a:endParaRPr lang="en-CA" dirty="0"/>
           </a:p>
@@ -4522,7 +4520,7 @@
     </p:spTree>
     <p:extLst>
       <p:ext uri="{BB962C8B-B14F-4D97-AF65-F5344CB8AC3E}">
-        <p14:creationId xmlns:p14="http://schemas.microsoft.com/office/powerpoint/2010/main" val="484036334"/>
+        <p14:creationId xmlns:p14="http://schemas.microsoft.com/office/powerpoint/2010/main" val="3358489021"/>
       </p:ext>
     </p:extLst>
   </p:cSld>
@@ -4573,19 +4571,15 @@
           <a:p>
             <a:r>
               <a:rPr lang="en-CA" dirty="0" smtClean="0"/>
-              <a:t>Rules </a:t>
+              <a:t>Linear model vs decision tree </a:t>
             </a:r>
             <a:r>
               <a:rPr lang="en-CA" dirty="0" err="1" smtClean="0"/>
               <a:t>pg</a:t>
             </a:r>
             <a:r>
-              <a:rPr lang="en-CA" dirty="0"/>
-              <a:t> </a:t>
-            </a:r>
-            <a:r>
-              <a:rPr lang="en-CA" dirty="0" smtClean="0"/>
-              <a:t>72</a:t>
+              <a:rPr lang="en-CA" dirty="0" smtClean="0"/>
+              <a:t> 72</a:t>
             </a:r>
             <a:endParaRPr lang="en-CA" dirty="0"/>
           </a:p>
@@ -4603,56 +4597,12 @@
         </p:nvSpPr>
         <p:spPr/>
         <p:txBody>
-          <a:bodyPr>
-            <a:normAutofit fontScale="92500" lnSpcReduction="20000"/>
-          </a:bodyPr>
-          <a:lstStyle/>
-          <a:p>
-            <a:r>
-              <a:rPr lang="en-CA" dirty="0" smtClean="0"/>
-              <a:t>Antecedent is a series of tests</a:t>
-            </a:r>
-          </a:p>
-          <a:p>
-            <a:r>
-              <a:rPr lang="en-CA" dirty="0" smtClean="0"/>
-              <a:t>Consequent gives class of instance covered by rule</a:t>
-            </a:r>
-          </a:p>
-          <a:p>
-            <a:r>
-              <a:rPr lang="en-CA" dirty="0" smtClean="0"/>
-              <a:t>If (a &amp; b) then c</a:t>
-            </a:r>
-          </a:p>
-          <a:p>
-            <a:r>
-              <a:rPr lang="en-CA" dirty="0" smtClean="0"/>
-              <a:t>Easy to get rules from decision tree</a:t>
-            </a:r>
-          </a:p>
-          <a:p>
-            <a:r>
-              <a:rPr lang="en-CA" dirty="0" smtClean="0"/>
-              <a:t>Because decision trees cannot easily express disjunction implied among different rules in a set, transforming a general set of rules into a tree is not so straightforward</a:t>
-            </a:r>
-          </a:p>
-          <a:p>
-            <a:r>
-              <a:rPr lang="en-CA" dirty="0" smtClean="0"/>
-              <a:t>Replicated subtree problem</a:t>
-            </a:r>
-          </a:p>
-          <a:p>
-            <a:r>
-              <a:rPr lang="en-CA" dirty="0" smtClean="0"/>
-              <a:t>Redundancy of tree removes problem where if rules are taken out of order they may be incorrect</a:t>
-            </a:r>
-          </a:p>
-          <a:p>
-            <a:r>
-              <a:rPr lang="en-CA" dirty="0" smtClean="0"/>
-              <a:t>Some examples may be classified multiple times, or not at all with rules (this cannot happen with trees) pg78</a:t>
+          <a:bodyPr/>
+          <a:lstStyle/>
+          <a:p>
+            <a:r>
+              <a:rPr lang="en-CA" dirty="0" smtClean="0"/>
+              <a:t>Regression tree is more accurate because a simple linear model poorly represents the data in this problem</a:t>
             </a:r>
             <a:endParaRPr lang="en-CA" dirty="0"/>
           </a:p>
@@ -4661,7 +4611,7 @@
     </p:spTree>
     <p:extLst>
       <p:ext uri="{BB962C8B-B14F-4D97-AF65-F5344CB8AC3E}">
-        <p14:creationId xmlns:p14="http://schemas.microsoft.com/office/powerpoint/2010/main" val="1353909509"/>
+        <p14:creationId xmlns:p14="http://schemas.microsoft.com/office/powerpoint/2010/main" val="484036334"/>
       </p:ext>
     </p:extLst>
   </p:cSld>
@@ -4712,15 +4662,19 @@
           <a:p>
             <a:r>
               <a:rPr lang="en-CA" dirty="0" smtClean="0"/>
-              <a:t>Closed world assumption and rules </a:t>
+              <a:t>Rules </a:t>
             </a:r>
             <a:r>
               <a:rPr lang="en-CA" dirty="0" err="1" smtClean="0"/>
               <a:t>pg</a:t>
             </a:r>
             <a:r>
-              <a:rPr lang="en-CA" dirty="0" smtClean="0"/>
-              <a:t> 78</a:t>
+              <a:rPr lang="en-CA" dirty="0"/>
+              <a:t> </a:t>
+            </a:r>
+            <a:r>
+              <a:rPr lang="en-CA" dirty="0" smtClean="0"/>
+              <a:t>72</a:t>
             </a:r>
             <a:endParaRPr lang="en-CA" dirty="0"/>
           </a:p>
@@ -4738,18 +4692,56 @@
         </p:nvSpPr>
         <p:spPr/>
         <p:txBody>
-          <a:bodyPr/>
-          <a:lstStyle/>
-          <a:p>
-            <a:r>
-              <a:rPr lang="en-CA" dirty="0" smtClean="0"/>
-              <a:t>The case in which rules lead to a class that is Boolean, and only rules leading to one outcome (yes) are expressed</a:t>
-            </a:r>
-          </a:p>
-          <a:p>
-            <a:r>
-              <a:rPr lang="en-CA" dirty="0" smtClean="0"/>
-              <a:t>These rules can be written in disjunctive normal form</a:t>
+          <a:bodyPr>
+            <a:normAutofit fontScale="92500" lnSpcReduction="20000"/>
+          </a:bodyPr>
+          <a:lstStyle/>
+          <a:p>
+            <a:r>
+              <a:rPr lang="en-CA" dirty="0" smtClean="0"/>
+              <a:t>Antecedent is a series of tests</a:t>
+            </a:r>
+          </a:p>
+          <a:p>
+            <a:r>
+              <a:rPr lang="en-CA" dirty="0" smtClean="0"/>
+              <a:t>Consequent gives class of instance covered by rule</a:t>
+            </a:r>
+          </a:p>
+          <a:p>
+            <a:r>
+              <a:rPr lang="en-CA" dirty="0" smtClean="0"/>
+              <a:t>If (a &amp; b) then c</a:t>
+            </a:r>
+          </a:p>
+          <a:p>
+            <a:r>
+              <a:rPr lang="en-CA" dirty="0" smtClean="0"/>
+              <a:t>Easy to get rules from decision tree</a:t>
+            </a:r>
+          </a:p>
+          <a:p>
+            <a:r>
+              <a:rPr lang="en-CA" dirty="0" smtClean="0"/>
+              <a:t>Because decision trees cannot easily express disjunction implied among different rules in a set, transforming a general set of rules into a tree is not so straightforward</a:t>
+            </a:r>
+          </a:p>
+          <a:p>
+            <a:r>
+              <a:rPr lang="en-CA" dirty="0" smtClean="0"/>
+              <a:t>Replicated subtree problem</a:t>
+            </a:r>
+          </a:p>
+          <a:p>
+            <a:r>
+              <a:rPr lang="en-CA" dirty="0" smtClean="0"/>
+              <a:t>Redundancy of tree removes problem where if rules are taken out of order they may be incorrect</a:t>
+            </a:r>
+          </a:p>
+          <a:p>
+            <a:r>
+              <a:rPr lang="en-CA" dirty="0" smtClean="0"/>
+              <a:t>Some examples may be classified multiple times, or not at all with rules (this cannot happen with trees) pg78</a:t>
             </a:r>
             <a:endParaRPr lang="en-CA" dirty="0"/>
           </a:p>
@@ -4758,7 +4750,7 @@
     </p:spTree>
     <p:extLst>
       <p:ext uri="{BB962C8B-B14F-4D97-AF65-F5344CB8AC3E}">
-        <p14:creationId xmlns:p14="http://schemas.microsoft.com/office/powerpoint/2010/main" val="3505305600"/>
+        <p14:creationId xmlns:p14="http://schemas.microsoft.com/office/powerpoint/2010/main" val="1353909509"/>
       </p:ext>
     </p:extLst>
   </p:cSld>
@@ -4809,7 +4801,7 @@
           <a:p>
             <a:r>
               <a:rPr lang="en-CA" dirty="0" smtClean="0"/>
-              <a:t>Association rules </a:t>
+              <a:t>Closed world assumption and rules </a:t>
             </a:r>
             <a:r>
               <a:rPr lang="en-CA" dirty="0" err="1" smtClean="0"/>
@@ -4840,7 +4832,13 @@
           <a:p>
             <a:r>
               <a:rPr lang="en-CA" dirty="0" smtClean="0"/>
-              <a:t>Coverage and support</a:t>
+              <a:t>The case in which rules lead to a class that is Boolean, and only rules leading to one outcome (yes) are expressed</a:t>
+            </a:r>
+          </a:p>
+          <a:p>
+            <a:r>
+              <a:rPr lang="en-CA" dirty="0" smtClean="0"/>
+              <a:t>These rules can be written in disjunctive normal form</a:t>
             </a:r>
             <a:endParaRPr lang="en-CA" dirty="0"/>
           </a:p>
@@ -4849,7 +4847,7 @@
     </p:spTree>
     <p:extLst>
       <p:ext uri="{BB962C8B-B14F-4D97-AF65-F5344CB8AC3E}">
-        <p14:creationId xmlns:p14="http://schemas.microsoft.com/office/powerpoint/2010/main" val="3101809759"/>
+        <p14:creationId xmlns:p14="http://schemas.microsoft.com/office/powerpoint/2010/main" val="3505305600"/>
       </p:ext>
     </p:extLst>
   </p:cSld>
@@ -4900,7 +4898,7 @@
           <a:p>
             <a:r>
               <a:rPr lang="en-CA" dirty="0" smtClean="0"/>
-              <a:t>Rules with exceptions </a:t>
+              <a:t>Association rules </a:t>
             </a:r>
             <a:r>
               <a:rPr lang="en-CA" dirty="0" err="1" smtClean="0"/>
@@ -4908,7 +4906,7 @@
             </a:r>
             <a:r>
               <a:rPr lang="en-CA" dirty="0" smtClean="0"/>
-              <a:t> 79</a:t>
+              <a:t> 78</a:t>
             </a:r>
             <a:endParaRPr lang="en-CA" dirty="0"/>
           </a:p>
@@ -4931,13 +4929,7 @@
           <a:p>
             <a:r>
               <a:rPr lang="en-CA" dirty="0" smtClean="0"/>
-              <a:t>If x and y then x except if w then v</a:t>
-            </a:r>
-          </a:p>
-          <a:p>
-            <a:r>
-              <a:rPr lang="en-CA" dirty="0" smtClean="0"/>
-              <a:t>Allows to avoid use of decision lists</a:t>
+              <a:t>Coverage and support</a:t>
             </a:r>
             <a:endParaRPr lang="en-CA" dirty="0"/>
           </a:p>
@@ -4946,7 +4938,7 @@
     </p:spTree>
     <p:extLst>
       <p:ext uri="{BB962C8B-B14F-4D97-AF65-F5344CB8AC3E}">
-        <p14:creationId xmlns:p14="http://schemas.microsoft.com/office/powerpoint/2010/main" val="3215670475"/>
+        <p14:creationId xmlns:p14="http://schemas.microsoft.com/office/powerpoint/2010/main" val="3101809759"/>
       </p:ext>
     </p:extLst>
   </p:cSld>
@@ -4997,7 +4989,15 @@
           <a:p>
             <a:r>
               <a:rPr lang="en-CA" dirty="0" smtClean="0"/>
-              <a:t>More expressive rules pg81</a:t>
+              <a:t>Rules with exceptions </a:t>
+            </a:r>
+            <a:r>
+              <a:rPr lang="en-CA" dirty="0" err="1" smtClean="0"/>
+              <a:t>pg</a:t>
+            </a:r>
+            <a:r>
+              <a:rPr lang="en-CA" dirty="0" smtClean="0"/>
+              <a:t> 79</a:t>
             </a:r>
             <a:endParaRPr lang="en-CA" dirty="0"/>
           </a:p>
@@ -5020,19 +5020,13 @@
           <a:p>
             <a:r>
               <a:rPr lang="en-CA" dirty="0" smtClean="0"/>
-              <a:t>Compare attributes with each other “if width &gt; height”</a:t>
-            </a:r>
-          </a:p>
-          <a:p>
-            <a:r>
-              <a:rPr lang="en-CA" dirty="0" smtClean="0"/>
-              <a:t>Add another attribute to instance through preprocessing (why?)</a:t>
-            </a:r>
-          </a:p>
-          <a:p>
-            <a:r>
-              <a:rPr lang="en-CA" dirty="0" smtClean="0"/>
-              <a:t>Recursive expressions pg84</a:t>
+              <a:t>If x and y then x except if w then v</a:t>
+            </a:r>
+          </a:p>
+          <a:p>
+            <a:r>
+              <a:rPr lang="en-CA" dirty="0" smtClean="0"/>
+              <a:t>Allows to avoid use of decision lists</a:t>
             </a:r>
             <a:endParaRPr lang="en-CA" dirty="0"/>
           </a:p>
@@ -5041,7 +5035,7 @@
     </p:spTree>
     <p:extLst>
       <p:ext uri="{BB962C8B-B14F-4D97-AF65-F5344CB8AC3E}">
-        <p14:creationId xmlns:p14="http://schemas.microsoft.com/office/powerpoint/2010/main" val="2665989254"/>
+        <p14:creationId xmlns:p14="http://schemas.microsoft.com/office/powerpoint/2010/main" val="3215670475"/>
       </p:ext>
     </p:extLst>
   </p:cSld>
@@ -5092,7 +5086,7 @@
           <a:p>
             <a:r>
               <a:rPr lang="en-CA" dirty="0" smtClean="0"/>
-              <a:t>Instance based representation pg84</a:t>
+              <a:t>More expressive rules pg81</a:t>
             </a:r>
             <a:endParaRPr lang="en-CA" dirty="0"/>
           </a:p>
@@ -5115,25 +5109,19 @@
           <a:p>
             <a:r>
               <a:rPr lang="en-CA" dirty="0" smtClean="0"/>
-              <a:t>Instead of trying to create rules, work directly from the examples themselves</a:t>
-            </a:r>
-          </a:p>
-          <a:p>
-            <a:r>
-              <a:rPr lang="en-CA" dirty="0" smtClean="0"/>
-              <a:t>Nearest neighbour classification</a:t>
-            </a:r>
-          </a:p>
-          <a:p>
-            <a:r>
-              <a:rPr lang="en-CA" dirty="0" smtClean="0"/>
-              <a:t>Given a single instance of each of two classes, nearest-neighbor rule effectively splits the instance space along the perpendicular bisector of the line joining the instances</a:t>
-            </a:r>
-          </a:p>
-          <a:p>
-            <a:r>
-              <a:rPr lang="en-CA" dirty="0" smtClean="0"/>
-              <a:t>Rectangular generalizations in instance space are just like rules with a special form of condition, one that tests a numeric variable against an upper and lower bound and selects the region in between</a:t>
+              <a:t>Compare attributes with each other “if width &gt; height”</a:t>
+            </a:r>
+          </a:p>
+          <a:p>
+            <a:r>
+              <a:rPr lang="en-CA" dirty="0" smtClean="0"/>
+              <a:t>Add another attribute to instance through preprocessing (why?)</a:t>
+            </a:r>
+          </a:p>
+          <a:p>
+            <a:r>
+              <a:rPr lang="en-CA" dirty="0" smtClean="0"/>
+              <a:t>Recursive expressions pg84</a:t>
             </a:r>
             <a:endParaRPr lang="en-CA" dirty="0"/>
           </a:p>
@@ -5142,7 +5130,7 @@
     </p:spTree>
     <p:extLst>
       <p:ext uri="{BB962C8B-B14F-4D97-AF65-F5344CB8AC3E}">
-        <p14:creationId xmlns:p14="http://schemas.microsoft.com/office/powerpoint/2010/main" val="2795422327"/>
+        <p14:creationId xmlns:p14="http://schemas.microsoft.com/office/powerpoint/2010/main" val="2665989254"/>
       </p:ext>
     </p:extLst>
   </p:cSld>
@@ -5193,15 +5181,7 @@
           <a:p>
             <a:r>
               <a:rPr lang="en-CA" dirty="0" smtClean="0"/>
-              <a:t>Clusters </a:t>
-            </a:r>
-            <a:r>
-              <a:rPr lang="en-CA" dirty="0" err="1" smtClean="0"/>
-              <a:t>pg</a:t>
-            </a:r>
-            <a:r>
-              <a:rPr lang="en-CA" dirty="0" smtClean="0"/>
-              <a:t> 87</a:t>
+              <a:t>Instance based representation pg84</a:t>
             </a:r>
             <a:endParaRPr lang="en-CA" dirty="0"/>
           </a:p>
@@ -5222,14 +5202,36 @@
           <a:bodyPr/>
           <a:lstStyle/>
           <a:p>
-            <a:endParaRPr lang="en-CA"/>
+            <a:r>
+              <a:rPr lang="en-CA" dirty="0" smtClean="0"/>
+              <a:t>Instead of trying to create rules, work directly from the examples themselves</a:t>
+            </a:r>
+          </a:p>
+          <a:p>
+            <a:r>
+              <a:rPr lang="en-CA" dirty="0" smtClean="0"/>
+              <a:t>Nearest neighbour classification</a:t>
+            </a:r>
+          </a:p>
+          <a:p>
+            <a:r>
+              <a:rPr lang="en-CA" dirty="0" smtClean="0"/>
+              <a:t>Given a single instance of each of two classes, nearest-neighbor rule effectively splits the instance space along the perpendicular bisector of the line joining the instances</a:t>
+            </a:r>
+          </a:p>
+          <a:p>
+            <a:r>
+              <a:rPr lang="en-CA" dirty="0" smtClean="0"/>
+              <a:t>Rectangular generalizations in instance space are just like rules with a special form of condition, one that tests a numeric variable against an upper and lower bound and selects the region in between</a:t>
+            </a:r>
+            <a:endParaRPr lang="en-CA" dirty="0"/>
           </a:p>
         </p:txBody>
       </p:sp>
     </p:spTree>
     <p:extLst>
       <p:ext uri="{BB962C8B-B14F-4D97-AF65-F5344CB8AC3E}">
-        <p14:creationId xmlns:p14="http://schemas.microsoft.com/office/powerpoint/2010/main" val="2350560584"/>
+        <p14:creationId xmlns:p14="http://schemas.microsoft.com/office/powerpoint/2010/main" val="2795422327"/>
       </p:ext>
     </p:extLst>
   </p:cSld>
@@ -5280,7 +5282,11 @@
           <a:p>
             <a:r>
               <a:rPr lang="en-CA" dirty="0" smtClean="0"/>
-              <a:t>rules</a:t>
+              <a:t>Elon musk </a:t>
+            </a:r>
+            <a:r>
+              <a:rPr lang="en-CA" dirty="0" err="1" smtClean="0"/>
+              <a:t>neuralink</a:t>
             </a:r>
             <a:endParaRPr lang="en-CA" dirty="0"/>
           </a:p>
@@ -5301,32 +5307,94 @@
           <a:bodyPr/>
           <a:lstStyle/>
           <a:p>
-            <a:r>
-              <a:rPr lang="en-CA" dirty="0" smtClean="0"/>
-              <a:t>Generalize from or summarize data</a:t>
-            </a:r>
-          </a:p>
-          <a:p>
-            <a:r>
-              <a:rPr lang="en-CA" dirty="0" smtClean="0"/>
-              <a:t>A more real world example than the contact lenses? (complete space of all possible outcomes), maximum likelihood rules</a:t>
-            </a:r>
-          </a:p>
-          <a:p>
-            <a:r>
-              <a:rPr lang="en-CA" dirty="0" smtClean="0"/>
-              <a:t>Video game (league of legends) </a:t>
-            </a:r>
-          </a:p>
-          <a:p>
-            <a:endParaRPr lang="en-CA" dirty="0"/>
+            <a:endParaRPr lang="en-CA"/>
           </a:p>
         </p:txBody>
       </p:sp>
     </p:spTree>
     <p:extLst>
       <p:ext uri="{BB962C8B-B14F-4D97-AF65-F5344CB8AC3E}">
-        <p14:creationId xmlns:p14="http://schemas.microsoft.com/office/powerpoint/2010/main" val="107267631"/>
+        <p14:creationId xmlns:p14="http://schemas.microsoft.com/office/powerpoint/2010/main" val="1122424526"/>
+      </p:ext>
+    </p:extLst>
+  </p:cSld>
+  <p:clrMapOvr>
+    <a:masterClrMapping/>
+  </p:clrMapOvr>
+</p:sld>
+</file>
+
+<file path=ppt/slides/slide30.xml><?xml version="1.0" encoding="utf-8"?>
+<p:sld xmlns:a="http://schemas.openxmlformats.org/drawingml/2006/main" xmlns:r="http://schemas.openxmlformats.org/officeDocument/2006/relationships" xmlns:p="http://schemas.openxmlformats.org/presentationml/2006/main">
+  <p:cSld>
+    <p:spTree>
+      <p:nvGrpSpPr>
+        <p:cNvPr id="1" name=""/>
+        <p:cNvGrpSpPr/>
+        <p:nvPr/>
+      </p:nvGrpSpPr>
+      <p:grpSpPr>
+        <a:xfrm>
+          <a:off x="0" y="0"/>
+          <a:ext cx="0" cy="0"/>
+          <a:chOff x="0" y="0"/>
+          <a:chExt cx="0" cy="0"/>
+        </a:xfrm>
+      </p:grpSpPr>
+      <p:sp>
+        <p:nvSpPr>
+          <p:cNvPr id="2" name="Title 1"/>
+          <p:cNvSpPr>
+            <a:spLocks noGrp="1"/>
+          </p:cNvSpPr>
+          <p:nvPr>
+            <p:ph type="title"/>
+          </p:nvPr>
+        </p:nvSpPr>
+        <p:spPr/>
+        <p:txBody>
+          <a:bodyPr/>
+          <a:lstStyle/>
+          <a:p>
+            <a:r>
+              <a:rPr lang="en-CA" dirty="0" smtClean="0"/>
+              <a:t>Clusters </a:t>
+            </a:r>
+            <a:r>
+              <a:rPr lang="en-CA" dirty="0" err="1" smtClean="0"/>
+              <a:t>pg</a:t>
+            </a:r>
+            <a:r>
+              <a:rPr lang="en-CA" dirty="0" smtClean="0"/>
+              <a:t> 87</a:t>
+            </a:r>
+            <a:endParaRPr lang="en-CA" dirty="0"/>
+          </a:p>
+        </p:txBody>
+      </p:sp>
+      <p:sp>
+        <p:nvSpPr>
+          <p:cNvPr id="3" name="Content Placeholder 2"/>
+          <p:cNvSpPr>
+            <a:spLocks noGrp="1"/>
+          </p:cNvSpPr>
+          <p:nvPr>
+            <p:ph idx="1"/>
+          </p:nvPr>
+        </p:nvSpPr>
+        <p:spPr/>
+        <p:txBody>
+          <a:bodyPr/>
+          <a:lstStyle/>
+          <a:p>
+            <a:endParaRPr lang="en-CA"/>
+          </a:p>
+        </p:txBody>
+      </p:sp>
+    </p:spTree>
+    <p:extLst>
+      <p:ext uri="{BB962C8B-B14F-4D97-AF65-F5344CB8AC3E}">
+        <p14:creationId xmlns:p14="http://schemas.microsoft.com/office/powerpoint/2010/main" val="2350560584"/>
       </p:ext>
     </p:extLst>
   </p:cSld>
@@ -5377,7 +5445,7 @@
           <a:p>
             <a:r>
               <a:rPr lang="en-CA" dirty="0" smtClean="0"/>
-              <a:t>Learning:</a:t>
+              <a:t>rules</a:t>
             </a:r>
             <a:endParaRPr lang="en-CA" dirty="0"/>
           </a:p>
@@ -5400,34 +5468,22 @@
           <a:p>
             <a:r>
               <a:rPr lang="en-CA" dirty="0" smtClean="0"/>
-              <a:t>To change your behavior in a way that leads to improved performance</a:t>
-            </a:r>
-          </a:p>
-          <a:p>
-            <a:r>
-              <a:rPr lang="en-CA" dirty="0" smtClean="0"/>
-              <a:t>Skinner example (behaviorism) </a:t>
-            </a:r>
-          </a:p>
-          <a:p>
-            <a:r>
-              <a:rPr lang="en-CA" dirty="0" smtClean="0"/>
-              <a:t>Slipper example (intention)</a:t>
-            </a:r>
-          </a:p>
-          <a:p>
-            <a:r>
-              <a:rPr lang="en-CA" dirty="0" smtClean="0"/>
-              <a:t>Structural descriptions are at least as important as performance, machine learning is also used to gain knowledge – </a:t>
-            </a:r>
-            <a:r>
-              <a:rPr lang="en-CA" dirty="0" err="1" smtClean="0"/>
-              <a:t>flinks</a:t>
-            </a:r>
-            <a:r>
-              <a:rPr lang="en-CA" dirty="0" smtClean="0"/>
-              <a:t> example</a:t>
-            </a:r>
+              <a:t>Generalize from or summarize data</a:t>
+            </a:r>
+          </a:p>
+          <a:p>
+            <a:r>
+              <a:rPr lang="en-CA" dirty="0" smtClean="0"/>
+              <a:t>A more real world example than the contact lenses? (complete space of all possible outcomes), maximum likelihood rules</a:t>
+            </a:r>
+          </a:p>
+          <a:p>
+            <a:r>
+              <a:rPr lang="en-CA" dirty="0" smtClean="0"/>
+              <a:t>Video game (league of legends) </a:t>
+            </a:r>
+          </a:p>
+          <a:p>
             <a:endParaRPr lang="en-CA" dirty="0"/>
           </a:p>
         </p:txBody>
@@ -5435,7 +5491,7 @@
     </p:spTree>
     <p:extLst>
       <p:ext uri="{BB962C8B-B14F-4D97-AF65-F5344CB8AC3E}">
-        <p14:creationId xmlns:p14="http://schemas.microsoft.com/office/powerpoint/2010/main" val="32579671"/>
+        <p14:creationId xmlns:p14="http://schemas.microsoft.com/office/powerpoint/2010/main" val="107267631"/>
       </p:ext>
     </p:extLst>
   </p:cSld>
@@ -5486,7 +5542,7 @@
           <a:p>
             <a:r>
               <a:rPr lang="en-CA" dirty="0" smtClean="0"/>
-              <a:t>Decision list</a:t>
+              <a:t>Learning:</a:t>
             </a:r>
             <a:endParaRPr lang="en-CA" dirty="0"/>
           </a:p>
@@ -5509,19 +5565,34 @@
           <a:p>
             <a:r>
               <a:rPr lang="en-CA" dirty="0" smtClean="0"/>
-              <a:t>A set of rules to be interpreted in a sequence</a:t>
-            </a:r>
-          </a:p>
-          <a:p>
-            <a:r>
-              <a:rPr lang="en-CA" dirty="0" smtClean="0"/>
-              <a:t>Numeric tests vs simple true/false</a:t>
-            </a:r>
-          </a:p>
-          <a:p>
-            <a:pPr marL="0" indent="0">
-              <a:buNone/>
-            </a:pPr>
+              <a:t>To change your behavior in a way that leads to improved performance</a:t>
+            </a:r>
+          </a:p>
+          <a:p>
+            <a:r>
+              <a:rPr lang="en-CA" dirty="0" smtClean="0"/>
+              <a:t>Skinner example (behaviorism) </a:t>
+            </a:r>
+          </a:p>
+          <a:p>
+            <a:r>
+              <a:rPr lang="en-CA" dirty="0" smtClean="0"/>
+              <a:t>Slipper example (intention)</a:t>
+            </a:r>
+          </a:p>
+          <a:p>
+            <a:r>
+              <a:rPr lang="en-CA" dirty="0" smtClean="0"/>
+              <a:t>Structural descriptions are at least as important as performance, machine learning is also used to gain knowledge – </a:t>
+            </a:r>
+            <a:r>
+              <a:rPr lang="en-CA" dirty="0" err="1" smtClean="0"/>
+              <a:t>flinks</a:t>
+            </a:r>
+            <a:r>
+              <a:rPr lang="en-CA" dirty="0" smtClean="0"/>
+              <a:t> example</a:t>
+            </a:r>
             <a:endParaRPr lang="en-CA" dirty="0"/>
           </a:p>
         </p:txBody>
@@ -5529,7 +5600,7 @@
     </p:spTree>
     <p:extLst>
       <p:ext uri="{BB962C8B-B14F-4D97-AF65-F5344CB8AC3E}">
-        <p14:creationId xmlns:p14="http://schemas.microsoft.com/office/powerpoint/2010/main" val="1761913027"/>
+        <p14:creationId xmlns:p14="http://schemas.microsoft.com/office/powerpoint/2010/main" val="32579671"/>
       </p:ext>
     </p:extLst>
   </p:cSld>
@@ -5580,7 +5651,7 @@
           <a:p>
             <a:r>
               <a:rPr lang="en-CA" dirty="0" smtClean="0"/>
-              <a:t>Association rules</a:t>
+              <a:t>Decision list</a:t>
             </a:r>
             <a:endParaRPr lang="en-CA" dirty="0"/>
           </a:p>
@@ -5601,14 +5672,29 @@
           <a:bodyPr/>
           <a:lstStyle/>
           <a:p>
-            <a:endParaRPr lang="en-CA"/>
+            <a:r>
+              <a:rPr lang="en-CA" dirty="0" smtClean="0"/>
+              <a:t>A set of rules to be interpreted in a sequence</a:t>
+            </a:r>
+          </a:p>
+          <a:p>
+            <a:r>
+              <a:rPr lang="en-CA" dirty="0" smtClean="0"/>
+              <a:t>Numeric tests vs simple true/false</a:t>
+            </a:r>
+          </a:p>
+          <a:p>
+            <a:pPr marL="0" indent="0">
+              <a:buNone/>
+            </a:pPr>
+            <a:endParaRPr lang="en-CA" dirty="0"/>
           </a:p>
         </p:txBody>
       </p:sp>
     </p:spTree>
     <p:extLst>
       <p:ext uri="{BB962C8B-B14F-4D97-AF65-F5344CB8AC3E}">
-        <p14:creationId xmlns:p14="http://schemas.microsoft.com/office/powerpoint/2010/main" val="1713078301"/>
+        <p14:creationId xmlns:p14="http://schemas.microsoft.com/office/powerpoint/2010/main" val="1761913027"/>
       </p:ext>
     </p:extLst>
   </p:cSld>
@@ -5659,7 +5745,7 @@
           <a:p>
             <a:r>
               <a:rPr lang="en-CA" dirty="0" smtClean="0"/>
-              <a:t>Decision trees</a:t>
+              <a:t>Association rules</a:t>
             </a:r>
             <a:endParaRPr lang="en-CA" dirty="0"/>
           </a:p>
@@ -5680,18 +5766,14 @@
           <a:bodyPr/>
           <a:lstStyle/>
           <a:p>
-            <a:r>
-              <a:rPr lang="en-CA" dirty="0" smtClean="0"/>
-              <a:t>Linked list vs tree</a:t>
-            </a:r>
-            <a:endParaRPr lang="en-CA" dirty="0"/>
+            <a:endParaRPr lang="en-CA"/>
           </a:p>
         </p:txBody>
       </p:sp>
     </p:spTree>
     <p:extLst>
       <p:ext uri="{BB962C8B-B14F-4D97-AF65-F5344CB8AC3E}">
-        <p14:creationId xmlns:p14="http://schemas.microsoft.com/office/powerpoint/2010/main" val="3354623864"/>
+        <p14:creationId xmlns:p14="http://schemas.microsoft.com/office/powerpoint/2010/main" val="1713078301"/>
       </p:ext>
     </p:extLst>
   </p:cSld>
@@ -5742,7 +5824,7 @@
           <a:p>
             <a:r>
               <a:rPr lang="en-CA" dirty="0" smtClean="0"/>
-              <a:t>Continuous prediction</a:t>
+              <a:t>Decision trees</a:t>
             </a:r>
             <a:endParaRPr lang="en-CA" dirty="0"/>
           </a:p>
@@ -5765,7 +5847,7 @@
           <a:p>
             <a:r>
               <a:rPr lang="en-CA" dirty="0" smtClean="0"/>
-              <a:t>Linear regression</a:t>
+              <a:t>Linked list vs tree</a:t>
             </a:r>
             <a:endParaRPr lang="en-CA" dirty="0"/>
           </a:p>
@@ -5774,7 +5856,7 @@
     </p:spTree>
     <p:extLst>
       <p:ext uri="{BB962C8B-B14F-4D97-AF65-F5344CB8AC3E}">
-        <p14:creationId xmlns:p14="http://schemas.microsoft.com/office/powerpoint/2010/main" val="2539839402"/>
+        <p14:creationId xmlns:p14="http://schemas.microsoft.com/office/powerpoint/2010/main" val="3354623864"/>
       </p:ext>
     </p:extLst>
   </p:cSld>
@@ -5825,7 +5907,7 @@
           <a:p>
             <a:r>
               <a:rPr lang="en-CA" dirty="0" smtClean="0"/>
-              <a:t>Realistic example</a:t>
+              <a:t>Continuous prediction</a:t>
             </a:r>
             <a:endParaRPr lang="en-CA" dirty="0"/>
           </a:p>
@@ -5848,21 +5930,16 @@
           <a:p>
             <a:r>
               <a:rPr lang="en-CA" dirty="0" smtClean="0"/>
-              <a:t>Labor negotiations</a:t>
-            </a:r>
-          </a:p>
-          <a:p>
-            <a:r>
-              <a:rPr lang="en-CA" dirty="0" smtClean="0"/>
-              <a:t>Missing data</a:t>
-            </a:r>
+              <a:t>Linear regression</a:t>
+            </a:r>
+            <a:endParaRPr lang="en-CA" dirty="0"/>
           </a:p>
         </p:txBody>
       </p:sp>
     </p:spTree>
     <p:extLst>
       <p:ext uri="{BB962C8B-B14F-4D97-AF65-F5344CB8AC3E}">
-        <p14:creationId xmlns:p14="http://schemas.microsoft.com/office/powerpoint/2010/main" val="3129419652"/>
+        <p14:creationId xmlns:p14="http://schemas.microsoft.com/office/powerpoint/2010/main" val="2539839402"/>
       </p:ext>
     </p:extLst>
   </p:cSld>

--- a/Lecture_intro.pptx
+++ b/Lecture_intro.pptx
@@ -7,34 +7,33 @@
   <p:sldIdLst>
     <p:sldId id="256" r:id="rId2"/>
     <p:sldId id="257" r:id="rId3"/>
-    <p:sldId id="285" r:id="rId4"/>
-    <p:sldId id="258" r:id="rId5"/>
-    <p:sldId id="259" r:id="rId6"/>
-    <p:sldId id="260" r:id="rId7"/>
-    <p:sldId id="261" r:id="rId8"/>
-    <p:sldId id="262" r:id="rId9"/>
-    <p:sldId id="263" r:id="rId10"/>
-    <p:sldId id="264" r:id="rId11"/>
-    <p:sldId id="265" r:id="rId12"/>
-    <p:sldId id="266" r:id="rId13"/>
-    <p:sldId id="267" r:id="rId14"/>
-    <p:sldId id="268" r:id="rId15"/>
-    <p:sldId id="269" r:id="rId16"/>
-    <p:sldId id="270" r:id="rId17"/>
-    <p:sldId id="271" r:id="rId18"/>
-    <p:sldId id="272" r:id="rId19"/>
-    <p:sldId id="273" r:id="rId20"/>
-    <p:sldId id="274" r:id="rId21"/>
-    <p:sldId id="275" r:id="rId22"/>
-    <p:sldId id="276" r:id="rId23"/>
-    <p:sldId id="277" r:id="rId24"/>
-    <p:sldId id="278" r:id="rId25"/>
-    <p:sldId id="279" r:id="rId26"/>
-    <p:sldId id="280" r:id="rId27"/>
-    <p:sldId id="281" r:id="rId28"/>
-    <p:sldId id="282" r:id="rId29"/>
-    <p:sldId id="283" r:id="rId30"/>
-    <p:sldId id="284" r:id="rId31"/>
+    <p:sldId id="258" r:id="rId4"/>
+    <p:sldId id="259" r:id="rId5"/>
+    <p:sldId id="260" r:id="rId6"/>
+    <p:sldId id="261" r:id="rId7"/>
+    <p:sldId id="262" r:id="rId8"/>
+    <p:sldId id="263" r:id="rId9"/>
+    <p:sldId id="264" r:id="rId10"/>
+    <p:sldId id="265" r:id="rId11"/>
+    <p:sldId id="266" r:id="rId12"/>
+    <p:sldId id="267" r:id="rId13"/>
+    <p:sldId id="268" r:id="rId14"/>
+    <p:sldId id="269" r:id="rId15"/>
+    <p:sldId id="270" r:id="rId16"/>
+    <p:sldId id="271" r:id="rId17"/>
+    <p:sldId id="272" r:id="rId18"/>
+    <p:sldId id="273" r:id="rId19"/>
+    <p:sldId id="274" r:id="rId20"/>
+    <p:sldId id="275" r:id="rId21"/>
+    <p:sldId id="276" r:id="rId22"/>
+    <p:sldId id="277" r:id="rId23"/>
+    <p:sldId id="278" r:id="rId24"/>
+    <p:sldId id="279" r:id="rId25"/>
+    <p:sldId id="280" r:id="rId26"/>
+    <p:sldId id="281" r:id="rId27"/>
+    <p:sldId id="282" r:id="rId28"/>
+    <p:sldId id="283" r:id="rId29"/>
+    <p:sldId id="284" r:id="rId30"/>
   </p:sldIdLst>
   <p:sldSz cx="12192000" cy="6858000"/>
   <p:notesSz cx="6858000" cy="9144000"/>
@@ -272,7 +271,7 @@
           <a:p>
             <a:fld id="{CAAF9B4D-53DE-4BD9-8C92-30C70D59891A}" type="datetimeFigureOut">
               <a:rPr lang="en-CA" smtClean="0"/>
-              <a:t>2019-08-23</a:t>
+              <a:t>2019-09-02</a:t>
             </a:fld>
             <a:endParaRPr lang="en-CA"/>
           </a:p>
@@ -442,7 +441,7 @@
           <a:p>
             <a:fld id="{CAAF9B4D-53DE-4BD9-8C92-30C70D59891A}" type="datetimeFigureOut">
               <a:rPr lang="en-CA" smtClean="0"/>
-              <a:t>2019-08-23</a:t>
+              <a:t>2019-09-02</a:t>
             </a:fld>
             <a:endParaRPr lang="en-CA"/>
           </a:p>
@@ -622,7 +621,7 @@
           <a:p>
             <a:fld id="{CAAF9B4D-53DE-4BD9-8C92-30C70D59891A}" type="datetimeFigureOut">
               <a:rPr lang="en-CA" smtClean="0"/>
-              <a:t>2019-08-23</a:t>
+              <a:t>2019-09-02</a:t>
             </a:fld>
             <a:endParaRPr lang="en-CA"/>
           </a:p>
@@ -792,7 +791,7 @@
           <a:p>
             <a:fld id="{CAAF9B4D-53DE-4BD9-8C92-30C70D59891A}" type="datetimeFigureOut">
               <a:rPr lang="en-CA" smtClean="0"/>
-              <a:t>2019-08-23</a:t>
+              <a:t>2019-09-02</a:t>
             </a:fld>
             <a:endParaRPr lang="en-CA"/>
           </a:p>
@@ -1038,7 +1037,7 @@
           <a:p>
             <a:fld id="{CAAF9B4D-53DE-4BD9-8C92-30C70D59891A}" type="datetimeFigureOut">
               <a:rPr lang="en-CA" smtClean="0"/>
-              <a:t>2019-08-23</a:t>
+              <a:t>2019-09-02</a:t>
             </a:fld>
             <a:endParaRPr lang="en-CA"/>
           </a:p>
@@ -1270,7 +1269,7 @@
           <a:p>
             <a:fld id="{CAAF9B4D-53DE-4BD9-8C92-30C70D59891A}" type="datetimeFigureOut">
               <a:rPr lang="en-CA" smtClean="0"/>
-              <a:t>2019-08-23</a:t>
+              <a:t>2019-09-02</a:t>
             </a:fld>
             <a:endParaRPr lang="en-CA"/>
           </a:p>
@@ -1637,7 +1636,7 @@
           <a:p>
             <a:fld id="{CAAF9B4D-53DE-4BD9-8C92-30C70D59891A}" type="datetimeFigureOut">
               <a:rPr lang="en-CA" smtClean="0"/>
-              <a:t>2019-08-23</a:t>
+              <a:t>2019-09-02</a:t>
             </a:fld>
             <a:endParaRPr lang="en-CA"/>
           </a:p>
@@ -1755,7 +1754,7 @@
           <a:p>
             <a:fld id="{CAAF9B4D-53DE-4BD9-8C92-30C70D59891A}" type="datetimeFigureOut">
               <a:rPr lang="en-CA" smtClean="0"/>
-              <a:t>2019-08-23</a:t>
+              <a:t>2019-09-02</a:t>
             </a:fld>
             <a:endParaRPr lang="en-CA"/>
           </a:p>
@@ -1850,7 +1849,7 @@
           <a:p>
             <a:fld id="{CAAF9B4D-53DE-4BD9-8C92-30C70D59891A}" type="datetimeFigureOut">
               <a:rPr lang="en-CA" smtClean="0"/>
-              <a:t>2019-08-23</a:t>
+              <a:t>2019-09-02</a:t>
             </a:fld>
             <a:endParaRPr lang="en-CA"/>
           </a:p>
@@ -2127,7 +2126,7 @@
           <a:p>
             <a:fld id="{CAAF9B4D-53DE-4BD9-8C92-30C70D59891A}" type="datetimeFigureOut">
               <a:rPr lang="en-CA" smtClean="0"/>
-              <a:t>2019-08-23</a:t>
+              <a:t>2019-09-02</a:t>
             </a:fld>
             <a:endParaRPr lang="en-CA"/>
           </a:p>
@@ -2380,7 +2379,7 @@
           <a:p>
             <a:fld id="{CAAF9B4D-53DE-4BD9-8C92-30C70D59891A}" type="datetimeFigureOut">
               <a:rPr lang="en-CA" smtClean="0"/>
-              <a:t>2019-08-23</a:t>
+              <a:t>2019-09-02</a:t>
             </a:fld>
             <a:endParaRPr lang="en-CA"/>
           </a:p>
@@ -2593,7 +2592,7 @@
           <a:p>
             <a:fld id="{CAAF9B4D-53DE-4BD9-8C92-30C70D59891A}" type="datetimeFigureOut">
               <a:rPr lang="en-CA" smtClean="0"/>
-              <a:t>2019-08-23</a:t>
+              <a:t>2019-09-02</a:t>
             </a:fld>
             <a:endParaRPr lang="en-CA"/>
           </a:p>
@@ -3015,7 +3014,7 @@
           <a:p>
             <a:r>
               <a:rPr lang="en-CA" dirty="0" smtClean="0"/>
-              <a:t>Intro </a:t>
+              <a:t>Data Mining </a:t>
             </a:r>
             <a:endParaRPr lang="en-CA" dirty="0"/>
           </a:p>
@@ -3036,7 +3035,23 @@
           <a:bodyPr/>
           <a:lstStyle/>
           <a:p>
-            <a:endParaRPr lang="en-CA"/>
+            <a:r>
+              <a:rPr lang="en-CA" dirty="0" smtClean="0"/>
+              <a:t>CS405/505</a:t>
+            </a:r>
+          </a:p>
+          <a:p>
+            <a:r>
+              <a:rPr lang="en-CA" dirty="0" smtClean="0"/>
+              <a:t>Fall 2019</a:t>
+            </a:r>
+          </a:p>
+          <a:p>
+            <a:r>
+              <a:rPr lang="en-CA" dirty="0" smtClean="0"/>
+              <a:t>Instructor: Russell Butler</a:t>
+            </a:r>
+            <a:endParaRPr lang="en-CA" dirty="0"/>
           </a:p>
         </p:txBody>
       </p:sp>
@@ -3094,7 +3109,7 @@
           <a:p>
             <a:r>
               <a:rPr lang="en-CA" dirty="0" smtClean="0"/>
-              <a:t>Realistic example</a:t>
+              <a:t>Industrial examples</a:t>
             </a:r>
             <a:endParaRPr lang="en-CA" dirty="0"/>
           </a:p>
@@ -3117,21 +3132,18 @@
           <a:p>
             <a:r>
               <a:rPr lang="en-CA" dirty="0" smtClean="0"/>
-              <a:t>Labor negotiations</a:t>
-            </a:r>
-          </a:p>
-          <a:p>
-            <a:r>
-              <a:rPr lang="en-CA" dirty="0" smtClean="0"/>
-              <a:t>Missing data</a:t>
-            </a:r>
+              <a:t>Amazon – users who bought that, also bought this</a:t>
+            </a:r>
+          </a:p>
+          <a:p>
+            <a:endParaRPr lang="en-CA" dirty="0"/>
           </a:p>
         </p:txBody>
       </p:sp>
     </p:spTree>
     <p:extLst>
       <p:ext uri="{BB962C8B-B14F-4D97-AF65-F5344CB8AC3E}">
-        <p14:creationId xmlns:p14="http://schemas.microsoft.com/office/powerpoint/2010/main" val="3129419652"/>
+        <p14:creationId xmlns:p14="http://schemas.microsoft.com/office/powerpoint/2010/main" val="3499968194"/>
       </p:ext>
     </p:extLst>
   </p:cSld>
@@ -3182,7 +3194,7 @@
           <a:p>
             <a:r>
               <a:rPr lang="en-CA" dirty="0" smtClean="0"/>
-              <a:t>Industrial examples</a:t>
+              <a:t>Image example	</a:t>
             </a:r>
             <a:endParaRPr lang="en-CA" dirty="0"/>
           </a:p>
@@ -3205,10 +3217,8 @@
           <a:p>
             <a:r>
               <a:rPr lang="en-CA" dirty="0" smtClean="0"/>
-              <a:t>Amazon – users who bought that, also bought this</a:t>
-            </a:r>
-          </a:p>
-          <a:p>
+              <a:t>Oil slick vs multiple sclerosis plaques </a:t>
+            </a:r>
             <a:endParaRPr lang="en-CA" dirty="0"/>
           </a:p>
         </p:txBody>
@@ -3216,7 +3226,7 @@
     </p:spTree>
     <p:extLst>
       <p:ext uri="{BB962C8B-B14F-4D97-AF65-F5344CB8AC3E}">
-        <p14:creationId xmlns:p14="http://schemas.microsoft.com/office/powerpoint/2010/main" val="3499968194"/>
+        <p14:creationId xmlns:p14="http://schemas.microsoft.com/office/powerpoint/2010/main" val="3044894299"/>
       </p:ext>
     </p:extLst>
   </p:cSld>
@@ -3267,7 +3277,7 @@
           <a:p>
             <a:r>
               <a:rPr lang="en-CA" dirty="0" smtClean="0"/>
-              <a:t>Image example	</a:t>
+              <a:t>Electricity load prediction</a:t>
             </a:r>
             <a:endParaRPr lang="en-CA" dirty="0"/>
           </a:p>
@@ -3290,7 +3300,46 @@
           <a:p>
             <a:r>
               <a:rPr lang="en-CA" dirty="0" smtClean="0"/>
-              <a:t>Oil slick vs multiple sclerosis plaques </a:t>
+              <a:t>Diurnal, weekly, and yearly patterns</a:t>
+            </a:r>
+          </a:p>
+          <a:p>
+            <a:r>
+              <a:rPr lang="en-CA" dirty="0" smtClean="0"/>
+              <a:t>Heart beat </a:t>
+            </a:r>
+            <a:r>
+              <a:rPr lang="en-CA" dirty="0" err="1" smtClean="0"/>
+              <a:t>ecg</a:t>
+            </a:r>
+            <a:r>
+              <a:rPr lang="en-CA" dirty="0" smtClean="0"/>
+              <a:t> idea</a:t>
+            </a:r>
+          </a:p>
+          <a:p>
+            <a:r>
+              <a:rPr lang="en-CA" dirty="0" smtClean="0"/>
+              <a:t>Measuring vibrations at certain points on the machinery and	conducting </a:t>
+            </a:r>
+            <a:r>
+              <a:rPr lang="en-CA" dirty="0" err="1" smtClean="0"/>
+              <a:t>fourier</a:t>
+            </a:r>
+            <a:r>
+              <a:rPr lang="en-CA" dirty="0" smtClean="0"/>
+              <a:t> analysis</a:t>
+            </a:r>
+          </a:p>
+          <a:p>
+            <a:pPr lvl="1"/>
+            <a:r>
+              <a:rPr lang="en-CA" dirty="0" smtClean="0"/>
+              <a:t>System put into use because </a:t>
+            </a:r>
+            <a:r>
+              <a:rPr lang="en-CA" smtClean="0"/>
+              <a:t>expert approved</a:t>
             </a:r>
             <a:endParaRPr lang="en-CA" dirty="0"/>
           </a:p>
@@ -3299,7 +3348,7 @@
     </p:spTree>
     <p:extLst>
       <p:ext uri="{BB962C8B-B14F-4D97-AF65-F5344CB8AC3E}">
-        <p14:creationId xmlns:p14="http://schemas.microsoft.com/office/powerpoint/2010/main" val="3044894299"/>
+        <p14:creationId xmlns:p14="http://schemas.microsoft.com/office/powerpoint/2010/main" val="325847887"/>
       </p:ext>
     </p:extLst>
   </p:cSld>
@@ -3350,7 +3399,7 @@
           <a:p>
             <a:r>
               <a:rPr lang="en-CA" dirty="0" smtClean="0"/>
-              <a:t>Electricity load prediction</a:t>
+              <a:t>Data mining process pg28</a:t>
             </a:r>
             <a:endParaRPr lang="en-CA" dirty="0"/>
           </a:p>
@@ -3373,46 +3422,72 @@
           <a:p>
             <a:r>
               <a:rPr lang="en-CA" dirty="0" smtClean="0"/>
-              <a:t>Diurnal, weekly, and yearly patterns</a:t>
-            </a:r>
-          </a:p>
-          <a:p>
-            <a:r>
-              <a:rPr lang="en-CA" dirty="0" smtClean="0"/>
-              <a:t>Heart beat </a:t>
-            </a:r>
-            <a:r>
-              <a:rPr lang="en-CA" dirty="0" err="1" smtClean="0"/>
-              <a:t>ecg</a:t>
-            </a:r>
-            <a:r>
-              <a:rPr lang="en-CA" dirty="0" smtClean="0"/>
-              <a:t> idea</a:t>
-            </a:r>
-          </a:p>
-          <a:p>
-            <a:r>
-              <a:rPr lang="en-CA" dirty="0" smtClean="0"/>
-              <a:t>Measuring vibrations at certain points on the machinery and	conducting </a:t>
-            </a:r>
-            <a:r>
-              <a:rPr lang="en-CA" dirty="0" err="1" smtClean="0"/>
-              <a:t>fourier</a:t>
-            </a:r>
-            <a:r>
-              <a:rPr lang="en-CA" dirty="0" smtClean="0"/>
-              <a:t> analysis</a:t>
-            </a:r>
-          </a:p>
-          <a:p>
-            <a:pPr lvl="1"/>
-            <a:r>
-              <a:rPr lang="en-CA" dirty="0" smtClean="0"/>
-              <a:t>System put into use because </a:t>
-            </a:r>
-            <a:r>
-              <a:rPr lang="en-CA" smtClean="0"/>
-              <a:t>expert approved</a:t>
+              <a:t>1) business understanding </a:t>
+            </a:r>
+          </a:p>
+          <a:p>
+            <a:r>
+              <a:rPr lang="en-CA" dirty="0" smtClean="0"/>
+              <a:t>2) data understanding</a:t>
+            </a:r>
+          </a:p>
+          <a:p>
+            <a:r>
+              <a:rPr lang="en-CA" dirty="0" smtClean="0"/>
+              <a:t>3)</a:t>
+            </a:r>
+            <a:r>
+              <a:rPr lang="fr-CA" dirty="0"/>
+              <a:t> </a:t>
+            </a:r>
+            <a:r>
+              <a:rPr lang="fr-CA" dirty="0" smtClean="0"/>
+              <a:t>data </a:t>
+            </a:r>
+            <a:r>
+              <a:rPr lang="fr-CA" dirty="0" err="1" smtClean="0"/>
+              <a:t>preparation</a:t>
+            </a:r>
+            <a:endParaRPr lang="fr-CA" dirty="0" smtClean="0"/>
+          </a:p>
+          <a:p>
+            <a:r>
+              <a:rPr lang="fr-CA" dirty="0" smtClean="0"/>
+              <a:t>4) data </a:t>
+            </a:r>
+            <a:r>
+              <a:rPr lang="fr-CA" dirty="0" err="1" smtClean="0"/>
+              <a:t>modeling</a:t>
+            </a:r>
+            <a:endParaRPr lang="fr-CA" dirty="0" smtClean="0"/>
+          </a:p>
+          <a:p>
+            <a:r>
+              <a:rPr lang="fr-CA" dirty="0" smtClean="0"/>
+              <a:t>5) data </a:t>
+            </a:r>
+            <a:r>
+              <a:rPr lang="fr-CA" dirty="0" err="1" smtClean="0"/>
+              <a:t>evaluation</a:t>
+            </a:r>
+            <a:endParaRPr lang="fr-CA" dirty="0" smtClean="0"/>
+          </a:p>
+          <a:p>
+            <a:r>
+              <a:rPr lang="fr-CA" dirty="0" smtClean="0"/>
+              <a:t>6) </a:t>
+            </a:r>
+            <a:r>
+              <a:rPr lang="fr-CA" dirty="0" err="1" smtClean="0"/>
+              <a:t>implementation</a:t>
+            </a:r>
+            <a:r>
+              <a:rPr lang="fr-CA" dirty="0" smtClean="0"/>
+              <a:t>/</a:t>
+            </a:r>
+            <a:r>
+              <a:rPr lang="fr-CA" dirty="0" err="1" smtClean="0"/>
+              <a:t>deployment</a:t>
             </a:r>
             <a:endParaRPr lang="en-CA" dirty="0"/>
           </a:p>
@@ -3421,7 +3496,7 @@
     </p:spTree>
     <p:extLst>
       <p:ext uri="{BB962C8B-B14F-4D97-AF65-F5344CB8AC3E}">
-        <p14:creationId xmlns:p14="http://schemas.microsoft.com/office/powerpoint/2010/main" val="325847887"/>
+        <p14:creationId xmlns:p14="http://schemas.microsoft.com/office/powerpoint/2010/main" val="2219059207"/>
       </p:ext>
     </p:extLst>
   </p:cSld>
@@ -3472,7 +3547,15 @@
           <a:p>
             <a:r>
               <a:rPr lang="en-CA" dirty="0" smtClean="0"/>
-              <a:t>Data mining process pg28</a:t>
+              <a:t>Generalization as search </a:t>
+            </a:r>
+            <a:r>
+              <a:rPr lang="en-CA" dirty="0" err="1" smtClean="0"/>
+              <a:t>pg</a:t>
+            </a:r>
+            <a:r>
+              <a:rPr lang="en-CA" dirty="0" smtClean="0"/>
+              <a:t> 30</a:t>
             </a:r>
             <a:endParaRPr lang="en-CA" dirty="0"/>
           </a:p>
@@ -3495,73 +3578,10 @@
           <a:p>
             <a:r>
               <a:rPr lang="en-CA" dirty="0" smtClean="0"/>
-              <a:t>1) business understanding </a:t>
-            </a:r>
-          </a:p>
-          <a:p>
-            <a:r>
-              <a:rPr lang="en-CA" dirty="0" smtClean="0"/>
-              <a:t>2) data understanding</a:t>
-            </a:r>
-          </a:p>
-          <a:p>
-            <a:r>
-              <a:rPr lang="en-CA" dirty="0" smtClean="0"/>
-              <a:t>3)</a:t>
-            </a:r>
-            <a:r>
-              <a:rPr lang="fr-CA" dirty="0"/>
-              <a:t> </a:t>
-            </a:r>
-            <a:r>
-              <a:rPr lang="fr-CA" dirty="0" smtClean="0"/>
-              <a:t>data </a:t>
-            </a:r>
-            <a:r>
-              <a:rPr lang="fr-CA" dirty="0" err="1" smtClean="0"/>
-              <a:t>preparation</a:t>
-            </a:r>
-            <a:endParaRPr lang="fr-CA" dirty="0" smtClean="0"/>
-          </a:p>
-          <a:p>
-            <a:r>
-              <a:rPr lang="fr-CA" dirty="0" smtClean="0"/>
-              <a:t>4) data </a:t>
-            </a:r>
-            <a:r>
-              <a:rPr lang="fr-CA" dirty="0" err="1" smtClean="0"/>
-              <a:t>modeling</a:t>
-            </a:r>
-            <a:endParaRPr lang="fr-CA" dirty="0" smtClean="0"/>
-          </a:p>
-          <a:p>
-            <a:r>
-              <a:rPr lang="fr-CA" dirty="0" smtClean="0"/>
-              <a:t>5) data </a:t>
-            </a:r>
-            <a:r>
-              <a:rPr lang="fr-CA" dirty="0" err="1" smtClean="0"/>
-              <a:t>evaluation</a:t>
-            </a:r>
-            <a:endParaRPr lang="fr-CA" dirty="0" smtClean="0"/>
-          </a:p>
-          <a:p>
-            <a:r>
-              <a:rPr lang="fr-CA" dirty="0" smtClean="0"/>
-              <a:t>6) </a:t>
-            </a:r>
-            <a:r>
-              <a:rPr lang="fr-CA" dirty="0" err="1" smtClean="0"/>
-              <a:t>implementation</a:t>
-            </a:r>
-            <a:r>
-              <a:rPr lang="fr-CA" dirty="0" smtClean="0"/>
-              <a:t>/</a:t>
-            </a:r>
-            <a:r>
-              <a:rPr lang="fr-CA" dirty="0" err="1" smtClean="0"/>
-              <a:t>deployment</a:t>
-            </a:r>
+              <a:t>Enumerate descriptions and strike out the ones that do not fit the data</a:t>
+            </a:r>
+          </a:p>
+          <a:p>
             <a:endParaRPr lang="en-CA" dirty="0"/>
           </a:p>
         </p:txBody>
@@ -3569,7 +3589,7 @@
     </p:spTree>
     <p:extLst>
       <p:ext uri="{BB962C8B-B14F-4D97-AF65-F5344CB8AC3E}">
-        <p14:creationId xmlns:p14="http://schemas.microsoft.com/office/powerpoint/2010/main" val="2219059207"/>
+        <p14:creationId xmlns:p14="http://schemas.microsoft.com/office/powerpoint/2010/main" val="111165128"/>
       </p:ext>
     </p:extLst>
   </p:cSld>
@@ -3620,7 +3640,7 @@
           <a:p>
             <a:r>
               <a:rPr lang="en-CA" dirty="0" smtClean="0"/>
-              <a:t>Generalization as search </a:t>
+              <a:t>Bias </a:t>
             </a:r>
             <a:r>
               <a:rPr lang="en-CA" dirty="0" err="1" smtClean="0"/>
@@ -3628,7 +3648,7 @@
             </a:r>
             <a:r>
               <a:rPr lang="en-CA" dirty="0" smtClean="0"/>
-              <a:t> 30</a:t>
+              <a:t> 32</a:t>
             </a:r>
             <a:endParaRPr lang="en-CA" dirty="0"/>
           </a:p>
@@ -3651,10 +3671,26 @@
           <a:p>
             <a:r>
               <a:rPr lang="en-CA" dirty="0" smtClean="0"/>
-              <a:t>Enumerate descriptions and strike out the ones that do not fit the data</a:t>
-            </a:r>
-          </a:p>
-          <a:p>
+              <a:t>Most important decisions in a machine learning system are:</a:t>
+            </a:r>
+          </a:p>
+          <a:p>
+            <a:r>
+              <a:rPr lang="en-CA" dirty="0" smtClean="0"/>
+              <a:t>Concept description language (language bias)</a:t>
+            </a:r>
+          </a:p>
+          <a:p>
+            <a:r>
+              <a:rPr lang="en-CA" dirty="0" smtClean="0"/>
+              <a:t>Order in which space is searched (search bias)</a:t>
+            </a:r>
+          </a:p>
+          <a:p>
+            <a:r>
+              <a:rPr lang="en-CA" dirty="0" smtClean="0"/>
+              <a:t>The way that training data overfitting is avoided (overfitting avoidance bias)</a:t>
+            </a:r>
             <a:endParaRPr lang="en-CA" dirty="0"/>
           </a:p>
         </p:txBody>
@@ -3662,7 +3698,7 @@
     </p:spTree>
     <p:extLst>
       <p:ext uri="{BB962C8B-B14F-4D97-AF65-F5344CB8AC3E}">
-        <p14:creationId xmlns:p14="http://schemas.microsoft.com/office/powerpoint/2010/main" val="111165128"/>
+        <p14:creationId xmlns:p14="http://schemas.microsoft.com/office/powerpoint/2010/main" val="2306456140"/>
       </p:ext>
     </p:extLst>
   </p:cSld>
@@ -3713,15 +3749,7 @@
           <a:p>
             <a:r>
               <a:rPr lang="en-CA" dirty="0" smtClean="0"/>
-              <a:t>Bias </a:t>
-            </a:r>
-            <a:r>
-              <a:rPr lang="en-CA" dirty="0" err="1" smtClean="0"/>
-              <a:t>pg</a:t>
-            </a:r>
-            <a:r>
-              <a:rPr lang="en-CA" dirty="0" smtClean="0"/>
-              <a:t> 32</a:t>
+              <a:t>Input: concepts and attributes, pg43</a:t>
             </a:r>
             <a:endParaRPr lang="en-CA" dirty="0"/>
           </a:p>
@@ -3742,36 +3770,14 @@
           <a:bodyPr/>
           <a:lstStyle/>
           <a:p>
-            <a:r>
-              <a:rPr lang="en-CA" dirty="0" smtClean="0"/>
-              <a:t>Most important decisions in a machine learning system are:</a:t>
-            </a:r>
-          </a:p>
-          <a:p>
-            <a:r>
-              <a:rPr lang="en-CA" dirty="0" smtClean="0"/>
-              <a:t>Concept description language (language bias)</a:t>
-            </a:r>
-          </a:p>
-          <a:p>
-            <a:r>
-              <a:rPr lang="en-CA" dirty="0" smtClean="0"/>
-              <a:t>Order in which space is searched (search bias)</a:t>
-            </a:r>
-          </a:p>
-          <a:p>
-            <a:r>
-              <a:rPr lang="en-CA" dirty="0" smtClean="0"/>
-              <a:t>The way that training data overfitting is avoided (overfitting avoidance bias)</a:t>
-            </a:r>
-            <a:endParaRPr lang="en-CA" dirty="0"/>
+            <a:endParaRPr lang="en-CA"/>
           </a:p>
         </p:txBody>
       </p:sp>
     </p:spTree>
     <p:extLst>
       <p:ext uri="{BB962C8B-B14F-4D97-AF65-F5344CB8AC3E}">
-        <p14:creationId xmlns:p14="http://schemas.microsoft.com/office/powerpoint/2010/main" val="2306456140"/>
+        <p14:creationId xmlns:p14="http://schemas.microsoft.com/office/powerpoint/2010/main" val="2621029932"/>
       </p:ext>
     </p:extLst>
   </p:cSld>
@@ -3821,8 +3827,12 @@
           <a:lstStyle/>
           <a:p>
             <a:r>
-              <a:rPr lang="en-CA" dirty="0" smtClean="0"/>
-              <a:t>Input: concepts and attributes, pg43</a:t>
+              <a:rPr lang="en-CA" dirty="0" err="1" smtClean="0"/>
+              <a:t>Whats</a:t>
+            </a:r>
+            <a:r>
+              <a:rPr lang="en-CA" dirty="0" smtClean="0"/>
+              <a:t> a concept? pg44</a:t>
             </a:r>
             <a:endParaRPr lang="en-CA" dirty="0"/>
           </a:p>
@@ -3850,7 +3860,7 @@
     </p:spTree>
     <p:extLst>
       <p:ext uri="{BB962C8B-B14F-4D97-AF65-F5344CB8AC3E}">
-        <p14:creationId xmlns:p14="http://schemas.microsoft.com/office/powerpoint/2010/main" val="2621029932"/>
+        <p14:creationId xmlns:p14="http://schemas.microsoft.com/office/powerpoint/2010/main" val="1926195901"/>
       </p:ext>
     </p:extLst>
   </p:cSld>
@@ -3905,7 +3915,7 @@
             </a:r>
             <a:r>
               <a:rPr lang="en-CA" dirty="0" smtClean="0"/>
-              <a:t> a concept? pg44</a:t>
+              <a:t> in an example? pg46</a:t>
             </a:r>
             <a:endParaRPr lang="en-CA" dirty="0"/>
           </a:p>
@@ -3926,14 +3936,36 @@
           <a:bodyPr/>
           <a:lstStyle/>
           <a:p>
-            <a:endParaRPr lang="en-CA"/>
+            <a:r>
+              <a:rPr lang="en-CA" dirty="0" smtClean="0"/>
+              <a:t>Instances, not examples (more specific term)</a:t>
+            </a:r>
+          </a:p>
+          <a:p>
+            <a:r>
+              <a:rPr lang="en-CA" dirty="0" smtClean="0"/>
+              <a:t>Instances characterized by the values of a set of predetermined attributes</a:t>
+            </a:r>
+          </a:p>
+          <a:p>
+            <a:r>
+              <a:rPr lang="en-CA" dirty="0" smtClean="0"/>
+              <a:t>Family tree example</a:t>
+            </a:r>
+          </a:p>
+          <a:p>
+            <a:r>
+              <a:rPr lang="en-CA" dirty="0" smtClean="0"/>
+              <a:t>Multi-instance problems (molecule configuration)</a:t>
+            </a:r>
+            <a:endParaRPr lang="en-CA" dirty="0"/>
           </a:p>
         </p:txBody>
       </p:sp>
     </p:spTree>
     <p:extLst>
       <p:ext uri="{BB962C8B-B14F-4D97-AF65-F5344CB8AC3E}">
-        <p14:creationId xmlns:p14="http://schemas.microsoft.com/office/powerpoint/2010/main" val="1926195901"/>
+        <p14:creationId xmlns:p14="http://schemas.microsoft.com/office/powerpoint/2010/main" val="1567912123"/>
       </p:ext>
     </p:extLst>
   </p:cSld>
@@ -3983,12 +4015,28 @@
           <a:lstStyle/>
           <a:p>
             <a:r>
-              <a:rPr lang="en-CA" dirty="0" err="1" smtClean="0"/>
+              <a:rPr lang="fr-CA" dirty="0" err="1" smtClean="0"/>
               <a:t>Whats</a:t>
             </a:r>
             <a:r>
-              <a:rPr lang="en-CA" dirty="0" smtClean="0"/>
-              <a:t> in an example? pg46</a:t>
+              <a:rPr lang="fr-CA" dirty="0" smtClean="0"/>
+              <a:t> in an </a:t>
+            </a:r>
+            <a:r>
+              <a:rPr lang="fr-CA" dirty="0" err="1" smtClean="0"/>
+              <a:t>attribute</a:t>
+            </a:r>
+            <a:r>
+              <a:rPr lang="fr-CA" dirty="0" smtClean="0"/>
+              <a:t>? </a:t>
+            </a:r>
+            <a:r>
+              <a:rPr lang="fr-CA" dirty="0" err="1" smtClean="0"/>
+              <a:t>Pg</a:t>
+            </a:r>
+            <a:r>
+              <a:rPr lang="fr-CA" dirty="0" smtClean="0"/>
+              <a:t> 53</a:t>
             </a:r>
             <a:endParaRPr lang="en-CA" dirty="0"/>
           </a:p>
@@ -4011,25 +4059,7 @@
           <a:p>
             <a:r>
               <a:rPr lang="en-CA" dirty="0" smtClean="0"/>
-              <a:t>Instances, not examples (more specific term)</a:t>
-            </a:r>
-          </a:p>
-          <a:p>
-            <a:r>
-              <a:rPr lang="en-CA" dirty="0" smtClean="0"/>
-              <a:t>Instances characterized by the values of a set of predetermined attributes</a:t>
-            </a:r>
-          </a:p>
-          <a:p>
-            <a:r>
-              <a:rPr lang="en-CA" dirty="0" smtClean="0"/>
-              <a:t>Family tree example</a:t>
-            </a:r>
-          </a:p>
-          <a:p>
-            <a:r>
-              <a:rPr lang="en-CA" dirty="0" smtClean="0"/>
-              <a:t>Multi-instance problems (molecule configuration)</a:t>
+              <a:t>Nominal, ordinal, interval, ratio</a:t>
             </a:r>
             <a:endParaRPr lang="en-CA" dirty="0"/>
           </a:p>
@@ -4038,7 +4068,7 @@
     </p:spTree>
     <p:extLst>
       <p:ext uri="{BB962C8B-B14F-4D97-AF65-F5344CB8AC3E}">
-        <p14:creationId xmlns:p14="http://schemas.microsoft.com/office/powerpoint/2010/main" val="1567912123"/>
+        <p14:creationId xmlns:p14="http://schemas.microsoft.com/office/powerpoint/2010/main" val="860783773"/>
       </p:ext>
     </p:extLst>
   </p:cSld>
@@ -4087,7 +4117,7 @@
           <a:bodyPr/>
           <a:lstStyle/>
           <a:p>
-            <a:endParaRPr lang="en-CA"/>
+            <a:endParaRPr lang="en-CA" dirty="0"/>
           </a:p>
         </p:txBody>
       </p:sp>
@@ -4217,28 +4247,16 @@
           <a:lstStyle/>
           <a:p>
             <a:r>
-              <a:rPr lang="fr-CA" dirty="0" err="1" smtClean="0"/>
-              <a:t>Whats</a:t>
-            </a:r>
-            <a:r>
-              <a:rPr lang="fr-CA" dirty="0" smtClean="0"/>
-              <a:t> in an </a:t>
-            </a:r>
-            <a:r>
-              <a:rPr lang="fr-CA" dirty="0" err="1" smtClean="0"/>
-              <a:t>attribute</a:t>
-            </a:r>
-            <a:r>
-              <a:rPr lang="fr-CA" dirty="0" smtClean="0"/>
-              <a:t>? </a:t>
-            </a:r>
-            <a:r>
-              <a:rPr lang="fr-CA" dirty="0" err="1" smtClean="0"/>
-              <a:t>Pg</a:t>
-            </a:r>
-            <a:r>
-              <a:rPr lang="fr-CA" dirty="0" smtClean="0"/>
-              <a:t> 53</a:t>
+              <a:rPr lang="en-CA" dirty="0" smtClean="0"/>
+              <a:t>Preparing the input </a:t>
+            </a:r>
+            <a:r>
+              <a:rPr lang="en-CA" dirty="0" err="1" smtClean="0"/>
+              <a:t>pg</a:t>
+            </a:r>
+            <a:r>
+              <a:rPr lang="en-CA" dirty="0" smtClean="0"/>
+              <a:t> 55</a:t>
             </a:r>
             <a:endParaRPr lang="en-CA" dirty="0"/>
           </a:p>
@@ -4261,7 +4279,37 @@
           <a:p>
             <a:r>
               <a:rPr lang="en-CA" dirty="0" smtClean="0"/>
-              <a:t>Nominal, ordinal, interval, ratio</a:t>
+              <a:t>Getting the data together</a:t>
+            </a:r>
+          </a:p>
+          <a:p>
+            <a:r>
+              <a:rPr lang="en-CA" dirty="0" err="1" smtClean="0"/>
+              <a:t>Flinks</a:t>
+            </a:r>
+            <a:r>
+              <a:rPr lang="en-CA" dirty="0" smtClean="0"/>
+              <a:t> example </a:t>
+            </a:r>
+          </a:p>
+          <a:p>
+            <a:r>
+              <a:rPr lang="en-CA" dirty="0" smtClean="0"/>
+              <a:t>Sparse data</a:t>
+            </a:r>
+          </a:p>
+          <a:p>
+            <a:r>
+              <a:rPr lang="en-CA" dirty="0" smtClean="0"/>
+              <a:t>Unbalanced data (</a:t>
+            </a:r>
+            <a:r>
+              <a:rPr lang="en-CA" dirty="0" err="1" smtClean="0"/>
+              <a:t>flinks</a:t>
+            </a:r>
+            <a:r>
+              <a:rPr lang="en-CA" dirty="0" smtClean="0"/>
+              <a:t>) (raw accuracy not always best metric)</a:t>
             </a:r>
             <a:endParaRPr lang="en-CA" dirty="0"/>
           </a:p>
@@ -4270,7 +4318,7 @@
     </p:spTree>
     <p:extLst>
       <p:ext uri="{BB962C8B-B14F-4D97-AF65-F5344CB8AC3E}">
-        <p14:creationId xmlns:p14="http://schemas.microsoft.com/office/powerpoint/2010/main" val="860783773"/>
+        <p14:creationId xmlns:p14="http://schemas.microsoft.com/office/powerpoint/2010/main" val="2731568421"/>
       </p:ext>
     </p:extLst>
   </p:cSld>
@@ -4321,68 +4369,76 @@
           <a:p>
             <a:r>
               <a:rPr lang="en-CA" dirty="0" smtClean="0"/>
-              <a:t>Preparing the input </a:t>
+              <a:t>Output – knowledge representation pg67</a:t>
+            </a:r>
+            <a:endParaRPr lang="en-CA" dirty="0"/>
+          </a:p>
+        </p:txBody>
+      </p:sp>
+      <p:sp>
+        <p:nvSpPr>
+          <p:cNvPr id="3" name="Content Placeholder 2"/>
+          <p:cNvSpPr>
+            <a:spLocks noGrp="1"/>
+          </p:cNvSpPr>
+          <p:nvPr>
+            <p:ph idx="1"/>
+          </p:nvPr>
+        </p:nvSpPr>
+        <p:spPr/>
+        <p:txBody>
+          <a:bodyPr/>
+          <a:lstStyle/>
+          <a:p>
+            <a:r>
+              <a:rPr lang="en-CA" dirty="0" smtClean="0"/>
+              <a:t>Decision tables</a:t>
+            </a:r>
+          </a:p>
+          <a:p>
+            <a:r>
+              <a:rPr lang="en-CA" dirty="0" smtClean="0"/>
+              <a:t>Linear models</a:t>
+            </a:r>
+          </a:p>
+          <a:p>
+            <a:r>
+              <a:rPr lang="en-CA" dirty="0" smtClean="0"/>
+              <a:t>Decision trees</a:t>
+            </a:r>
+          </a:p>
+          <a:p>
+            <a:r>
+              <a:rPr lang="en-CA" dirty="0" smtClean="0"/>
+              <a:t>Rule sets</a:t>
+            </a:r>
+          </a:p>
+          <a:p>
+            <a:r>
+              <a:rPr lang="en-CA" dirty="0" smtClean="0"/>
+              <a:t>Inductive logic programming</a:t>
+            </a:r>
+          </a:p>
+          <a:p>
+            <a:r>
+              <a:rPr lang="en-CA" dirty="0" smtClean="0"/>
+              <a:t>Instance based learning</a:t>
+            </a:r>
+          </a:p>
+          <a:p>
+            <a:r>
+              <a:rPr lang="en-CA" dirty="0" smtClean="0"/>
+              <a:t>Rectangular generalizations</a:t>
+            </a:r>
+          </a:p>
+          <a:p>
+            <a:r>
+              <a:rPr lang="en-CA" dirty="0" smtClean="0"/>
+              <a:t>Flat clusters and </a:t>
             </a:r>
             <a:r>
               <a:rPr lang="en-CA" dirty="0" err="1" smtClean="0"/>
-              <a:t>pg</a:t>
-            </a:r>
-            <a:r>
-              <a:rPr lang="en-CA" dirty="0" smtClean="0"/>
-              <a:t> 55</a:t>
-            </a:r>
-            <a:endParaRPr lang="en-CA" dirty="0"/>
-          </a:p>
-        </p:txBody>
-      </p:sp>
-      <p:sp>
-        <p:nvSpPr>
-          <p:cNvPr id="3" name="Content Placeholder 2"/>
-          <p:cNvSpPr>
-            <a:spLocks noGrp="1"/>
-          </p:cNvSpPr>
-          <p:nvPr>
-            <p:ph idx="1"/>
-          </p:nvPr>
-        </p:nvSpPr>
-        <p:spPr/>
-        <p:txBody>
-          <a:bodyPr/>
-          <a:lstStyle/>
-          <a:p>
-            <a:r>
-              <a:rPr lang="en-CA" dirty="0" smtClean="0"/>
-              <a:t>Getting the data together</a:t>
-            </a:r>
-          </a:p>
-          <a:p>
-            <a:r>
-              <a:rPr lang="en-CA" dirty="0" err="1" smtClean="0"/>
-              <a:t>Flinks</a:t>
-            </a:r>
-            <a:r>
-              <a:rPr lang="en-CA" dirty="0" smtClean="0"/>
-              <a:t> example </a:t>
-            </a:r>
-          </a:p>
-          <a:p>
-            <a:r>
-              <a:rPr lang="en-CA" dirty="0" smtClean="0"/>
-              <a:t>Sparse data</a:t>
-            </a:r>
-          </a:p>
-          <a:p>
-            <a:r>
-              <a:rPr lang="en-CA" dirty="0" smtClean="0"/>
-              <a:t>Unbalanced data (</a:t>
-            </a:r>
-            <a:r>
-              <a:rPr lang="en-CA" dirty="0" err="1" smtClean="0"/>
-              <a:t>flinks</a:t>
-            </a:r>
-            <a:r>
-              <a:rPr lang="en-CA" dirty="0" smtClean="0"/>
-              <a:t>) (raw accuracy not always best metric)</a:t>
+              <a:t>dendrograms</a:t>
             </a:r>
             <a:endParaRPr lang="en-CA" dirty="0"/>
           </a:p>
@@ -4391,7 +4447,7 @@
     </p:spTree>
     <p:extLst>
       <p:ext uri="{BB962C8B-B14F-4D97-AF65-F5344CB8AC3E}">
-        <p14:creationId xmlns:p14="http://schemas.microsoft.com/office/powerpoint/2010/main" val="2731568421"/>
+        <p14:creationId xmlns:p14="http://schemas.microsoft.com/office/powerpoint/2010/main" val="3358489021"/>
       </p:ext>
     </p:extLst>
   </p:cSld>
@@ -4442,7 +4498,15 @@
           <a:p>
             <a:r>
               <a:rPr lang="en-CA" dirty="0" smtClean="0"/>
-              <a:t>Output – knowledge representation pg67</a:t>
+              <a:t>Linear model vs decision tree </a:t>
+            </a:r>
+            <a:r>
+              <a:rPr lang="en-CA" dirty="0" err="1" smtClean="0"/>
+              <a:t>pg</a:t>
+            </a:r>
+            <a:r>
+              <a:rPr lang="en-CA" dirty="0" smtClean="0"/>
+              <a:t> 72</a:t>
             </a:r>
             <a:endParaRPr lang="en-CA" dirty="0"/>
           </a:p>
@@ -4465,53 +4529,7 @@
           <a:p>
             <a:r>
               <a:rPr lang="en-CA" dirty="0" smtClean="0"/>
-              <a:t>Decision tables</a:t>
-            </a:r>
-          </a:p>
-          <a:p>
-            <a:r>
-              <a:rPr lang="en-CA" dirty="0" smtClean="0"/>
-              <a:t>Linear models</a:t>
-            </a:r>
-          </a:p>
-          <a:p>
-            <a:r>
-              <a:rPr lang="en-CA" dirty="0" smtClean="0"/>
-              <a:t>Decision trees</a:t>
-            </a:r>
-          </a:p>
-          <a:p>
-            <a:r>
-              <a:rPr lang="en-CA" dirty="0" smtClean="0"/>
-              <a:t>Rule sets</a:t>
-            </a:r>
-          </a:p>
-          <a:p>
-            <a:r>
-              <a:rPr lang="en-CA" dirty="0" smtClean="0"/>
-              <a:t>Inductive logic programming</a:t>
-            </a:r>
-          </a:p>
-          <a:p>
-            <a:r>
-              <a:rPr lang="en-CA" dirty="0" smtClean="0"/>
-              <a:t>Instance based learning</a:t>
-            </a:r>
-          </a:p>
-          <a:p>
-            <a:r>
-              <a:rPr lang="en-CA" dirty="0" smtClean="0"/>
-              <a:t>Rectangular generalizations</a:t>
-            </a:r>
-          </a:p>
-          <a:p>
-            <a:r>
-              <a:rPr lang="en-CA" dirty="0" smtClean="0"/>
-              <a:t>Flat clusters and </a:t>
-            </a:r>
-            <a:r>
-              <a:rPr lang="en-CA" dirty="0" err="1" smtClean="0"/>
-              <a:t>dendrograms</a:t>
+              <a:t>Regression tree is more accurate because a simple linear model poorly represents the data in this problem</a:t>
             </a:r>
             <a:endParaRPr lang="en-CA" dirty="0"/>
           </a:p>
@@ -4520,7 +4538,7 @@
     </p:spTree>
     <p:extLst>
       <p:ext uri="{BB962C8B-B14F-4D97-AF65-F5344CB8AC3E}">
-        <p14:creationId xmlns:p14="http://schemas.microsoft.com/office/powerpoint/2010/main" val="3358489021"/>
+        <p14:creationId xmlns:p14="http://schemas.microsoft.com/office/powerpoint/2010/main" val="484036334"/>
       </p:ext>
     </p:extLst>
   </p:cSld>
@@ -4571,15 +4589,19 @@
           <a:p>
             <a:r>
               <a:rPr lang="en-CA" dirty="0" smtClean="0"/>
-              <a:t>Linear model vs decision tree </a:t>
+              <a:t>Rules </a:t>
             </a:r>
             <a:r>
               <a:rPr lang="en-CA" dirty="0" err="1" smtClean="0"/>
               <a:t>pg</a:t>
             </a:r>
             <a:r>
-              <a:rPr lang="en-CA" dirty="0" smtClean="0"/>
-              <a:t> 72</a:t>
+              <a:rPr lang="en-CA" dirty="0"/>
+              <a:t> </a:t>
+            </a:r>
+            <a:r>
+              <a:rPr lang="en-CA" dirty="0" smtClean="0"/>
+              <a:t>72</a:t>
             </a:r>
             <a:endParaRPr lang="en-CA" dirty="0"/>
           </a:p>
@@ -4597,12 +4619,56 @@
         </p:nvSpPr>
         <p:spPr/>
         <p:txBody>
-          <a:bodyPr/>
-          <a:lstStyle/>
-          <a:p>
-            <a:r>
-              <a:rPr lang="en-CA" dirty="0" smtClean="0"/>
-              <a:t>Regression tree is more accurate because a simple linear model poorly represents the data in this problem</a:t>
+          <a:bodyPr>
+            <a:normAutofit fontScale="92500" lnSpcReduction="20000"/>
+          </a:bodyPr>
+          <a:lstStyle/>
+          <a:p>
+            <a:r>
+              <a:rPr lang="en-CA" dirty="0" smtClean="0"/>
+              <a:t>Antecedent is a series of tests</a:t>
+            </a:r>
+          </a:p>
+          <a:p>
+            <a:r>
+              <a:rPr lang="en-CA" dirty="0" smtClean="0"/>
+              <a:t>Consequent gives class of instance covered by rule</a:t>
+            </a:r>
+          </a:p>
+          <a:p>
+            <a:r>
+              <a:rPr lang="en-CA" dirty="0" smtClean="0"/>
+              <a:t>If (a &amp; b) then c</a:t>
+            </a:r>
+          </a:p>
+          <a:p>
+            <a:r>
+              <a:rPr lang="en-CA" dirty="0" smtClean="0"/>
+              <a:t>Easy to get rules from decision tree</a:t>
+            </a:r>
+          </a:p>
+          <a:p>
+            <a:r>
+              <a:rPr lang="en-CA" dirty="0" smtClean="0"/>
+              <a:t>Because decision trees cannot easily express disjunction implied among different rules in a set, transforming a general set of rules into a tree is not so straightforward</a:t>
+            </a:r>
+          </a:p>
+          <a:p>
+            <a:r>
+              <a:rPr lang="en-CA" dirty="0" smtClean="0"/>
+              <a:t>Replicated subtree problem</a:t>
+            </a:r>
+          </a:p>
+          <a:p>
+            <a:r>
+              <a:rPr lang="en-CA" dirty="0" smtClean="0"/>
+              <a:t>Redundancy of tree removes problem where if rules are taken out of order they may be incorrect</a:t>
+            </a:r>
+          </a:p>
+          <a:p>
+            <a:r>
+              <a:rPr lang="en-CA" dirty="0" smtClean="0"/>
+              <a:t>Some examples may be classified multiple times, or not at all with rules (this cannot happen with trees) pg78</a:t>
             </a:r>
             <a:endParaRPr lang="en-CA" dirty="0"/>
           </a:p>
@@ -4611,7 +4677,7 @@
     </p:spTree>
     <p:extLst>
       <p:ext uri="{BB962C8B-B14F-4D97-AF65-F5344CB8AC3E}">
-        <p14:creationId xmlns:p14="http://schemas.microsoft.com/office/powerpoint/2010/main" val="484036334"/>
+        <p14:creationId xmlns:p14="http://schemas.microsoft.com/office/powerpoint/2010/main" val="1353909509"/>
       </p:ext>
     </p:extLst>
   </p:cSld>
@@ -4662,19 +4728,15 @@
           <a:p>
             <a:r>
               <a:rPr lang="en-CA" dirty="0" smtClean="0"/>
-              <a:t>Rules </a:t>
+              <a:t>Closed world assumption and rules </a:t>
             </a:r>
             <a:r>
               <a:rPr lang="en-CA" dirty="0" err="1" smtClean="0"/>
               <a:t>pg</a:t>
             </a:r>
             <a:r>
-              <a:rPr lang="en-CA" dirty="0"/>
-              <a:t> </a:t>
-            </a:r>
-            <a:r>
-              <a:rPr lang="en-CA" dirty="0" smtClean="0"/>
-              <a:t>72</a:t>
+              <a:rPr lang="en-CA" dirty="0" smtClean="0"/>
+              <a:t> 78</a:t>
             </a:r>
             <a:endParaRPr lang="en-CA" dirty="0"/>
           </a:p>
@@ -4692,56 +4754,18 @@
         </p:nvSpPr>
         <p:spPr/>
         <p:txBody>
-          <a:bodyPr>
-            <a:normAutofit fontScale="92500" lnSpcReduction="20000"/>
-          </a:bodyPr>
-          <a:lstStyle/>
-          <a:p>
-            <a:r>
-              <a:rPr lang="en-CA" dirty="0" smtClean="0"/>
-              <a:t>Antecedent is a series of tests</a:t>
-            </a:r>
-          </a:p>
-          <a:p>
-            <a:r>
-              <a:rPr lang="en-CA" dirty="0" smtClean="0"/>
-              <a:t>Consequent gives class of instance covered by rule</a:t>
-            </a:r>
-          </a:p>
-          <a:p>
-            <a:r>
-              <a:rPr lang="en-CA" dirty="0" smtClean="0"/>
-              <a:t>If (a &amp; b) then c</a:t>
-            </a:r>
-          </a:p>
-          <a:p>
-            <a:r>
-              <a:rPr lang="en-CA" dirty="0" smtClean="0"/>
-              <a:t>Easy to get rules from decision tree</a:t>
-            </a:r>
-          </a:p>
-          <a:p>
-            <a:r>
-              <a:rPr lang="en-CA" dirty="0" smtClean="0"/>
-              <a:t>Because decision trees cannot easily express disjunction implied among different rules in a set, transforming a general set of rules into a tree is not so straightforward</a:t>
-            </a:r>
-          </a:p>
-          <a:p>
-            <a:r>
-              <a:rPr lang="en-CA" dirty="0" smtClean="0"/>
-              <a:t>Replicated subtree problem</a:t>
-            </a:r>
-          </a:p>
-          <a:p>
-            <a:r>
-              <a:rPr lang="en-CA" dirty="0" smtClean="0"/>
-              <a:t>Redundancy of tree removes problem where if rules are taken out of order they may be incorrect</a:t>
-            </a:r>
-          </a:p>
-          <a:p>
-            <a:r>
-              <a:rPr lang="en-CA" dirty="0" smtClean="0"/>
-              <a:t>Some examples may be classified multiple times, or not at all with rules (this cannot happen with trees) pg78</a:t>
+          <a:bodyPr/>
+          <a:lstStyle/>
+          <a:p>
+            <a:r>
+              <a:rPr lang="en-CA" dirty="0" smtClean="0"/>
+              <a:t>The case in which rules lead to a class that is Boolean, and only rules leading to one outcome (yes) are expressed</a:t>
+            </a:r>
+          </a:p>
+          <a:p>
+            <a:r>
+              <a:rPr lang="en-CA" dirty="0" smtClean="0"/>
+              <a:t>These rules can be written in disjunctive normal form</a:t>
             </a:r>
             <a:endParaRPr lang="en-CA" dirty="0"/>
           </a:p>
@@ -4750,7 +4774,7 @@
     </p:spTree>
     <p:extLst>
       <p:ext uri="{BB962C8B-B14F-4D97-AF65-F5344CB8AC3E}">
-        <p14:creationId xmlns:p14="http://schemas.microsoft.com/office/powerpoint/2010/main" val="1353909509"/>
+        <p14:creationId xmlns:p14="http://schemas.microsoft.com/office/powerpoint/2010/main" val="3505305600"/>
       </p:ext>
     </p:extLst>
   </p:cSld>
@@ -4801,7 +4825,7 @@
           <a:p>
             <a:r>
               <a:rPr lang="en-CA" dirty="0" smtClean="0"/>
-              <a:t>Closed world assumption and rules </a:t>
+              <a:t>Association rules </a:t>
             </a:r>
             <a:r>
               <a:rPr lang="en-CA" dirty="0" err="1" smtClean="0"/>
@@ -4832,13 +4856,7 @@
           <a:p>
             <a:r>
               <a:rPr lang="en-CA" dirty="0" smtClean="0"/>
-              <a:t>The case in which rules lead to a class that is Boolean, and only rules leading to one outcome (yes) are expressed</a:t>
-            </a:r>
-          </a:p>
-          <a:p>
-            <a:r>
-              <a:rPr lang="en-CA" dirty="0" smtClean="0"/>
-              <a:t>These rules can be written in disjunctive normal form</a:t>
+              <a:t>Coverage and support</a:t>
             </a:r>
             <a:endParaRPr lang="en-CA" dirty="0"/>
           </a:p>
@@ -4847,7 +4865,7 @@
     </p:spTree>
     <p:extLst>
       <p:ext uri="{BB962C8B-B14F-4D97-AF65-F5344CB8AC3E}">
-        <p14:creationId xmlns:p14="http://schemas.microsoft.com/office/powerpoint/2010/main" val="3505305600"/>
+        <p14:creationId xmlns:p14="http://schemas.microsoft.com/office/powerpoint/2010/main" val="3101809759"/>
       </p:ext>
     </p:extLst>
   </p:cSld>
@@ -4898,7 +4916,7 @@
           <a:p>
             <a:r>
               <a:rPr lang="en-CA" dirty="0" smtClean="0"/>
-              <a:t>Association rules </a:t>
+              <a:t>Rules with exceptions </a:t>
             </a:r>
             <a:r>
               <a:rPr lang="en-CA" dirty="0" err="1" smtClean="0"/>
@@ -4906,7 +4924,7 @@
             </a:r>
             <a:r>
               <a:rPr lang="en-CA" dirty="0" smtClean="0"/>
-              <a:t> 78</a:t>
+              <a:t> 79</a:t>
             </a:r>
             <a:endParaRPr lang="en-CA" dirty="0"/>
           </a:p>
@@ -4929,7 +4947,13 @@
           <a:p>
             <a:r>
               <a:rPr lang="en-CA" dirty="0" smtClean="0"/>
-              <a:t>Coverage and support</a:t>
+              <a:t>If x and y then x except if w then v</a:t>
+            </a:r>
+          </a:p>
+          <a:p>
+            <a:r>
+              <a:rPr lang="en-CA" dirty="0" smtClean="0"/>
+              <a:t>Allows to avoid use of decision lists</a:t>
             </a:r>
             <a:endParaRPr lang="en-CA" dirty="0"/>
           </a:p>
@@ -4938,7 +4962,7 @@
     </p:spTree>
     <p:extLst>
       <p:ext uri="{BB962C8B-B14F-4D97-AF65-F5344CB8AC3E}">
-        <p14:creationId xmlns:p14="http://schemas.microsoft.com/office/powerpoint/2010/main" val="3101809759"/>
+        <p14:creationId xmlns:p14="http://schemas.microsoft.com/office/powerpoint/2010/main" val="3215670475"/>
       </p:ext>
     </p:extLst>
   </p:cSld>
@@ -4989,15 +5013,7 @@
           <a:p>
             <a:r>
               <a:rPr lang="en-CA" dirty="0" smtClean="0"/>
-              <a:t>Rules with exceptions </a:t>
-            </a:r>
-            <a:r>
-              <a:rPr lang="en-CA" dirty="0" err="1" smtClean="0"/>
-              <a:t>pg</a:t>
-            </a:r>
-            <a:r>
-              <a:rPr lang="en-CA" dirty="0" smtClean="0"/>
-              <a:t> 79</a:t>
+              <a:t>More expressive rules pg81</a:t>
             </a:r>
             <a:endParaRPr lang="en-CA" dirty="0"/>
           </a:p>
@@ -5020,13 +5036,19 @@
           <a:p>
             <a:r>
               <a:rPr lang="en-CA" dirty="0" smtClean="0"/>
-              <a:t>If x and y then x except if w then v</a:t>
-            </a:r>
-          </a:p>
-          <a:p>
-            <a:r>
-              <a:rPr lang="en-CA" dirty="0" smtClean="0"/>
-              <a:t>Allows to avoid use of decision lists</a:t>
+              <a:t>Compare attributes with each other “if width &gt; height”</a:t>
+            </a:r>
+          </a:p>
+          <a:p>
+            <a:r>
+              <a:rPr lang="en-CA" dirty="0" smtClean="0"/>
+              <a:t>Add another attribute to instance through preprocessing (why?)</a:t>
+            </a:r>
+          </a:p>
+          <a:p>
+            <a:r>
+              <a:rPr lang="en-CA" dirty="0" smtClean="0"/>
+              <a:t>Recursive expressions pg84</a:t>
             </a:r>
             <a:endParaRPr lang="en-CA" dirty="0"/>
           </a:p>
@@ -5035,7 +5057,7 @@
     </p:spTree>
     <p:extLst>
       <p:ext uri="{BB962C8B-B14F-4D97-AF65-F5344CB8AC3E}">
-        <p14:creationId xmlns:p14="http://schemas.microsoft.com/office/powerpoint/2010/main" val="3215670475"/>
+        <p14:creationId xmlns:p14="http://schemas.microsoft.com/office/powerpoint/2010/main" val="2665989254"/>
       </p:ext>
     </p:extLst>
   </p:cSld>
@@ -5086,7 +5108,7 @@
           <a:p>
             <a:r>
               <a:rPr lang="en-CA" dirty="0" smtClean="0"/>
-              <a:t>More expressive rules pg81</a:t>
+              <a:t>Instance based representation pg84</a:t>
             </a:r>
             <a:endParaRPr lang="en-CA" dirty="0"/>
           </a:p>
@@ -5109,19 +5131,25 @@
           <a:p>
             <a:r>
               <a:rPr lang="en-CA" dirty="0" smtClean="0"/>
-              <a:t>Compare attributes with each other “if width &gt; height”</a:t>
-            </a:r>
-          </a:p>
-          <a:p>
-            <a:r>
-              <a:rPr lang="en-CA" dirty="0" smtClean="0"/>
-              <a:t>Add another attribute to instance through preprocessing (why?)</a:t>
-            </a:r>
-          </a:p>
-          <a:p>
-            <a:r>
-              <a:rPr lang="en-CA" dirty="0" smtClean="0"/>
-              <a:t>Recursive expressions pg84</a:t>
+              <a:t>Instead of trying to create rules, work directly from the examples themselves</a:t>
+            </a:r>
+          </a:p>
+          <a:p>
+            <a:r>
+              <a:rPr lang="en-CA" dirty="0" smtClean="0"/>
+              <a:t>Nearest neighbour classification</a:t>
+            </a:r>
+          </a:p>
+          <a:p>
+            <a:r>
+              <a:rPr lang="en-CA" dirty="0" smtClean="0"/>
+              <a:t>Given a single instance of each of two classes, nearest-neighbor rule effectively splits the instance space along the perpendicular bisector of the line joining the instances</a:t>
+            </a:r>
+          </a:p>
+          <a:p>
+            <a:r>
+              <a:rPr lang="en-CA" dirty="0" smtClean="0"/>
+              <a:t>Rectangular generalizations in instance space are just like rules with a special form of condition, one that tests a numeric variable against an upper and lower bound and selects the region in between</a:t>
             </a:r>
             <a:endParaRPr lang="en-CA" dirty="0"/>
           </a:p>
@@ -5130,7 +5158,7 @@
     </p:spTree>
     <p:extLst>
       <p:ext uri="{BB962C8B-B14F-4D97-AF65-F5344CB8AC3E}">
-        <p14:creationId xmlns:p14="http://schemas.microsoft.com/office/powerpoint/2010/main" val="2665989254"/>
+        <p14:creationId xmlns:p14="http://schemas.microsoft.com/office/powerpoint/2010/main" val="2795422327"/>
       </p:ext>
     </p:extLst>
   </p:cSld>
@@ -5181,7 +5209,15 @@
           <a:p>
             <a:r>
               <a:rPr lang="en-CA" dirty="0" smtClean="0"/>
-              <a:t>Instance based representation pg84</a:t>
+              <a:t>Clusters </a:t>
+            </a:r>
+            <a:r>
+              <a:rPr lang="en-CA" dirty="0" err="1" smtClean="0"/>
+              <a:t>pg</a:t>
+            </a:r>
+            <a:r>
+              <a:rPr lang="en-CA" dirty="0" smtClean="0"/>
+              <a:t> 87</a:t>
             </a:r>
             <a:endParaRPr lang="en-CA" dirty="0"/>
           </a:p>
@@ -5202,36 +5238,14 @@
           <a:bodyPr/>
           <a:lstStyle/>
           <a:p>
-            <a:r>
-              <a:rPr lang="en-CA" dirty="0" smtClean="0"/>
-              <a:t>Instead of trying to create rules, work directly from the examples themselves</a:t>
-            </a:r>
-          </a:p>
-          <a:p>
-            <a:r>
-              <a:rPr lang="en-CA" dirty="0" smtClean="0"/>
-              <a:t>Nearest neighbour classification</a:t>
-            </a:r>
-          </a:p>
-          <a:p>
-            <a:r>
-              <a:rPr lang="en-CA" dirty="0" smtClean="0"/>
-              <a:t>Given a single instance of each of two classes, nearest-neighbor rule effectively splits the instance space along the perpendicular bisector of the line joining the instances</a:t>
-            </a:r>
-          </a:p>
-          <a:p>
-            <a:r>
-              <a:rPr lang="en-CA" dirty="0" smtClean="0"/>
-              <a:t>Rectangular generalizations in instance space are just like rules with a special form of condition, one that tests a numeric variable against an upper and lower bound and selects the region in between</a:t>
-            </a:r>
-            <a:endParaRPr lang="en-CA" dirty="0"/>
+            <a:endParaRPr lang="en-CA"/>
           </a:p>
         </p:txBody>
       </p:sp>
     </p:spTree>
     <p:extLst>
       <p:ext uri="{BB962C8B-B14F-4D97-AF65-F5344CB8AC3E}">
-        <p14:creationId xmlns:p14="http://schemas.microsoft.com/office/powerpoint/2010/main" val="2795422327"/>
+        <p14:creationId xmlns:p14="http://schemas.microsoft.com/office/powerpoint/2010/main" val="2350560584"/>
       </p:ext>
     </p:extLst>
   </p:cSld>
@@ -5282,11 +5296,7 @@
           <a:p>
             <a:r>
               <a:rPr lang="en-CA" dirty="0" smtClean="0"/>
-              <a:t>Elon musk </a:t>
-            </a:r>
-            <a:r>
-              <a:rPr lang="en-CA" dirty="0" err="1" smtClean="0"/>
-              <a:t>neuralink</a:t>
+              <a:t>rules</a:t>
             </a:r>
             <a:endParaRPr lang="en-CA" dirty="0"/>
           </a:p>
@@ -5307,94 +5317,32 @@
           <a:bodyPr/>
           <a:lstStyle/>
           <a:p>
-            <a:endParaRPr lang="en-CA"/>
+            <a:r>
+              <a:rPr lang="en-CA" dirty="0" smtClean="0"/>
+              <a:t>Generalize from or summarize data</a:t>
+            </a:r>
+          </a:p>
+          <a:p>
+            <a:r>
+              <a:rPr lang="en-CA" dirty="0" smtClean="0"/>
+              <a:t>A more real world example than the contact lenses? (complete space of all possible outcomes), maximum likelihood rules</a:t>
+            </a:r>
+          </a:p>
+          <a:p>
+            <a:r>
+              <a:rPr lang="en-CA" dirty="0" smtClean="0"/>
+              <a:t>Video game (league of legends) </a:t>
+            </a:r>
+          </a:p>
+          <a:p>
+            <a:endParaRPr lang="en-CA" dirty="0"/>
           </a:p>
         </p:txBody>
       </p:sp>
     </p:spTree>
     <p:extLst>
       <p:ext uri="{BB962C8B-B14F-4D97-AF65-F5344CB8AC3E}">
-        <p14:creationId xmlns:p14="http://schemas.microsoft.com/office/powerpoint/2010/main" val="1122424526"/>
-      </p:ext>
-    </p:extLst>
-  </p:cSld>
-  <p:clrMapOvr>
-    <a:masterClrMapping/>
-  </p:clrMapOvr>
-</p:sld>
-</file>
-
-<file path=ppt/slides/slide30.xml><?xml version="1.0" encoding="utf-8"?>
-<p:sld xmlns:a="http://schemas.openxmlformats.org/drawingml/2006/main" xmlns:r="http://schemas.openxmlformats.org/officeDocument/2006/relationships" xmlns:p="http://schemas.openxmlformats.org/presentationml/2006/main">
-  <p:cSld>
-    <p:spTree>
-      <p:nvGrpSpPr>
-        <p:cNvPr id="1" name=""/>
-        <p:cNvGrpSpPr/>
-        <p:nvPr/>
-      </p:nvGrpSpPr>
-      <p:grpSpPr>
-        <a:xfrm>
-          <a:off x="0" y="0"/>
-          <a:ext cx="0" cy="0"/>
-          <a:chOff x="0" y="0"/>
-          <a:chExt cx="0" cy="0"/>
-        </a:xfrm>
-      </p:grpSpPr>
-      <p:sp>
-        <p:nvSpPr>
-          <p:cNvPr id="2" name="Title 1"/>
-          <p:cNvSpPr>
-            <a:spLocks noGrp="1"/>
-          </p:cNvSpPr>
-          <p:nvPr>
-            <p:ph type="title"/>
-          </p:nvPr>
-        </p:nvSpPr>
-        <p:spPr/>
-        <p:txBody>
-          <a:bodyPr/>
-          <a:lstStyle/>
-          <a:p>
-            <a:r>
-              <a:rPr lang="en-CA" dirty="0" smtClean="0"/>
-              <a:t>Clusters </a:t>
-            </a:r>
-            <a:r>
-              <a:rPr lang="en-CA" dirty="0" err="1" smtClean="0"/>
-              <a:t>pg</a:t>
-            </a:r>
-            <a:r>
-              <a:rPr lang="en-CA" dirty="0" smtClean="0"/>
-              <a:t> 87</a:t>
-            </a:r>
-            <a:endParaRPr lang="en-CA" dirty="0"/>
-          </a:p>
-        </p:txBody>
-      </p:sp>
-      <p:sp>
-        <p:nvSpPr>
-          <p:cNvPr id="3" name="Content Placeholder 2"/>
-          <p:cNvSpPr>
-            <a:spLocks noGrp="1"/>
-          </p:cNvSpPr>
-          <p:nvPr>
-            <p:ph idx="1"/>
-          </p:nvPr>
-        </p:nvSpPr>
-        <p:spPr/>
-        <p:txBody>
-          <a:bodyPr/>
-          <a:lstStyle/>
-          <a:p>
-            <a:endParaRPr lang="en-CA"/>
-          </a:p>
-        </p:txBody>
-      </p:sp>
-    </p:spTree>
-    <p:extLst>
-      <p:ext uri="{BB962C8B-B14F-4D97-AF65-F5344CB8AC3E}">
-        <p14:creationId xmlns:p14="http://schemas.microsoft.com/office/powerpoint/2010/main" val="2350560584"/>
+        <p14:creationId xmlns:p14="http://schemas.microsoft.com/office/powerpoint/2010/main" val="107267631"/>
       </p:ext>
     </p:extLst>
   </p:cSld>
@@ -5445,7 +5393,7 @@
           <a:p>
             <a:r>
               <a:rPr lang="en-CA" dirty="0" smtClean="0"/>
-              <a:t>rules</a:t>
+              <a:t>Learning:</a:t>
             </a:r>
             <a:endParaRPr lang="en-CA" dirty="0"/>
           </a:p>
@@ -5468,22 +5416,34 @@
           <a:p>
             <a:r>
               <a:rPr lang="en-CA" dirty="0" smtClean="0"/>
-              <a:t>Generalize from or summarize data</a:t>
-            </a:r>
-          </a:p>
-          <a:p>
-            <a:r>
-              <a:rPr lang="en-CA" dirty="0" smtClean="0"/>
-              <a:t>A more real world example than the contact lenses? (complete space of all possible outcomes), maximum likelihood rules</a:t>
-            </a:r>
-          </a:p>
-          <a:p>
-            <a:r>
-              <a:rPr lang="en-CA" dirty="0" smtClean="0"/>
-              <a:t>Video game (league of legends) </a:t>
-            </a:r>
-          </a:p>
-          <a:p>
+              <a:t>To change your behavior in a way that leads to improved performance</a:t>
+            </a:r>
+          </a:p>
+          <a:p>
+            <a:r>
+              <a:rPr lang="en-CA" dirty="0" smtClean="0"/>
+              <a:t>Skinner example (behaviorism) </a:t>
+            </a:r>
+          </a:p>
+          <a:p>
+            <a:r>
+              <a:rPr lang="en-CA" dirty="0" smtClean="0"/>
+              <a:t>Slipper example (intention)</a:t>
+            </a:r>
+          </a:p>
+          <a:p>
+            <a:r>
+              <a:rPr lang="en-CA" dirty="0" smtClean="0"/>
+              <a:t>Structural descriptions are at least as important as performance, machine learning is also used to gain knowledge – </a:t>
+            </a:r>
+            <a:r>
+              <a:rPr lang="en-CA" dirty="0" err="1" smtClean="0"/>
+              <a:t>flinks</a:t>
+            </a:r>
+            <a:r>
+              <a:rPr lang="en-CA" dirty="0" smtClean="0"/>
+              <a:t> example</a:t>
+            </a:r>
             <a:endParaRPr lang="en-CA" dirty="0"/>
           </a:p>
         </p:txBody>
@@ -5491,7 +5451,7 @@
     </p:spTree>
     <p:extLst>
       <p:ext uri="{BB962C8B-B14F-4D97-AF65-F5344CB8AC3E}">
-        <p14:creationId xmlns:p14="http://schemas.microsoft.com/office/powerpoint/2010/main" val="107267631"/>
+        <p14:creationId xmlns:p14="http://schemas.microsoft.com/office/powerpoint/2010/main" val="32579671"/>
       </p:ext>
     </p:extLst>
   </p:cSld>
@@ -5542,7 +5502,7 @@
           <a:p>
             <a:r>
               <a:rPr lang="en-CA" dirty="0" smtClean="0"/>
-              <a:t>Learning:</a:t>
+              <a:t>Decision list</a:t>
             </a:r>
             <a:endParaRPr lang="en-CA" dirty="0"/>
           </a:p>
@@ -5565,34 +5525,19 @@
           <a:p>
             <a:r>
               <a:rPr lang="en-CA" dirty="0" smtClean="0"/>
-              <a:t>To change your behavior in a way that leads to improved performance</a:t>
-            </a:r>
-          </a:p>
-          <a:p>
-            <a:r>
-              <a:rPr lang="en-CA" dirty="0" smtClean="0"/>
-              <a:t>Skinner example (behaviorism) </a:t>
-            </a:r>
-          </a:p>
-          <a:p>
-            <a:r>
-              <a:rPr lang="en-CA" dirty="0" smtClean="0"/>
-              <a:t>Slipper example (intention)</a:t>
-            </a:r>
-          </a:p>
-          <a:p>
-            <a:r>
-              <a:rPr lang="en-CA" dirty="0" smtClean="0"/>
-              <a:t>Structural descriptions are at least as important as performance, machine learning is also used to gain knowledge – </a:t>
-            </a:r>
-            <a:r>
-              <a:rPr lang="en-CA" dirty="0" err="1" smtClean="0"/>
-              <a:t>flinks</a:t>
-            </a:r>
-            <a:r>
-              <a:rPr lang="en-CA" dirty="0" smtClean="0"/>
-              <a:t> example</a:t>
-            </a:r>
+              <a:t>A set of rules to be interpreted in a sequence</a:t>
+            </a:r>
+          </a:p>
+          <a:p>
+            <a:r>
+              <a:rPr lang="en-CA" dirty="0" smtClean="0"/>
+              <a:t>Numeric tests vs simple true/false</a:t>
+            </a:r>
+          </a:p>
+          <a:p>
+            <a:pPr marL="0" indent="0">
+              <a:buNone/>
+            </a:pPr>
             <a:endParaRPr lang="en-CA" dirty="0"/>
           </a:p>
         </p:txBody>
@@ -5600,7 +5545,7 @@
     </p:spTree>
     <p:extLst>
       <p:ext uri="{BB962C8B-B14F-4D97-AF65-F5344CB8AC3E}">
-        <p14:creationId xmlns:p14="http://schemas.microsoft.com/office/powerpoint/2010/main" val="32579671"/>
+        <p14:creationId xmlns:p14="http://schemas.microsoft.com/office/powerpoint/2010/main" val="1761913027"/>
       </p:ext>
     </p:extLst>
   </p:cSld>
@@ -5651,7 +5596,7 @@
           <a:p>
             <a:r>
               <a:rPr lang="en-CA" dirty="0" smtClean="0"/>
-              <a:t>Decision list</a:t>
+              <a:t>Association rules</a:t>
             </a:r>
             <a:endParaRPr lang="en-CA" dirty="0"/>
           </a:p>
@@ -5672,29 +5617,14 @@
           <a:bodyPr/>
           <a:lstStyle/>
           <a:p>
-            <a:r>
-              <a:rPr lang="en-CA" dirty="0" smtClean="0"/>
-              <a:t>A set of rules to be interpreted in a sequence</a:t>
-            </a:r>
-          </a:p>
-          <a:p>
-            <a:r>
-              <a:rPr lang="en-CA" dirty="0" smtClean="0"/>
-              <a:t>Numeric tests vs simple true/false</a:t>
-            </a:r>
-          </a:p>
-          <a:p>
-            <a:pPr marL="0" indent="0">
-              <a:buNone/>
-            </a:pPr>
-            <a:endParaRPr lang="en-CA" dirty="0"/>
+            <a:endParaRPr lang="en-CA"/>
           </a:p>
         </p:txBody>
       </p:sp>
     </p:spTree>
     <p:extLst>
       <p:ext uri="{BB962C8B-B14F-4D97-AF65-F5344CB8AC3E}">
-        <p14:creationId xmlns:p14="http://schemas.microsoft.com/office/powerpoint/2010/main" val="1761913027"/>
+        <p14:creationId xmlns:p14="http://schemas.microsoft.com/office/powerpoint/2010/main" val="1713078301"/>
       </p:ext>
     </p:extLst>
   </p:cSld>
@@ -5745,7 +5675,7 @@
           <a:p>
             <a:r>
               <a:rPr lang="en-CA" dirty="0" smtClean="0"/>
-              <a:t>Association rules</a:t>
+              <a:t>Decision trees</a:t>
             </a:r>
             <a:endParaRPr lang="en-CA" dirty="0"/>
           </a:p>
@@ -5766,14 +5696,18 @@
           <a:bodyPr/>
           <a:lstStyle/>
           <a:p>
-            <a:endParaRPr lang="en-CA"/>
+            <a:r>
+              <a:rPr lang="en-CA" dirty="0" smtClean="0"/>
+              <a:t>Linked list vs tree</a:t>
+            </a:r>
+            <a:endParaRPr lang="en-CA" dirty="0"/>
           </a:p>
         </p:txBody>
       </p:sp>
     </p:spTree>
     <p:extLst>
       <p:ext uri="{BB962C8B-B14F-4D97-AF65-F5344CB8AC3E}">
-        <p14:creationId xmlns:p14="http://schemas.microsoft.com/office/powerpoint/2010/main" val="1713078301"/>
+        <p14:creationId xmlns:p14="http://schemas.microsoft.com/office/powerpoint/2010/main" val="3354623864"/>
       </p:ext>
     </p:extLst>
   </p:cSld>
@@ -5824,7 +5758,7 @@
           <a:p>
             <a:r>
               <a:rPr lang="en-CA" dirty="0" smtClean="0"/>
-              <a:t>Decision trees</a:t>
+              <a:t>Continuous prediction</a:t>
             </a:r>
             <a:endParaRPr lang="en-CA" dirty="0"/>
           </a:p>
@@ -5847,7 +5781,7 @@
           <a:p>
             <a:r>
               <a:rPr lang="en-CA" dirty="0" smtClean="0"/>
-              <a:t>Linked list vs tree</a:t>
+              <a:t>Linear regression</a:t>
             </a:r>
             <a:endParaRPr lang="en-CA" dirty="0"/>
           </a:p>
@@ -5856,7 +5790,7 @@
     </p:spTree>
     <p:extLst>
       <p:ext uri="{BB962C8B-B14F-4D97-AF65-F5344CB8AC3E}">
-        <p14:creationId xmlns:p14="http://schemas.microsoft.com/office/powerpoint/2010/main" val="3354623864"/>
+        <p14:creationId xmlns:p14="http://schemas.microsoft.com/office/powerpoint/2010/main" val="2539839402"/>
       </p:ext>
     </p:extLst>
   </p:cSld>
@@ -5907,7 +5841,7 @@
           <a:p>
             <a:r>
               <a:rPr lang="en-CA" dirty="0" smtClean="0"/>
-              <a:t>Continuous prediction</a:t>
+              <a:t>Realistic example</a:t>
             </a:r>
             <a:endParaRPr lang="en-CA" dirty="0"/>
           </a:p>
@@ -5930,16 +5864,21 @@
           <a:p>
             <a:r>
               <a:rPr lang="en-CA" dirty="0" smtClean="0"/>
-              <a:t>Linear regression</a:t>
-            </a:r>
-            <a:endParaRPr lang="en-CA" dirty="0"/>
+              <a:t>Labor negotiations</a:t>
+            </a:r>
+          </a:p>
+          <a:p>
+            <a:r>
+              <a:rPr lang="en-CA" dirty="0" smtClean="0"/>
+              <a:t>Missing data</a:t>
+            </a:r>
           </a:p>
         </p:txBody>
       </p:sp>
     </p:spTree>
     <p:extLst>
       <p:ext uri="{BB962C8B-B14F-4D97-AF65-F5344CB8AC3E}">
-        <p14:creationId xmlns:p14="http://schemas.microsoft.com/office/powerpoint/2010/main" val="2539839402"/>
+        <p14:creationId xmlns:p14="http://schemas.microsoft.com/office/powerpoint/2010/main" val="3129419652"/>
       </p:ext>
     </p:extLst>
   </p:cSld>
